--- a/presentation/presentation.pptx
+++ b/presentation/presentation.pptx
@@ -7,7 +7,7 @@
     <p:sldMasterId id="2147484315" r:id="rId3"/>
   </p:sldMasterIdLst>
   <p:notesMasterIdLst>
-    <p:notesMasterId r:id="rId29"/>
+    <p:notesMasterId r:id="rId30"/>
   </p:notesMasterIdLst>
   <p:sldIdLst>
     <p:sldId id="256" r:id="rId4"/>
@@ -19,22 +19,23 @@
     <p:sldId id="278" r:id="rId10"/>
     <p:sldId id="275" r:id="rId11"/>
     <p:sldId id="286" r:id="rId12"/>
-    <p:sldId id="280" r:id="rId13"/>
-    <p:sldId id="287" r:id="rId14"/>
-    <p:sldId id="288" r:id="rId15"/>
-    <p:sldId id="289" r:id="rId16"/>
-    <p:sldId id="290" r:id="rId17"/>
-    <p:sldId id="261" r:id="rId18"/>
-    <p:sldId id="282" r:id="rId19"/>
-    <p:sldId id="292" r:id="rId20"/>
-    <p:sldId id="293" r:id="rId21"/>
-    <p:sldId id="294" r:id="rId22"/>
-    <p:sldId id="265" r:id="rId23"/>
-    <p:sldId id="297" r:id="rId24"/>
-    <p:sldId id="295" r:id="rId25"/>
-    <p:sldId id="296" r:id="rId26"/>
-    <p:sldId id="281" r:id="rId27"/>
-    <p:sldId id="284" r:id="rId28"/>
+    <p:sldId id="284" r:id="rId13"/>
+    <p:sldId id="298" r:id="rId14"/>
+    <p:sldId id="299" r:id="rId15"/>
+    <p:sldId id="280" r:id="rId16"/>
+    <p:sldId id="287" r:id="rId17"/>
+    <p:sldId id="288" r:id="rId18"/>
+    <p:sldId id="289" r:id="rId19"/>
+    <p:sldId id="290" r:id="rId20"/>
+    <p:sldId id="261" r:id="rId21"/>
+    <p:sldId id="282" r:id="rId22"/>
+    <p:sldId id="292" r:id="rId23"/>
+    <p:sldId id="293" r:id="rId24"/>
+    <p:sldId id="294" r:id="rId25"/>
+    <p:sldId id="265" r:id="rId26"/>
+    <p:sldId id="297" r:id="rId27"/>
+    <p:sldId id="295" r:id="rId28"/>
+    <p:sldId id="296" r:id="rId29"/>
   </p:sldIdLst>
   <p:sldSz cx="12192000" cy="6858000"/>
   <p:notesSz cx="6858000" cy="9144000"/>
@@ -3157,7 +3158,7 @@
           <a:p>
             <a:fld id="{41F7716A-49A3-4B79-8AFA-3D6F03806951}" type="datetimeFigureOut">
               <a:rPr lang="en-GB" smtClean="0"/>
-              <a:t>22/05/2022</a:t>
+              <a:t>23/05/2022</a:t>
             </a:fld>
             <a:endParaRPr lang="en-GB"/>
           </a:p>
@@ -3490,7 +3491,7 @@
           <a:p>
             <a:fld id="{B433B0EB-5140-44A2-B0D6-648A9CAF4B7F}" type="slidenum">
               <a:rPr lang="en-GB" smtClean="0"/>
-              <a:t>18</a:t>
+              <a:t>21</a:t>
             </a:fld>
             <a:endParaRPr lang="en-GB"/>
           </a:p>
@@ -3574,7 +3575,7 @@
           <a:p>
             <a:fld id="{B433B0EB-5140-44A2-B0D6-648A9CAF4B7F}" type="slidenum">
               <a:rPr lang="en-GB" smtClean="0"/>
-              <a:t>20</a:t>
+              <a:t>23</a:t>
             </a:fld>
             <a:endParaRPr lang="en-GB"/>
           </a:p>
@@ -3749,7 +3750,7 @@
           <a:p>
             <a:fld id="{5E7AA473-D82F-4EFF-9DF7-AE6D83C51288}" type="datetime1">
               <a:rPr lang="en-US" smtClean="0"/>
-              <a:t>5/22/2022</a:t>
+              <a:t>5/23/2022</a:t>
             </a:fld>
             <a:endParaRPr lang="en-US"/>
           </a:p>
@@ -4003,7 +4004,7 @@
           <a:p>
             <a:fld id="{1E12F1F0-FE2D-4C1C-B320-8CB9BE735F0F}" type="datetime1">
               <a:rPr lang="en-US" smtClean="0"/>
-              <a:t>5/22/2022</a:t>
+              <a:t>5/23/2022</a:t>
             </a:fld>
             <a:endParaRPr lang="en-US"/>
           </a:p>
@@ -4271,7 +4272,7 @@
           <a:p>
             <a:fld id="{2CF1B96C-10FD-4EBC-9029-9652B7535D02}" type="datetime1">
               <a:rPr lang="en-US" smtClean="0"/>
-              <a:t>5/22/2022</a:t>
+              <a:t>5/23/2022</a:t>
             </a:fld>
             <a:endParaRPr lang="en-US"/>
           </a:p>
@@ -4820,7 +4821,7 @@
           <a:p>
             <a:fld id="{53BEF823-48A5-43FC-BE03-E79964288B41}" type="datetimeFigureOut">
               <a:rPr lang="en-US" smtClean="0"/>
-              <a:t>5/22/2022</a:t>
+              <a:t>5/23/2022</a:t>
             </a:fld>
             <a:endParaRPr lang="en-US" dirty="0"/>
           </a:p>
@@ -5031,7 +5032,7 @@
           <a:p>
             <a:fld id="{1CB9D56B-6EBE-4E5F-99D9-2A3DBDF37D0A}" type="datetime1">
               <a:rPr lang="en-US" smtClean="0"/>
-              <a:t>5/22/2022</a:t>
+              <a:t>5/23/2022</a:t>
             </a:fld>
             <a:endParaRPr lang="en-US"/>
           </a:p>
@@ -5233,7 +5234,7 @@
           <a:p>
             <a:fld id="{14878474-CC00-4A95-9D50-A41C12D1EEC4}" type="datetime1">
               <a:rPr lang="en-US" smtClean="0"/>
-              <a:t>5/22/2022</a:t>
+              <a:t>5/23/2022</a:t>
             </a:fld>
             <a:endParaRPr lang="en-US"/>
           </a:p>
@@ -5511,7 +5512,7 @@
           <a:p>
             <a:fld id="{7F38C8B4-7FBB-408F-BDB9-F0496874AFB2}" type="datetime1">
               <a:rPr lang="en-US" smtClean="0"/>
-              <a:t>5/22/2022</a:t>
+              <a:t>5/23/2022</a:t>
             </a:fld>
             <a:endParaRPr lang="en-US"/>
           </a:p>
@@ -5783,7 +5784,7 @@
           <a:p>
             <a:fld id="{2BB8EE20-A5E2-47D3-8F6D-A2BA7AB2E093}" type="datetime1">
               <a:rPr lang="en-US" smtClean="0"/>
-              <a:t>5/22/2022</a:t>
+              <a:t>5/23/2022</a:t>
             </a:fld>
             <a:endParaRPr lang="en-US"/>
           </a:p>
@@ -6341,7 +6342,7 @@
           <a:p>
             <a:fld id="{3382CF99-132F-413F-B7EF-71A5C33F2ED6}" type="datetime1">
               <a:rPr lang="en-US" smtClean="0"/>
-              <a:t>5/22/2022</a:t>
+              <a:t>5/23/2022</a:t>
             </a:fld>
             <a:endParaRPr lang="en-US"/>
           </a:p>
@@ -6483,7 +6484,7 @@
           <a:p>
             <a:fld id="{1F17AE06-98E0-4D9F-A059-92C3548821BB}" type="datetime1">
               <a:rPr lang="en-US" smtClean="0"/>
-              <a:t>5/22/2022</a:t>
+              <a:t>5/23/2022</a:t>
             </a:fld>
             <a:endParaRPr lang="en-US"/>
           </a:p>
@@ -6596,7 +6597,7 @@
           <a:p>
             <a:fld id="{FFBA00CA-3DDC-4705-B840-978EF5EA0707}" type="datetime1">
               <a:rPr lang="en-US" smtClean="0"/>
-              <a:t>5/22/2022</a:t>
+              <a:t>5/23/2022</a:t>
             </a:fld>
             <a:endParaRPr lang="en-US"/>
           </a:p>
@@ -6915,7 +6916,7 @@
           <a:p>
             <a:fld id="{FC366D49-0BBA-4C5A-AD96-6448CA63451A}" type="datetime1">
               <a:rPr lang="en-US" smtClean="0"/>
-              <a:t>5/22/2022</a:t>
+              <a:t>5/23/2022</a:t>
             </a:fld>
             <a:endParaRPr lang="en-US"/>
           </a:p>
@@ -7212,7 +7213,7 @@
           <a:p>
             <a:fld id="{4F4EB293-A316-472D-A8B4-6947CF1A12B7}" type="datetime1">
               <a:rPr lang="en-US" smtClean="0"/>
-              <a:t>5/22/2022</a:t>
+              <a:t>5/23/2022</a:t>
             </a:fld>
             <a:endParaRPr lang="en-US"/>
           </a:p>
@@ -7491,7 +7492,7 @@
           <a:p>
             <a:fld id="{734BCCD4-CEB1-405B-A443-DD9CBCBEA552}" type="datetime1">
               <a:rPr lang="en-US" smtClean="0"/>
-              <a:t>5/22/2022</a:t>
+              <a:t>5/23/2022</a:t>
             </a:fld>
             <a:endParaRPr lang="en-US"/>
           </a:p>
@@ -8326,7 +8327,7 @@
             <a:fld id="{53BEF823-48A5-43FC-BE03-E79964288B41}" type="datetimeFigureOut">
               <a:rPr lang="en-US" smtClean="0"/>
               <a:pPr algn="r"/>
-              <a:t>5/22/2022</a:t>
+              <a:t>5/23/2022</a:t>
             </a:fld>
             <a:endParaRPr lang="en-US" dirty="0"/>
           </a:p>
@@ -8927,7 +8928,7 @@
             <a:fld id="{193BAB95-8DA7-460B-B00A-7037C8394FB0}" type="datetime1">
               <a:rPr lang="en-US" smtClean="0"/>
               <a:pPr/>
-              <a:t>5/22/2022</a:t>
+              <a:t>5/23/2022</a:t>
             </a:fld>
             <a:endParaRPr lang="en-US" dirty="0"/>
           </a:p>
@@ -9699,7 +9700,10 @@
     <p:bg>
       <p:bgPr>
         <a:solidFill>
-          <a:schemeClr val="bg1"/>
+          <a:schemeClr val="bg1">
+            <a:tint val="95000"/>
+            <a:satMod val="170000"/>
+          </a:schemeClr>
         </a:solidFill>
         <a:effectLst/>
       </p:bgPr>
@@ -9718,12 +9722,12 @@
           <a:chExt cx="0" cy="0"/>
         </a:xfrm>
       </p:grpSpPr>
-      <p:sp>
+      <p:sp useBgFill="1">
         <p:nvSpPr>
-          <p:cNvPr id="137" name="Rectangle 119">
+          <p:cNvPr id="20" name="Rectangle 19">
             <a:extLst>
               <a:ext uri="{FF2B5EF4-FFF2-40B4-BE49-F238E27FC236}">
-                <a16:creationId xmlns:a16="http://schemas.microsoft.com/office/drawing/2014/main" id="{C0B27210-D0CA-4654-B3E3-9ABB4F178EA1}"/>
+                <a16:creationId xmlns:a16="http://schemas.microsoft.com/office/drawing/2014/main" id="{9B76D444-2756-434F-AE61-96D69830C13E}"/>
               </a:ext>
               <a:ext uri="{C183D7F6-B498-43B3-948B-1728B52AA6E4}">
                 <adec:decorative xmlns:adec="http://schemas.microsoft.com/office/drawing/2017/decorative" val="1"/>
@@ -9744,18 +9748,112 @@
         <p:spPr>
           <a:xfrm>
             <a:off x="0" y="0"/>
-            <a:ext cx="12192000" cy="6858000"/>
+            <a:ext cx="12188952" cy="6858000"/>
+          </a:xfrm>
+          <a:prstGeom prst="rect">
+            <a:avLst/>
+          </a:prstGeom>
+          <a:ln>
+            <a:noFill/>
+          </a:ln>
+        </p:spPr>
+        <p:style>
+          <a:lnRef idx="2">
+            <a:schemeClr val="accent1">
+              <a:shade val="50000"/>
+            </a:schemeClr>
+          </a:lnRef>
+          <a:fillRef idx="1">
+            <a:schemeClr val="accent1"/>
+          </a:fillRef>
+          <a:effectRef idx="0">
+            <a:schemeClr val="accent1"/>
+          </a:effectRef>
+          <a:fontRef idx="minor">
+            <a:schemeClr val="lt1"/>
+          </a:fontRef>
+        </p:style>
+        <p:txBody>
+          <a:bodyPr rtlCol="0" anchor="ctr"/>
+          <a:lstStyle/>
+          <a:p>
+            <a:pPr algn="ctr"/>
+            <a:endParaRPr lang="en-US"/>
+          </a:p>
+        </p:txBody>
+      </p:sp>
+      <p:pic>
+        <p:nvPicPr>
+          <p:cNvPr id="5" name="Picture 4" descr="Text&#10;&#10;Description automatically generated">
+            <a:extLst>
+              <a:ext uri="{FF2B5EF4-FFF2-40B4-BE49-F238E27FC236}">
+                <a16:creationId xmlns:a16="http://schemas.microsoft.com/office/drawing/2014/main" id="{3109FDC5-25F8-642A-B980-153D98B3C0A1}"/>
+              </a:ext>
+            </a:extLst>
+          </p:cNvPr>
+          <p:cNvPicPr>
+            <a:picLocks noChangeAspect="1"/>
+          </p:cNvPicPr>
+          <p:nvPr/>
+        </p:nvPicPr>
+        <p:blipFill rotWithShape="1">
+          <a:blip r:embed="rId2">
+            <a:extLst>
+              <a:ext uri="{28A0092B-C50C-407E-A947-70E740481C1C}">
+                <a14:useLocalDpi xmlns:a14="http://schemas.microsoft.com/office/drawing/2010/main" val="0"/>
+              </a:ext>
+            </a:extLst>
+          </a:blip>
+          <a:srcRect t="4704" r="-1" b="2716"/>
+          <a:stretch/>
+        </p:blipFill>
+        <p:spPr>
+          <a:xfrm>
+            <a:off x="320040" y="320040"/>
+            <a:ext cx="11548872" cy="4303462"/>
+          </a:xfrm>
+          <a:prstGeom prst="rect">
+            <a:avLst/>
+          </a:prstGeom>
+        </p:spPr>
+      </p:pic>
+      <p:sp>
+        <p:nvSpPr>
+          <p:cNvPr id="22" name="Rectangle 21">
+            <a:extLst>
+              <a:ext uri="{FF2B5EF4-FFF2-40B4-BE49-F238E27FC236}">
+                <a16:creationId xmlns:a16="http://schemas.microsoft.com/office/drawing/2014/main" id="{A27B6159-7734-4564-9E0F-C4BC43C36E52}"/>
+              </a:ext>
+              <a:ext uri="{C183D7F6-B498-43B3-948B-1728B52AA6E4}">
+                <adec:decorative xmlns:adec="http://schemas.microsoft.com/office/drawing/2017/decorative" val="1"/>
+              </a:ext>
+            </a:extLst>
+          </p:cNvPr>
+          <p:cNvSpPr>
+            <a:spLocks noGrp="1" noRot="1" noChangeAspect="1" noMove="1" noResize="1" noEditPoints="1" noAdjustHandles="1" noChangeArrowheads="1" noChangeShapeType="1" noTextEdit="1"/>
+          </p:cNvSpPr>
+          <p:nvPr>
+            <p:extLst>
+              <p:ext uri="{386F3935-93C4-4BCD-93E2-E3B085C9AB24}">
+                <p16:designElem xmlns:p16="http://schemas.microsoft.com/office/powerpoint/2015/main" val="1"/>
+              </p:ext>
+            </p:extLst>
+          </p:nvPr>
+        </p:nvSpPr>
+        <p:spPr bwMode="ltGray">
+          <a:xfrm>
+            <a:off x="321564" y="4782312"/>
+            <a:ext cx="11548872" cy="1755648"/>
           </a:xfrm>
           <a:prstGeom prst="rect">
             <a:avLst/>
           </a:prstGeom>
           <a:solidFill>
             <a:schemeClr val="tx1">
-              <a:lumMod val="75000"/>
-              <a:lumOff val="25000"/>
+              <a:alpha val="93000"/>
             </a:schemeClr>
           </a:solidFill>
-          <a:ln>
+          <a:ln w="127000" cap="sq" cmpd="thinThick">
             <a:noFill/>
           </a:ln>
         </p:spPr>
@@ -9831,18 +9929,18 @@
         </p:nvSpPr>
         <p:spPr>
           <a:xfrm>
-            <a:off x="6746628" y="1783959"/>
-            <a:ext cx="4645250" cy="2889114"/>
+            <a:off x="841248" y="5009083"/>
+            <a:ext cx="2889504" cy="1345997"/>
           </a:xfrm>
         </p:spPr>
         <p:txBody>
-          <a:bodyPr vert="horz" lIns="91440" tIns="45720" rIns="91440" bIns="45720" rtlCol="0" anchor="b">
+          <a:bodyPr vert="horz" lIns="91440" tIns="45720" rIns="91440" bIns="45720" rtlCol="0" anchor="ctr">
             <a:normAutofit/>
           </a:bodyPr>
           <a:lstStyle/>
           <a:p>
             <a:r>
-              <a:rPr lang="en-US" sz="6000" b="1" kern="1200" dirty="0">
+              <a:rPr lang="en-US" sz="2600" kern="1200">
                 <a:solidFill>
                   <a:schemeClr val="bg1"/>
                 </a:solidFill>
@@ -9850,26 +9948,26 @@
                 <a:ea typeface="+mj-ea"/>
                 <a:cs typeface="+mj-cs"/>
               </a:rPr>
-              <a:t>Frontend</a:t>
+              <a:t>Selected Query #1</a:t>
             </a:r>
           </a:p>
         </p:txBody>
       </p:sp>
-      <p:sp>
-        <p:nvSpPr>
-          <p:cNvPr id="138" name="Freeform: Shape 121">
+      <p:cxnSp>
+        <p:nvCxnSpPr>
+          <p:cNvPr id="24" name="Straight Connector 23">
             <a:extLst>
               <a:ext uri="{FF2B5EF4-FFF2-40B4-BE49-F238E27FC236}">
-                <a16:creationId xmlns:a16="http://schemas.microsoft.com/office/drawing/2014/main" id="{1DB7C82F-AB7E-4F0C-B829-FA1B9C415180}"/>
+                <a16:creationId xmlns:a16="http://schemas.microsoft.com/office/drawing/2014/main" id="{E2FFB46B-05BC-4950-B18A-9593FDAE6ED7}"/>
               </a:ext>
               <a:ext uri="{C183D7F6-B498-43B3-948B-1728B52AA6E4}">
                 <adec:decorative xmlns:adec="http://schemas.microsoft.com/office/drawing/2017/decorative" val="1"/>
               </a:ext>
             </a:extLst>
           </p:cNvPr>
-          <p:cNvSpPr>
-            <a:spLocks noGrp="1" noRot="1" noChangeAspect="1" noMove="1" noResize="1" noEditPoints="1" noAdjustHandles="1" noChangeArrowheads="1" noChangeShapeType="1" noTextEdit="1"/>
-          </p:cNvSpPr>
+          <p:cNvCxnSpPr>
+            <a:cxnSpLocks noGrp="1" noRot="1" noChangeAspect="1" noMove="1" noResize="1" noEditPoints="1" noAdjustHandles="1" noChangeArrowheads="1" noChangeShapeType="1"/>
+          </p:cNvCxnSpPr>
           <p:nvPr>
             <p:extLst>
               <p:ext uri="{386F3935-93C4-4BCD-93E2-E3B085C9AB24}">
@@ -9877,363 +9975,92 @@
               </p:ext>
             </p:extLst>
           </p:nvPr>
-        </p:nvSpPr>
+        </p:nvCxnSpPr>
         <p:spPr>
-          <a:xfrm flipH="1">
-            <a:off x="0" y="0"/>
-            <a:ext cx="6172782" cy="6858000"/>
+          <a:xfrm flipV="1">
+            <a:off x="4059936" y="5237979"/>
+            <a:ext cx="0" cy="914400"/>
           </a:xfrm>
-          <a:custGeom>
+          <a:prstGeom prst="line">
             <a:avLst/>
-            <a:gdLst>
-              <a:gd name="connsiteX0" fmla="*/ 6172782 w 6172782"/>
-              <a:gd name="connsiteY0" fmla="*/ 0 h 6858000"/>
-              <a:gd name="connsiteX1" fmla="*/ 69075 w 6172782"/>
-              <a:gd name="connsiteY1" fmla="*/ 0 h 6858000"/>
-              <a:gd name="connsiteX2" fmla="*/ 35131 w 6172782"/>
-              <a:gd name="connsiteY2" fmla="*/ 267128 h 6858000"/>
-              <a:gd name="connsiteX3" fmla="*/ 0 w 6172782"/>
-              <a:gd name="connsiteY3" fmla="*/ 962845 h 6858000"/>
-              <a:gd name="connsiteX4" fmla="*/ 3276103 w 6172782"/>
-              <a:gd name="connsiteY4" fmla="*/ 6782205 h 6858000"/>
-              <a:gd name="connsiteX5" fmla="*/ 3407923 w 6172782"/>
-              <a:gd name="connsiteY5" fmla="*/ 6858000 h 6858000"/>
-              <a:gd name="connsiteX6" fmla="*/ 6172782 w 6172782"/>
-              <a:gd name="connsiteY6" fmla="*/ 6858000 h 6858000"/>
-            </a:gdLst>
-            <a:ahLst/>
-            <a:cxnLst>
-              <a:cxn ang="0">
-                <a:pos x="connsiteX0" y="connsiteY0"/>
-              </a:cxn>
-              <a:cxn ang="0">
-                <a:pos x="connsiteX1" y="connsiteY1"/>
-              </a:cxn>
-              <a:cxn ang="0">
-                <a:pos x="connsiteX2" y="connsiteY2"/>
-              </a:cxn>
-              <a:cxn ang="0">
-                <a:pos x="connsiteX3" y="connsiteY3"/>
-              </a:cxn>
-              <a:cxn ang="0">
-                <a:pos x="connsiteX4" y="connsiteY4"/>
-              </a:cxn>
-              <a:cxn ang="0">
-                <a:pos x="connsiteX5" y="connsiteY5"/>
-              </a:cxn>
-              <a:cxn ang="0">
-                <a:pos x="connsiteX6" y="connsiteY6"/>
-              </a:cxn>
-            </a:cxnLst>
-            <a:rect l="l" t="t" r="r" b="b"/>
-            <a:pathLst>
-              <a:path w="6172782" h="6858000">
-                <a:moveTo>
-                  <a:pt x="6172782" y="0"/>
-                </a:moveTo>
-                <a:lnTo>
-                  <a:pt x="69075" y="0"/>
-                </a:lnTo>
-                <a:lnTo>
-                  <a:pt x="35131" y="267128"/>
-                </a:lnTo>
-                <a:cubicBezTo>
-                  <a:pt x="11901" y="495874"/>
-                  <a:pt x="0" y="727970"/>
-                  <a:pt x="0" y="962845"/>
-                </a:cubicBezTo>
-                <a:cubicBezTo>
-                  <a:pt x="0" y="3429034"/>
-                  <a:pt x="1312002" y="5588789"/>
-                  <a:pt x="3276103" y="6782205"/>
-                </a:cubicBezTo>
-                <a:lnTo>
-                  <a:pt x="3407923" y="6858000"/>
-                </a:lnTo>
-                <a:lnTo>
-                  <a:pt x="6172782" y="6858000"/>
-                </a:lnTo>
-                <a:close/>
-              </a:path>
-            </a:pathLst>
-          </a:custGeom>
-          <a:solidFill>
-            <a:schemeClr val="bg1">
-              <a:alpha val="80000"/>
-            </a:schemeClr>
-          </a:solidFill>
-          <a:ln>
-            <a:noFill/>
+          </a:prstGeom>
+          <a:ln w="19050">
+            <a:solidFill>
+              <a:schemeClr val="bg1">
+                <a:alpha val="80000"/>
+              </a:schemeClr>
+            </a:solidFill>
           </a:ln>
         </p:spPr>
         <p:style>
-          <a:lnRef idx="2">
-            <a:schemeClr val="accent1">
-              <a:shade val="50000"/>
-            </a:schemeClr>
+          <a:lnRef idx="1">
+            <a:schemeClr val="accent1"/>
           </a:lnRef>
-          <a:fillRef idx="1">
+          <a:fillRef idx="0">
             <a:schemeClr val="accent1"/>
           </a:fillRef>
           <a:effectRef idx="0">
             <a:schemeClr val="accent1"/>
           </a:effectRef>
           <a:fontRef idx="minor">
-            <a:schemeClr val="lt1"/>
+            <a:schemeClr val="tx1"/>
           </a:fontRef>
         </p:style>
-        <p:txBody>
-          <a:bodyPr wrap="square" rtlCol="0" anchor="ctr">
-            <a:noAutofit/>
-          </a:bodyPr>
-          <a:lstStyle/>
-          <a:p>
-            <a:pPr marL="0" marR="0" lvl="0" indent="0" algn="ctr" defTabSz="914400" rtl="0" eaLnBrk="1" fontAlgn="auto" latinLnBrk="0" hangingPunct="1">
-              <a:lnSpc>
-                <a:spcPct val="100000"/>
-              </a:lnSpc>
-              <a:spcBef>
-                <a:spcPts val="0"/>
-              </a:spcBef>
-              <a:spcAft>
-                <a:spcPts val="0"/>
-              </a:spcAft>
-              <a:buClrTx/>
-              <a:buSzTx/>
-              <a:buFontTx/>
-              <a:buNone/>
-              <a:tabLst/>
-              <a:defRPr/>
-            </a:pPr>
-            <a:endParaRPr kumimoji="0" lang="en-US" sz="1800" b="0" i="0" u="none" strike="noStrike" kern="1200" cap="none" spc="0" normalizeH="0" baseline="0" noProof="0">
-              <a:ln>
-                <a:noFill/>
-              </a:ln>
-              <a:solidFill>
-                <a:prstClr val="white"/>
-              </a:solidFill>
-              <a:effectLst/>
-              <a:uLnTx/>
-              <a:uFillTx/>
-              <a:latin typeface="Calibri" panose="020F0502020204030204"/>
-              <a:ea typeface="+mn-ea"/>
-              <a:cs typeface="+mn-cs"/>
-            </a:endParaRPr>
-          </a:p>
-        </p:txBody>
-      </p:sp>
+      </p:cxnSp>
       <p:sp>
         <p:nvSpPr>
-          <p:cNvPr id="139" name="Freeform: Shape 123">
+          <p:cNvPr id="4" name="Content Placeholder 3">
             <a:extLst>
               <a:ext uri="{FF2B5EF4-FFF2-40B4-BE49-F238E27FC236}">
-                <a16:creationId xmlns:a16="http://schemas.microsoft.com/office/drawing/2014/main" id="{70B66945-4967-4040-926D-DCA44313CDAB}"/>
-              </a:ext>
-              <a:ext uri="{C183D7F6-B498-43B3-948B-1728B52AA6E4}">
-                <adec:decorative xmlns:adec="http://schemas.microsoft.com/office/drawing/2017/decorative" val="1"/>
+                <a16:creationId xmlns:a16="http://schemas.microsoft.com/office/drawing/2014/main" id="{6687BE7B-454C-A3AE-8C92-88FF5ED25789}"/>
               </a:ext>
             </a:extLst>
           </p:cNvPr>
           <p:cNvSpPr>
-            <a:spLocks noGrp="1" noRot="1" noChangeAspect="1" noMove="1" noResize="1" noEditPoints="1" noAdjustHandles="1" noChangeArrowheads="1" noChangeShapeType="1" noTextEdit="1"/>
+            <a:spLocks noGrp="1"/>
           </p:cNvSpPr>
           <p:nvPr>
-            <p:extLst>
-              <p:ext uri="{386F3935-93C4-4BCD-93E2-E3B085C9AB24}">
-                <p16:designElem xmlns:p16="http://schemas.microsoft.com/office/powerpoint/2015/main" val="1"/>
-              </p:ext>
-            </p:extLst>
+            <p:ph idx="1"/>
           </p:nvPr>
         </p:nvSpPr>
         <p:spPr>
           <a:xfrm>
-            <a:off x="0" y="0"/>
-            <a:ext cx="6024154" cy="6858000"/>
+            <a:off x="4379976" y="5009083"/>
+            <a:ext cx="6976872" cy="1345997"/>
           </a:xfrm>
-          <a:custGeom>
-            <a:avLst/>
-            <a:gdLst>
-              <a:gd name="connsiteX0" fmla="*/ 0 w 6024154"/>
-              <a:gd name="connsiteY0" fmla="*/ 0 h 6858000"/>
-              <a:gd name="connsiteX1" fmla="*/ 5953780 w 6024154"/>
-              <a:gd name="connsiteY1" fmla="*/ 0 h 6858000"/>
-              <a:gd name="connsiteX2" fmla="*/ 5989880 w 6024154"/>
-              <a:gd name="connsiteY2" fmla="*/ 284091 h 6858000"/>
-              <a:gd name="connsiteX3" fmla="*/ 6024154 w 6024154"/>
-              <a:gd name="connsiteY3" fmla="*/ 962844 h 6858000"/>
-              <a:gd name="connsiteX4" fmla="*/ 2549934 w 6024154"/>
-              <a:gd name="connsiteY4" fmla="*/ 6800152 h 6858000"/>
-              <a:gd name="connsiteX5" fmla="*/ 2436987 w 6024154"/>
-              <a:gd name="connsiteY5" fmla="*/ 6858000 h 6858000"/>
-              <a:gd name="connsiteX6" fmla="*/ 0 w 6024154"/>
-              <a:gd name="connsiteY6" fmla="*/ 6858000 h 6858000"/>
-            </a:gdLst>
-            <a:ahLst/>
-            <a:cxnLst>
-              <a:cxn ang="0">
-                <a:pos x="connsiteX0" y="connsiteY0"/>
-              </a:cxn>
-              <a:cxn ang="0">
-                <a:pos x="connsiteX1" y="connsiteY1"/>
-              </a:cxn>
-              <a:cxn ang="0">
-                <a:pos x="connsiteX2" y="connsiteY2"/>
-              </a:cxn>
-              <a:cxn ang="0">
-                <a:pos x="connsiteX3" y="connsiteY3"/>
-              </a:cxn>
-              <a:cxn ang="0">
-                <a:pos x="connsiteX4" y="connsiteY4"/>
-              </a:cxn>
-              <a:cxn ang="0">
-                <a:pos x="connsiteX5" y="connsiteY5"/>
-              </a:cxn>
-              <a:cxn ang="0">
-                <a:pos x="connsiteX6" y="connsiteY6"/>
-              </a:cxn>
-            </a:cxnLst>
-            <a:rect l="l" t="t" r="r" b="b"/>
-            <a:pathLst>
-              <a:path w="6024154" h="6858000">
-                <a:moveTo>
-                  <a:pt x="0" y="0"/>
-                </a:moveTo>
-                <a:lnTo>
-                  <a:pt x="5953780" y="0"/>
-                </a:lnTo>
-                <a:lnTo>
-                  <a:pt x="5989880" y="284091"/>
-                </a:lnTo>
-                <a:cubicBezTo>
-                  <a:pt x="6012544" y="507260"/>
-                  <a:pt x="6024154" y="733696"/>
-                  <a:pt x="6024154" y="962844"/>
-                </a:cubicBezTo>
-                <a:cubicBezTo>
-                  <a:pt x="6024154" y="3483472"/>
-                  <a:pt x="4619336" y="5675986"/>
-                  <a:pt x="2549934" y="6800152"/>
-                </a:cubicBezTo>
-                <a:lnTo>
-                  <a:pt x="2436987" y="6858000"/>
-                </a:lnTo>
-                <a:lnTo>
-                  <a:pt x="0" y="6858000"/>
-                </a:lnTo>
-                <a:close/>
-              </a:path>
-            </a:pathLst>
-          </a:custGeom>
-          <a:solidFill>
-            <a:schemeClr val="bg1"/>
-          </a:solidFill>
-          <a:ln>
-            <a:noFill/>
-          </a:ln>
         </p:spPr>
-        <p:style>
-          <a:lnRef idx="2">
-            <a:schemeClr val="accent1">
-              <a:shade val="50000"/>
-            </a:schemeClr>
-          </a:lnRef>
-          <a:fillRef idx="1">
-            <a:schemeClr val="accent1"/>
-          </a:fillRef>
-          <a:effectRef idx="0">
-            <a:schemeClr val="accent1"/>
-          </a:effectRef>
-          <a:fontRef idx="minor">
-            <a:schemeClr val="lt1"/>
-          </a:fontRef>
-        </p:style>
         <p:txBody>
-          <a:bodyPr wrap="square" rtlCol="0" anchor="ctr">
-            <a:noAutofit/>
+          <a:bodyPr vert="horz" lIns="91440" tIns="45720" rIns="91440" bIns="45720" rtlCol="0" anchor="ctr">
+            <a:normAutofit/>
           </a:bodyPr>
           <a:lstStyle/>
           <a:p>
-            <a:pPr marL="0" marR="0" lvl="0" indent="0" algn="ctr" defTabSz="914400" rtl="0" eaLnBrk="1" fontAlgn="auto" latinLnBrk="0" hangingPunct="1">
-              <a:lnSpc>
-                <a:spcPct val="100000"/>
-              </a:lnSpc>
-              <a:spcBef>
-                <a:spcPts val="0"/>
-              </a:spcBef>
-              <a:spcAft>
-                <a:spcPts val="0"/>
-              </a:spcAft>
-              <a:buClrTx/>
-              <a:buSzTx/>
-              <a:buFontTx/>
+            <a:pPr marL="0" indent="0">
               <a:buNone/>
-              <a:tabLst/>
-              <a:defRPr/>
             </a:pPr>
-            <a:endParaRPr kumimoji="0" lang="en-US" sz="1800" b="0" i="0" u="none" strike="noStrike" kern="1200" cap="none" spc="0" normalizeH="0" baseline="0" noProof="0">
-              <a:ln>
-                <a:noFill/>
-              </a:ln>
-              <a:solidFill>
-                <a:prstClr val="white"/>
-              </a:solidFill>
-              <a:effectLst/>
-              <a:uLnTx/>
-              <a:uFillTx/>
-              <a:latin typeface="Calibri" panose="020F0502020204030204"/>
-              <a:ea typeface="+mn-ea"/>
-              <a:cs typeface="+mn-cs"/>
-            </a:endParaRPr>
+            <a:r>
+              <a:rPr lang="en-US" sz="1700" kern="1200">
+                <a:solidFill>
+                  <a:schemeClr val="bg1"/>
+                </a:solidFill>
+                <a:latin typeface="+mn-lt"/>
+                <a:ea typeface="+mn-ea"/>
+                <a:cs typeface="+mn-cs"/>
+              </a:rPr>
+              <a:t>The following query is used to get the sent invitations to view on the dashboard for the hiring manager. </a:t>
+            </a:r>
           </a:p>
         </p:txBody>
       </p:sp>
-      <p:pic>
-        <p:nvPicPr>
-          <p:cNvPr id="6" name="Graphique 18" descr="Monitor with solid fill">
-            <a:extLst>
-              <a:ext uri="{FF2B5EF4-FFF2-40B4-BE49-F238E27FC236}">
-                <a16:creationId xmlns:a16="http://schemas.microsoft.com/office/drawing/2014/main" id="{CC8E2C7A-5E9A-E701-E95A-751357B5527D}"/>
-              </a:ext>
-            </a:extLst>
-          </p:cNvPr>
-          <p:cNvPicPr>
-            <a:picLocks noChangeAspect="1"/>
-          </p:cNvPicPr>
-          <p:nvPr/>
-        </p:nvPicPr>
-        <p:blipFill>
-          <a:blip r:embed="rId2">
-            <a:extLst>
-              <a:ext uri="{28A0092B-C50C-407E-A947-70E740481C1C}">
-                <a14:useLocalDpi xmlns:a14="http://schemas.microsoft.com/office/drawing/2010/main" val="0"/>
-              </a:ext>
-              <a:ext uri="{96DAC541-7B7A-43D3-8B79-37D633B846F1}">
-                <asvg:svgBlip xmlns:asvg="http://schemas.microsoft.com/office/drawing/2016/SVG/main" r:embed="rId3"/>
-              </a:ext>
-            </a:extLst>
-          </a:blip>
-          <a:srcRect/>
-          <a:stretch/>
-        </p:blipFill>
-        <p:spPr>
-          <a:xfrm>
-            <a:off x="419382" y="720993"/>
-            <a:ext cx="4047843" cy="4047843"/>
-          </a:xfrm>
-          <a:prstGeom prst="rect">
-            <a:avLst/>
-          </a:prstGeom>
-        </p:spPr>
-      </p:pic>
     </p:spTree>
     <p:extLst>
       <p:ext uri="{BB962C8B-B14F-4D97-AF65-F5344CB8AC3E}">
-        <p14:creationId xmlns:p14="http://schemas.microsoft.com/office/powerpoint/2010/main" val="1606100126"/>
+        <p14:creationId xmlns:p14="http://schemas.microsoft.com/office/powerpoint/2010/main" val="3860313996"/>
       </p:ext>
     </p:extLst>
   </p:cSld>
   <p:clrMapOvr>
-    <a:overrideClrMapping bg1="lt1" tx1="dk1" bg2="lt2" tx2="dk2" accent1="accent1" accent2="accent2" accent3="accent3" accent4="accent4" accent5="accent5" accent6="accent6" hlink="hlink" folHlink="folHlink"/>
+    <a:overrideClrMapping bg1="dk1" tx1="lt1" bg2="dk2" tx2="lt2" accent1="accent1" accent2="accent2" accent3="accent3" accent4="accent4" accent5="accent5" accent6="accent6" hlink="hlink" folHlink="folHlink"/>
   </p:clrMapOvr>
   <p:timing>
     <p:tnLst>
@@ -10336,7 +10163,10 @@
     <p:bg>
       <p:bgPr>
         <a:solidFill>
-          <a:schemeClr val="bg1"/>
+          <a:schemeClr val="bg1">
+            <a:tint val="95000"/>
+            <a:satMod val="170000"/>
+          </a:schemeClr>
         </a:solidFill>
         <a:effectLst/>
       </p:bgPr>
@@ -10355,6 +10185,195 @@
           <a:chExt cx="0" cy="0"/>
         </a:xfrm>
       </p:grpSpPr>
+      <p:sp useBgFill="1">
+        <p:nvSpPr>
+          <p:cNvPr id="40" name="Rectangle 33">
+            <a:extLst>
+              <a:ext uri="{FF2B5EF4-FFF2-40B4-BE49-F238E27FC236}">
+                <a16:creationId xmlns:a16="http://schemas.microsoft.com/office/drawing/2014/main" id="{9B76D444-2756-434F-AE61-96D69830C13E}"/>
+              </a:ext>
+              <a:ext uri="{C183D7F6-B498-43B3-948B-1728B52AA6E4}">
+                <adec:decorative xmlns:adec="http://schemas.microsoft.com/office/drawing/2017/decorative" val="1"/>
+              </a:ext>
+            </a:extLst>
+          </p:cNvPr>
+          <p:cNvSpPr>
+            <a:spLocks noGrp="1" noRot="1" noChangeAspect="1" noMove="1" noResize="1" noEditPoints="1" noAdjustHandles="1" noChangeArrowheads="1" noChangeShapeType="1" noTextEdit="1"/>
+          </p:cNvSpPr>
+          <p:nvPr>
+            <p:extLst>
+              <p:ext uri="{386F3935-93C4-4BCD-93E2-E3B085C9AB24}">
+                <p16:designElem xmlns:p16="http://schemas.microsoft.com/office/powerpoint/2015/main" val="1"/>
+              </p:ext>
+            </p:extLst>
+          </p:nvPr>
+        </p:nvSpPr>
+        <p:spPr>
+          <a:xfrm>
+            <a:off x="0" y="0"/>
+            <a:ext cx="12188952" cy="6858000"/>
+          </a:xfrm>
+          <a:prstGeom prst="rect">
+            <a:avLst/>
+          </a:prstGeom>
+          <a:ln>
+            <a:noFill/>
+          </a:ln>
+        </p:spPr>
+        <p:style>
+          <a:lnRef idx="2">
+            <a:schemeClr val="accent1">
+              <a:shade val="50000"/>
+            </a:schemeClr>
+          </a:lnRef>
+          <a:fillRef idx="1">
+            <a:schemeClr val="accent1"/>
+          </a:fillRef>
+          <a:effectRef idx="0">
+            <a:schemeClr val="accent1"/>
+          </a:effectRef>
+          <a:fontRef idx="minor">
+            <a:schemeClr val="lt1"/>
+          </a:fontRef>
+        </p:style>
+        <p:txBody>
+          <a:bodyPr rtlCol="0" anchor="ctr"/>
+          <a:lstStyle/>
+          <a:p>
+            <a:pPr algn="ctr"/>
+            <a:endParaRPr lang="en-US"/>
+          </a:p>
+        </p:txBody>
+      </p:sp>
+      <p:pic>
+        <p:nvPicPr>
+          <p:cNvPr id="5" name="Picture 4">
+            <a:extLst>
+              <a:ext uri="{FF2B5EF4-FFF2-40B4-BE49-F238E27FC236}">
+                <a16:creationId xmlns:a16="http://schemas.microsoft.com/office/drawing/2014/main" id="{3109FDC5-25F8-642A-B980-153D98B3C0A1}"/>
+              </a:ext>
+            </a:extLst>
+          </p:cNvPr>
+          <p:cNvPicPr>
+            <a:picLocks noChangeAspect="1"/>
+          </p:cNvPicPr>
+          <p:nvPr/>
+        </p:nvPicPr>
+        <p:blipFill rotWithShape="1">
+          <a:blip r:embed="rId2">
+            <a:extLst>
+              <a:ext uri="{28A0092B-C50C-407E-A947-70E740481C1C}">
+                <a14:useLocalDpi xmlns:a14="http://schemas.microsoft.com/office/drawing/2010/main" val="0"/>
+              </a:ext>
+            </a:extLst>
+          </a:blip>
+          <a:srcRect t="14675" r="-1" b="13665"/>
+          <a:stretch/>
+        </p:blipFill>
+        <p:spPr>
+          <a:xfrm>
+            <a:off x="320040" y="320040"/>
+            <a:ext cx="11548872" cy="4303462"/>
+          </a:xfrm>
+          <a:prstGeom prst="rect">
+            <a:avLst/>
+          </a:prstGeom>
+        </p:spPr>
+      </p:pic>
+      <p:sp>
+        <p:nvSpPr>
+          <p:cNvPr id="41" name="Rectangle 35">
+            <a:extLst>
+              <a:ext uri="{FF2B5EF4-FFF2-40B4-BE49-F238E27FC236}">
+                <a16:creationId xmlns:a16="http://schemas.microsoft.com/office/drawing/2014/main" id="{A27B6159-7734-4564-9E0F-C4BC43C36E52}"/>
+              </a:ext>
+              <a:ext uri="{C183D7F6-B498-43B3-948B-1728B52AA6E4}">
+                <adec:decorative xmlns:adec="http://schemas.microsoft.com/office/drawing/2017/decorative" val="1"/>
+              </a:ext>
+            </a:extLst>
+          </p:cNvPr>
+          <p:cNvSpPr>
+            <a:spLocks noGrp="1" noRot="1" noChangeAspect="1" noMove="1" noResize="1" noEditPoints="1" noAdjustHandles="1" noChangeArrowheads="1" noChangeShapeType="1" noTextEdit="1"/>
+          </p:cNvSpPr>
+          <p:nvPr>
+            <p:extLst>
+              <p:ext uri="{386F3935-93C4-4BCD-93E2-E3B085C9AB24}">
+                <p16:designElem xmlns:p16="http://schemas.microsoft.com/office/powerpoint/2015/main" val="1"/>
+              </p:ext>
+            </p:extLst>
+          </p:nvPr>
+        </p:nvSpPr>
+        <p:spPr bwMode="ltGray">
+          <a:xfrm>
+            <a:off x="321564" y="4782312"/>
+            <a:ext cx="11548872" cy="1755648"/>
+          </a:xfrm>
+          <a:prstGeom prst="rect">
+            <a:avLst/>
+          </a:prstGeom>
+          <a:solidFill>
+            <a:schemeClr val="tx1">
+              <a:alpha val="93000"/>
+            </a:schemeClr>
+          </a:solidFill>
+          <a:ln w="127000" cap="sq" cmpd="thinThick">
+            <a:noFill/>
+          </a:ln>
+        </p:spPr>
+        <p:style>
+          <a:lnRef idx="2">
+            <a:schemeClr val="accent1">
+              <a:shade val="50000"/>
+            </a:schemeClr>
+          </a:lnRef>
+          <a:fillRef idx="1">
+            <a:schemeClr val="accent1"/>
+          </a:fillRef>
+          <a:effectRef idx="0">
+            <a:schemeClr val="accent1"/>
+          </a:effectRef>
+          <a:fontRef idx="minor">
+            <a:schemeClr val="lt1"/>
+          </a:fontRef>
+        </p:style>
+        <p:txBody>
+          <a:bodyPr rtlCol="0" anchor="ctr"/>
+          <a:lstStyle/>
+          <a:p>
+            <a:pPr marL="0" marR="0" lvl="0" indent="0" algn="ctr" defTabSz="914400" rtl="0" eaLnBrk="1" fontAlgn="auto" latinLnBrk="0" hangingPunct="1">
+              <a:lnSpc>
+                <a:spcPct val="100000"/>
+              </a:lnSpc>
+              <a:spcBef>
+                <a:spcPts val="0"/>
+              </a:spcBef>
+              <a:spcAft>
+                <a:spcPts val="0"/>
+              </a:spcAft>
+              <a:buClrTx/>
+              <a:buSzTx/>
+              <a:buFontTx/>
+              <a:buNone/>
+              <a:tabLst/>
+              <a:defRPr/>
+            </a:pPr>
+            <a:endParaRPr kumimoji="0" lang="en-US" sz="1800" b="0" i="0" u="none" strike="noStrike" kern="1200" cap="none" spc="0" normalizeH="0" baseline="0" noProof="0">
+              <a:ln>
+                <a:noFill/>
+              </a:ln>
+              <a:solidFill>
+                <a:prstClr val="white"/>
+              </a:solidFill>
+              <a:effectLst/>
+              <a:uLnTx/>
+              <a:uFillTx/>
+              <a:latin typeface="Calibri" panose="020F0502020204030204"/>
+              <a:ea typeface="+mn-ea"/>
+              <a:cs typeface="+mn-cs"/>
+            </a:endParaRPr>
+          </a:p>
+        </p:txBody>
+      </p:sp>
       <p:sp>
         <p:nvSpPr>
           <p:cNvPr id="2" name="Title 1">
@@ -10373,8 +10392,8 @@
         </p:nvSpPr>
         <p:spPr>
           <a:xfrm>
-            <a:off x="640080" y="5576887"/>
-            <a:ext cx="10911840" cy="640081"/>
+            <a:off x="841248" y="5009083"/>
+            <a:ext cx="2889504" cy="1345997"/>
           </a:xfrm>
         </p:spPr>
         <p:txBody>
@@ -10383,68 +10402,123 @@
           </a:bodyPr>
           <a:lstStyle/>
           <a:p>
-            <a:pPr algn="ctr"/>
             <a:r>
-              <a:rPr lang="en-US" sz="2000" b="1"/>
-              <a:t>Frontend</a:t>
-            </a:r>
-            <a:br>
-              <a:rPr lang="en-US" sz="2000" b="1"/>
-            </a:br>
-            <a:r>
-              <a:rPr lang="en-US" sz="2000"/>
-              <a:t>Home Page</a:t>
+              <a:rPr lang="en-US" sz="2600" kern="1200">
+                <a:solidFill>
+                  <a:schemeClr val="bg1"/>
+                </a:solidFill>
+                <a:latin typeface="+mj-lt"/>
+                <a:ea typeface="+mj-ea"/>
+                <a:cs typeface="+mj-cs"/>
+              </a:rPr>
+              <a:t>Selected Query #2</a:t>
             </a:r>
           </a:p>
         </p:txBody>
       </p:sp>
-      <p:pic>
-        <p:nvPicPr>
-          <p:cNvPr id="5" name="Content Placeholder 4" descr="Graphical user interface, application, website&#10;&#10;Description automatically generated">
+      <p:cxnSp>
+        <p:nvCxnSpPr>
+          <p:cNvPr id="42" name="Straight Connector 37">
             <a:extLst>
               <a:ext uri="{FF2B5EF4-FFF2-40B4-BE49-F238E27FC236}">
-                <a16:creationId xmlns:a16="http://schemas.microsoft.com/office/drawing/2014/main" id="{E51C1418-81C6-C0F9-654E-C3DBA4A2E9B3}"/>
+                <a16:creationId xmlns:a16="http://schemas.microsoft.com/office/drawing/2014/main" id="{E2FFB46B-05BC-4950-B18A-9593FDAE6ED7}"/>
+              </a:ext>
+              <a:ext uri="{C183D7F6-B498-43B3-948B-1728B52AA6E4}">
+                <adec:decorative xmlns:adec="http://schemas.microsoft.com/office/drawing/2017/decorative" val="1"/>
               </a:ext>
             </a:extLst>
           </p:cNvPr>
-          <p:cNvPicPr>
-            <a:picLocks noGrp="1" noChangeAspect="1"/>
-          </p:cNvPicPr>
+          <p:cNvCxnSpPr>
+            <a:cxnSpLocks noGrp="1" noRot="1" noChangeAspect="1" noMove="1" noResize="1" noEditPoints="1" noAdjustHandles="1" noChangeArrowheads="1" noChangeShapeType="1"/>
+          </p:cNvCxnSpPr>
           <p:nvPr>
-            <p:ph idx="1"/>
+            <p:extLst>
+              <p:ext uri="{386F3935-93C4-4BCD-93E2-E3B085C9AB24}">
+                <p16:designElem xmlns:p16="http://schemas.microsoft.com/office/powerpoint/2015/main" val="1"/>
+              </p:ext>
+            </p:extLst>
           </p:nvPr>
-        </p:nvPicPr>
-        <p:blipFill rotWithShape="1">
-          <a:blip r:embed="rId2">
-            <a:extLst>
-              <a:ext uri="{28A0092B-C50C-407E-A947-70E740481C1C}">
-                <a14:useLocalDpi xmlns:a14="http://schemas.microsoft.com/office/drawing/2010/main" val="0"/>
-              </a:ext>
-            </a:extLst>
-          </a:blip>
-          <a:srcRect r="1" b="949"/>
-          <a:stretch/>
-        </p:blipFill>
+        </p:nvCxnSpPr>
         <p:spPr>
-          <a:xfrm>
-            <a:off x="640080" y="640080"/>
-            <a:ext cx="10911840" cy="4836795"/>
+          <a:xfrm flipV="1">
+            <a:off x="4059936" y="5237979"/>
+            <a:ext cx="0" cy="914400"/>
           </a:xfrm>
-          <a:prstGeom prst="rect">
+          <a:prstGeom prst="line">
             <a:avLst/>
           </a:prstGeom>
           <a:ln w="19050">
             <a:solidFill>
-              <a:schemeClr val="tx1"/>
+              <a:schemeClr val="bg1">
+                <a:alpha val="80000"/>
+              </a:schemeClr>
             </a:solidFill>
-            <a:miter lim="800000"/>
           </a:ln>
         </p:spPr>
-      </p:pic>
+        <p:style>
+          <a:lnRef idx="1">
+            <a:schemeClr val="accent1"/>
+          </a:lnRef>
+          <a:fillRef idx="0">
+            <a:schemeClr val="accent1"/>
+          </a:fillRef>
+          <a:effectRef idx="0">
+            <a:schemeClr val="accent1"/>
+          </a:effectRef>
+          <a:fontRef idx="minor">
+            <a:schemeClr val="tx1"/>
+          </a:fontRef>
+        </p:style>
+      </p:cxnSp>
+      <p:sp>
+        <p:nvSpPr>
+          <p:cNvPr id="4" name="Content Placeholder 3">
+            <a:extLst>
+              <a:ext uri="{FF2B5EF4-FFF2-40B4-BE49-F238E27FC236}">
+                <a16:creationId xmlns:a16="http://schemas.microsoft.com/office/drawing/2014/main" id="{6687BE7B-454C-A3AE-8C92-88FF5ED25789}"/>
+              </a:ext>
+            </a:extLst>
+          </p:cNvPr>
+          <p:cNvSpPr>
+            <a:spLocks noGrp="1"/>
+          </p:cNvSpPr>
+          <p:nvPr>
+            <p:ph idx="1"/>
+          </p:nvPr>
+        </p:nvSpPr>
+        <p:spPr>
+          <a:xfrm>
+            <a:off x="4379976" y="5009083"/>
+            <a:ext cx="6976872" cy="1345997"/>
+          </a:xfrm>
+        </p:spPr>
+        <p:txBody>
+          <a:bodyPr vert="horz" lIns="91440" tIns="45720" rIns="91440" bIns="45720" rtlCol="0" anchor="ctr">
+            <a:normAutofit/>
+          </a:bodyPr>
+          <a:lstStyle/>
+          <a:p>
+            <a:pPr marL="0" indent="0">
+              <a:buNone/>
+            </a:pPr>
+            <a:r>
+              <a:rPr lang="en-US" sz="1700" kern="1200">
+                <a:solidFill>
+                  <a:schemeClr val="bg1"/>
+                </a:solidFill>
+                <a:latin typeface="+mn-lt"/>
+                <a:ea typeface="+mn-ea"/>
+                <a:cs typeface="+mn-cs"/>
+              </a:rPr>
+              <a:t>The following query is used to get the finished invitations to view on the dashboard for the candidate. </a:t>
+            </a:r>
+          </a:p>
+        </p:txBody>
+      </p:sp>
     </p:spTree>
     <p:extLst>
       <p:ext uri="{BB962C8B-B14F-4D97-AF65-F5344CB8AC3E}">
-        <p14:creationId xmlns:p14="http://schemas.microsoft.com/office/powerpoint/2010/main" val="2711561232"/>
+        <p14:creationId xmlns:p14="http://schemas.microsoft.com/office/powerpoint/2010/main" val="218702381"/>
       </p:ext>
     </p:extLst>
   </p:cSld>
@@ -10552,7 +10626,10 @@
     <p:bg>
       <p:bgPr>
         <a:solidFill>
-          <a:schemeClr val="bg1"/>
+          <a:schemeClr val="bg1">
+            <a:tint val="95000"/>
+            <a:satMod val="170000"/>
+          </a:schemeClr>
         </a:solidFill>
         <a:effectLst/>
       </p:bgPr>
@@ -10571,6 +10648,195 @@
           <a:chExt cx="0" cy="0"/>
         </a:xfrm>
       </p:grpSpPr>
+      <p:sp useBgFill="1">
+        <p:nvSpPr>
+          <p:cNvPr id="10" name="Rectangle 9">
+            <a:extLst>
+              <a:ext uri="{FF2B5EF4-FFF2-40B4-BE49-F238E27FC236}">
+                <a16:creationId xmlns:a16="http://schemas.microsoft.com/office/drawing/2014/main" id="{9B76D444-2756-434F-AE61-96D69830C13E}"/>
+              </a:ext>
+              <a:ext uri="{C183D7F6-B498-43B3-948B-1728B52AA6E4}">
+                <adec:decorative xmlns:adec="http://schemas.microsoft.com/office/drawing/2017/decorative" val="1"/>
+              </a:ext>
+            </a:extLst>
+          </p:cNvPr>
+          <p:cNvSpPr>
+            <a:spLocks noGrp="1" noRot="1" noChangeAspect="1" noMove="1" noResize="1" noEditPoints="1" noAdjustHandles="1" noChangeArrowheads="1" noChangeShapeType="1" noTextEdit="1"/>
+          </p:cNvSpPr>
+          <p:nvPr>
+            <p:extLst>
+              <p:ext uri="{386F3935-93C4-4BCD-93E2-E3B085C9AB24}">
+                <p16:designElem xmlns:p16="http://schemas.microsoft.com/office/powerpoint/2015/main" val="1"/>
+              </p:ext>
+            </p:extLst>
+          </p:nvPr>
+        </p:nvSpPr>
+        <p:spPr>
+          <a:xfrm>
+            <a:off x="0" y="0"/>
+            <a:ext cx="12188952" cy="6858000"/>
+          </a:xfrm>
+          <a:prstGeom prst="rect">
+            <a:avLst/>
+          </a:prstGeom>
+          <a:ln>
+            <a:noFill/>
+          </a:ln>
+        </p:spPr>
+        <p:style>
+          <a:lnRef idx="2">
+            <a:schemeClr val="accent1">
+              <a:shade val="50000"/>
+            </a:schemeClr>
+          </a:lnRef>
+          <a:fillRef idx="1">
+            <a:schemeClr val="accent1"/>
+          </a:fillRef>
+          <a:effectRef idx="0">
+            <a:schemeClr val="accent1"/>
+          </a:effectRef>
+          <a:fontRef idx="minor">
+            <a:schemeClr val="lt1"/>
+          </a:fontRef>
+        </p:style>
+        <p:txBody>
+          <a:bodyPr rtlCol="0" anchor="ctr"/>
+          <a:lstStyle/>
+          <a:p>
+            <a:pPr algn="ctr"/>
+            <a:endParaRPr lang="en-US"/>
+          </a:p>
+        </p:txBody>
+      </p:sp>
+      <p:pic>
+        <p:nvPicPr>
+          <p:cNvPr id="5" name="Picture 4">
+            <a:extLst>
+              <a:ext uri="{FF2B5EF4-FFF2-40B4-BE49-F238E27FC236}">
+                <a16:creationId xmlns:a16="http://schemas.microsoft.com/office/drawing/2014/main" id="{3109FDC5-25F8-642A-B980-153D98B3C0A1}"/>
+              </a:ext>
+            </a:extLst>
+          </p:cNvPr>
+          <p:cNvPicPr>
+            <a:picLocks noChangeAspect="1"/>
+          </p:cNvPicPr>
+          <p:nvPr/>
+        </p:nvPicPr>
+        <p:blipFill rotWithShape="1">
+          <a:blip r:embed="rId2">
+            <a:extLst>
+              <a:ext uri="{28A0092B-C50C-407E-A947-70E740481C1C}">
+                <a14:useLocalDpi xmlns:a14="http://schemas.microsoft.com/office/drawing/2010/main" val="0"/>
+              </a:ext>
+            </a:extLst>
+          </a:blip>
+          <a:srcRect t="4390" r="-1" b="3030"/>
+          <a:stretch/>
+        </p:blipFill>
+        <p:spPr>
+          <a:xfrm>
+            <a:off x="320040" y="320040"/>
+            <a:ext cx="11548872" cy="4303462"/>
+          </a:xfrm>
+          <a:prstGeom prst="rect">
+            <a:avLst/>
+          </a:prstGeom>
+        </p:spPr>
+      </p:pic>
+      <p:sp>
+        <p:nvSpPr>
+          <p:cNvPr id="12" name="Rectangle 11">
+            <a:extLst>
+              <a:ext uri="{FF2B5EF4-FFF2-40B4-BE49-F238E27FC236}">
+                <a16:creationId xmlns:a16="http://schemas.microsoft.com/office/drawing/2014/main" id="{A27B6159-7734-4564-9E0F-C4BC43C36E52}"/>
+              </a:ext>
+              <a:ext uri="{C183D7F6-B498-43B3-948B-1728B52AA6E4}">
+                <adec:decorative xmlns:adec="http://schemas.microsoft.com/office/drawing/2017/decorative" val="1"/>
+              </a:ext>
+            </a:extLst>
+          </p:cNvPr>
+          <p:cNvSpPr>
+            <a:spLocks noGrp="1" noRot="1" noChangeAspect="1" noMove="1" noResize="1" noEditPoints="1" noAdjustHandles="1" noChangeArrowheads="1" noChangeShapeType="1" noTextEdit="1"/>
+          </p:cNvSpPr>
+          <p:nvPr>
+            <p:extLst>
+              <p:ext uri="{386F3935-93C4-4BCD-93E2-E3B085C9AB24}">
+                <p16:designElem xmlns:p16="http://schemas.microsoft.com/office/powerpoint/2015/main" val="1"/>
+              </p:ext>
+            </p:extLst>
+          </p:nvPr>
+        </p:nvSpPr>
+        <p:spPr bwMode="ltGray">
+          <a:xfrm>
+            <a:off x="321564" y="4782312"/>
+            <a:ext cx="11548872" cy="1755648"/>
+          </a:xfrm>
+          <a:prstGeom prst="rect">
+            <a:avLst/>
+          </a:prstGeom>
+          <a:solidFill>
+            <a:schemeClr val="tx1">
+              <a:alpha val="93000"/>
+            </a:schemeClr>
+          </a:solidFill>
+          <a:ln w="127000" cap="sq" cmpd="thinThick">
+            <a:noFill/>
+          </a:ln>
+        </p:spPr>
+        <p:style>
+          <a:lnRef idx="2">
+            <a:schemeClr val="accent1">
+              <a:shade val="50000"/>
+            </a:schemeClr>
+          </a:lnRef>
+          <a:fillRef idx="1">
+            <a:schemeClr val="accent1"/>
+          </a:fillRef>
+          <a:effectRef idx="0">
+            <a:schemeClr val="accent1"/>
+          </a:effectRef>
+          <a:fontRef idx="minor">
+            <a:schemeClr val="lt1"/>
+          </a:fontRef>
+        </p:style>
+        <p:txBody>
+          <a:bodyPr rtlCol="0" anchor="ctr"/>
+          <a:lstStyle/>
+          <a:p>
+            <a:pPr marL="0" marR="0" lvl="0" indent="0" algn="ctr" defTabSz="914400" rtl="0" eaLnBrk="1" fontAlgn="auto" latinLnBrk="0" hangingPunct="1">
+              <a:lnSpc>
+                <a:spcPct val="100000"/>
+              </a:lnSpc>
+              <a:spcBef>
+                <a:spcPts val="0"/>
+              </a:spcBef>
+              <a:spcAft>
+                <a:spcPts val="0"/>
+              </a:spcAft>
+              <a:buClrTx/>
+              <a:buSzTx/>
+              <a:buFontTx/>
+              <a:buNone/>
+              <a:tabLst/>
+              <a:defRPr/>
+            </a:pPr>
+            <a:endParaRPr kumimoji="0" lang="en-US" sz="1800" b="0" i="0" u="none" strike="noStrike" kern="1200" cap="none" spc="0" normalizeH="0" baseline="0" noProof="0">
+              <a:ln>
+                <a:noFill/>
+              </a:ln>
+              <a:solidFill>
+                <a:prstClr val="white"/>
+              </a:solidFill>
+              <a:effectLst/>
+              <a:uLnTx/>
+              <a:uFillTx/>
+              <a:latin typeface="Calibri" panose="020F0502020204030204"/>
+              <a:ea typeface="+mn-ea"/>
+              <a:cs typeface="+mn-cs"/>
+            </a:endParaRPr>
+          </a:p>
+        </p:txBody>
+      </p:sp>
       <p:sp>
         <p:nvSpPr>
           <p:cNvPr id="2" name="Title 1">
@@ -10589,8 +10855,8 @@
         </p:nvSpPr>
         <p:spPr>
           <a:xfrm>
-            <a:off x="640080" y="5576887"/>
-            <a:ext cx="10911840" cy="640081"/>
+            <a:off x="841248" y="5009083"/>
+            <a:ext cx="2889504" cy="1345997"/>
           </a:xfrm>
         </p:spPr>
         <p:txBody>
@@ -10599,68 +10865,123 @@
           </a:bodyPr>
           <a:lstStyle/>
           <a:p>
-            <a:pPr algn="ctr"/>
             <a:r>
-              <a:rPr lang="en-US" sz="2000" b="1" dirty="0"/>
-              <a:t>Frontend</a:t>
-            </a:r>
-            <a:br>
-              <a:rPr lang="en-US" sz="2000" b="1" dirty="0"/>
-            </a:br>
-            <a:r>
-              <a:rPr lang="en-US" sz="2000" dirty="0"/>
-              <a:t>Sign In/Sign Up</a:t>
+              <a:rPr lang="en-US" sz="2600" kern="1200">
+                <a:solidFill>
+                  <a:schemeClr val="bg1"/>
+                </a:solidFill>
+                <a:latin typeface="+mj-lt"/>
+                <a:ea typeface="+mj-ea"/>
+                <a:cs typeface="+mj-cs"/>
+              </a:rPr>
+              <a:t>Selected Query #3</a:t>
             </a:r>
           </a:p>
         </p:txBody>
       </p:sp>
-      <p:pic>
-        <p:nvPicPr>
-          <p:cNvPr id="5" name="Content Placeholder 4">
+      <p:cxnSp>
+        <p:nvCxnSpPr>
+          <p:cNvPr id="14" name="Straight Connector 13">
             <a:extLst>
               <a:ext uri="{FF2B5EF4-FFF2-40B4-BE49-F238E27FC236}">
-                <a16:creationId xmlns:a16="http://schemas.microsoft.com/office/drawing/2014/main" id="{E51C1418-81C6-C0F9-654E-C3DBA4A2E9B3}"/>
+                <a16:creationId xmlns:a16="http://schemas.microsoft.com/office/drawing/2014/main" id="{E2FFB46B-05BC-4950-B18A-9593FDAE6ED7}"/>
+              </a:ext>
+              <a:ext uri="{C183D7F6-B498-43B3-948B-1728B52AA6E4}">
+                <adec:decorative xmlns:adec="http://schemas.microsoft.com/office/drawing/2017/decorative" val="1"/>
               </a:ext>
             </a:extLst>
           </p:cNvPr>
-          <p:cNvPicPr>
-            <a:picLocks noGrp="1" noChangeAspect="1"/>
-          </p:cNvPicPr>
+          <p:cNvCxnSpPr>
+            <a:cxnSpLocks noGrp="1" noRot="1" noChangeAspect="1" noMove="1" noResize="1" noEditPoints="1" noAdjustHandles="1" noChangeArrowheads="1" noChangeShapeType="1"/>
+          </p:cNvCxnSpPr>
           <p:nvPr>
-            <p:ph idx="1"/>
+            <p:extLst>
+              <p:ext uri="{386F3935-93C4-4BCD-93E2-E3B085C9AB24}">
+                <p16:designElem xmlns:p16="http://schemas.microsoft.com/office/powerpoint/2015/main" val="1"/>
+              </p:ext>
+            </p:extLst>
           </p:nvPr>
-        </p:nvPicPr>
-        <p:blipFill rotWithShape="1">
-          <a:blip r:embed="rId2">
-            <a:extLst>
-              <a:ext uri="{28A0092B-C50C-407E-A947-70E740481C1C}">
-                <a14:useLocalDpi xmlns:a14="http://schemas.microsoft.com/office/drawing/2010/main" val="0"/>
-              </a:ext>
-            </a:extLst>
-          </a:blip>
-          <a:srcRect r="1" b="1499"/>
-          <a:stretch/>
-        </p:blipFill>
+        </p:nvCxnSpPr>
         <p:spPr>
-          <a:xfrm>
-            <a:off x="640080" y="640080"/>
-            <a:ext cx="10911840" cy="4836795"/>
+          <a:xfrm flipV="1">
+            <a:off x="4059936" y="5237979"/>
+            <a:ext cx="0" cy="914400"/>
           </a:xfrm>
-          <a:prstGeom prst="rect">
+          <a:prstGeom prst="line">
             <a:avLst/>
           </a:prstGeom>
           <a:ln w="19050">
             <a:solidFill>
-              <a:schemeClr val="tx1"/>
+              <a:schemeClr val="bg1">
+                <a:alpha val="80000"/>
+              </a:schemeClr>
             </a:solidFill>
-            <a:miter lim="800000"/>
           </a:ln>
         </p:spPr>
-      </p:pic>
+        <p:style>
+          <a:lnRef idx="1">
+            <a:schemeClr val="accent1"/>
+          </a:lnRef>
+          <a:fillRef idx="0">
+            <a:schemeClr val="accent1"/>
+          </a:fillRef>
+          <a:effectRef idx="0">
+            <a:schemeClr val="accent1"/>
+          </a:effectRef>
+          <a:fontRef idx="minor">
+            <a:schemeClr val="tx1"/>
+          </a:fontRef>
+        </p:style>
+      </p:cxnSp>
+      <p:sp>
+        <p:nvSpPr>
+          <p:cNvPr id="4" name="Content Placeholder 3">
+            <a:extLst>
+              <a:ext uri="{FF2B5EF4-FFF2-40B4-BE49-F238E27FC236}">
+                <a16:creationId xmlns:a16="http://schemas.microsoft.com/office/drawing/2014/main" id="{6687BE7B-454C-A3AE-8C92-88FF5ED25789}"/>
+              </a:ext>
+            </a:extLst>
+          </p:cNvPr>
+          <p:cNvSpPr>
+            <a:spLocks noGrp="1"/>
+          </p:cNvSpPr>
+          <p:nvPr>
+            <p:ph idx="1"/>
+          </p:nvPr>
+        </p:nvSpPr>
+        <p:spPr>
+          <a:xfrm>
+            <a:off x="4379976" y="5009083"/>
+            <a:ext cx="6976872" cy="1345997"/>
+          </a:xfrm>
+        </p:spPr>
+        <p:txBody>
+          <a:bodyPr vert="horz" lIns="91440" tIns="45720" rIns="91440" bIns="45720" rtlCol="0" anchor="ctr">
+            <a:normAutofit/>
+          </a:bodyPr>
+          <a:lstStyle/>
+          <a:p>
+            <a:pPr marL="0" indent="0">
+              <a:buNone/>
+            </a:pPr>
+            <a:r>
+              <a:rPr lang="en-US" sz="1700" kern="1200">
+                <a:solidFill>
+                  <a:schemeClr val="bg1"/>
+                </a:solidFill>
+                <a:latin typeface="+mn-lt"/>
+                <a:ea typeface="+mn-ea"/>
+                <a:cs typeface="+mn-cs"/>
+              </a:rPr>
+              <a:t>The following query is used to retrieve the scenarios to view them on the “Create Scenario” page. The hiring manager can then choose from these scenarios to build the assessment.</a:t>
+            </a:r>
+          </a:p>
+        </p:txBody>
+      </p:sp>
     </p:spTree>
     <p:extLst>
       <p:ext uri="{BB962C8B-B14F-4D97-AF65-F5344CB8AC3E}">
-        <p14:creationId xmlns:p14="http://schemas.microsoft.com/office/powerpoint/2010/main" val="3500535497"/>
+        <p14:creationId xmlns:p14="http://schemas.microsoft.com/office/powerpoint/2010/main" val="4275379274"/>
       </p:ext>
     </p:extLst>
   </p:cSld>
@@ -10789,6 +11110,1075 @@
       </p:grpSpPr>
       <p:sp>
         <p:nvSpPr>
+          <p:cNvPr id="137" name="Rectangle 119">
+            <a:extLst>
+              <a:ext uri="{FF2B5EF4-FFF2-40B4-BE49-F238E27FC236}">
+                <a16:creationId xmlns:a16="http://schemas.microsoft.com/office/drawing/2014/main" id="{C0B27210-D0CA-4654-B3E3-9ABB4F178EA1}"/>
+              </a:ext>
+              <a:ext uri="{C183D7F6-B498-43B3-948B-1728B52AA6E4}">
+                <adec:decorative xmlns:adec="http://schemas.microsoft.com/office/drawing/2017/decorative" val="1"/>
+              </a:ext>
+            </a:extLst>
+          </p:cNvPr>
+          <p:cNvSpPr>
+            <a:spLocks noGrp="1" noRot="1" noChangeAspect="1" noMove="1" noResize="1" noEditPoints="1" noAdjustHandles="1" noChangeArrowheads="1" noChangeShapeType="1" noTextEdit="1"/>
+          </p:cNvSpPr>
+          <p:nvPr>
+            <p:extLst>
+              <p:ext uri="{386F3935-93C4-4BCD-93E2-E3B085C9AB24}">
+                <p16:designElem xmlns:p16="http://schemas.microsoft.com/office/powerpoint/2015/main" val="1"/>
+              </p:ext>
+            </p:extLst>
+          </p:nvPr>
+        </p:nvSpPr>
+        <p:spPr>
+          <a:xfrm>
+            <a:off x="0" y="0"/>
+            <a:ext cx="12192000" cy="6858000"/>
+          </a:xfrm>
+          <a:prstGeom prst="rect">
+            <a:avLst/>
+          </a:prstGeom>
+          <a:solidFill>
+            <a:schemeClr val="tx1">
+              <a:lumMod val="75000"/>
+              <a:lumOff val="25000"/>
+            </a:schemeClr>
+          </a:solidFill>
+          <a:ln>
+            <a:noFill/>
+          </a:ln>
+        </p:spPr>
+        <p:style>
+          <a:lnRef idx="2">
+            <a:schemeClr val="accent1">
+              <a:shade val="50000"/>
+            </a:schemeClr>
+          </a:lnRef>
+          <a:fillRef idx="1">
+            <a:schemeClr val="accent1"/>
+          </a:fillRef>
+          <a:effectRef idx="0">
+            <a:schemeClr val="accent1"/>
+          </a:effectRef>
+          <a:fontRef idx="minor">
+            <a:schemeClr val="lt1"/>
+          </a:fontRef>
+        </p:style>
+        <p:txBody>
+          <a:bodyPr rtlCol="0" anchor="ctr"/>
+          <a:lstStyle/>
+          <a:p>
+            <a:pPr marL="0" marR="0" lvl="0" indent="0" algn="ctr" defTabSz="914400" rtl="0" eaLnBrk="1" fontAlgn="auto" latinLnBrk="0" hangingPunct="1">
+              <a:lnSpc>
+                <a:spcPct val="100000"/>
+              </a:lnSpc>
+              <a:spcBef>
+                <a:spcPts val="0"/>
+              </a:spcBef>
+              <a:spcAft>
+                <a:spcPts val="0"/>
+              </a:spcAft>
+              <a:buClrTx/>
+              <a:buSzTx/>
+              <a:buFontTx/>
+              <a:buNone/>
+              <a:tabLst/>
+              <a:defRPr/>
+            </a:pPr>
+            <a:endParaRPr kumimoji="0" lang="en-US" sz="1800" b="0" i="0" u="none" strike="noStrike" kern="1200" cap="none" spc="0" normalizeH="0" baseline="0" noProof="0">
+              <a:ln>
+                <a:noFill/>
+              </a:ln>
+              <a:solidFill>
+                <a:prstClr val="white"/>
+              </a:solidFill>
+              <a:effectLst/>
+              <a:uLnTx/>
+              <a:uFillTx/>
+              <a:latin typeface="Calibri" panose="020F0502020204030204"/>
+              <a:ea typeface="+mn-ea"/>
+              <a:cs typeface="+mn-cs"/>
+            </a:endParaRPr>
+          </a:p>
+        </p:txBody>
+      </p:sp>
+      <p:sp>
+        <p:nvSpPr>
+          <p:cNvPr id="2" name="Title 1">
+            <a:extLst>
+              <a:ext uri="{FF2B5EF4-FFF2-40B4-BE49-F238E27FC236}">
+                <a16:creationId xmlns:a16="http://schemas.microsoft.com/office/drawing/2014/main" id="{25E8FA48-27FA-46BB-8ED7-936F48B12573}"/>
+              </a:ext>
+            </a:extLst>
+          </p:cNvPr>
+          <p:cNvSpPr>
+            <a:spLocks noGrp="1"/>
+          </p:cNvSpPr>
+          <p:nvPr>
+            <p:ph type="title"/>
+          </p:nvPr>
+        </p:nvSpPr>
+        <p:spPr>
+          <a:xfrm>
+            <a:off x="6746628" y="1783959"/>
+            <a:ext cx="4645250" cy="2889114"/>
+          </a:xfrm>
+        </p:spPr>
+        <p:txBody>
+          <a:bodyPr vert="horz" lIns="91440" tIns="45720" rIns="91440" bIns="45720" rtlCol="0" anchor="b">
+            <a:normAutofit/>
+          </a:bodyPr>
+          <a:lstStyle/>
+          <a:p>
+            <a:r>
+              <a:rPr lang="en-US" sz="6000" b="1" kern="1200" dirty="0">
+                <a:solidFill>
+                  <a:schemeClr val="bg1"/>
+                </a:solidFill>
+                <a:latin typeface="+mj-lt"/>
+                <a:ea typeface="+mj-ea"/>
+                <a:cs typeface="+mj-cs"/>
+              </a:rPr>
+              <a:t>Frontend</a:t>
+            </a:r>
+          </a:p>
+        </p:txBody>
+      </p:sp>
+      <p:sp>
+        <p:nvSpPr>
+          <p:cNvPr id="138" name="Freeform: Shape 121">
+            <a:extLst>
+              <a:ext uri="{FF2B5EF4-FFF2-40B4-BE49-F238E27FC236}">
+                <a16:creationId xmlns:a16="http://schemas.microsoft.com/office/drawing/2014/main" id="{1DB7C82F-AB7E-4F0C-B829-FA1B9C415180}"/>
+              </a:ext>
+              <a:ext uri="{C183D7F6-B498-43B3-948B-1728B52AA6E4}">
+                <adec:decorative xmlns:adec="http://schemas.microsoft.com/office/drawing/2017/decorative" val="1"/>
+              </a:ext>
+            </a:extLst>
+          </p:cNvPr>
+          <p:cNvSpPr>
+            <a:spLocks noGrp="1" noRot="1" noChangeAspect="1" noMove="1" noResize="1" noEditPoints="1" noAdjustHandles="1" noChangeArrowheads="1" noChangeShapeType="1" noTextEdit="1"/>
+          </p:cNvSpPr>
+          <p:nvPr>
+            <p:extLst>
+              <p:ext uri="{386F3935-93C4-4BCD-93E2-E3B085C9AB24}">
+                <p16:designElem xmlns:p16="http://schemas.microsoft.com/office/powerpoint/2015/main" val="1"/>
+              </p:ext>
+            </p:extLst>
+          </p:nvPr>
+        </p:nvSpPr>
+        <p:spPr>
+          <a:xfrm flipH="1">
+            <a:off x="0" y="0"/>
+            <a:ext cx="6172782" cy="6858000"/>
+          </a:xfrm>
+          <a:custGeom>
+            <a:avLst/>
+            <a:gdLst>
+              <a:gd name="connsiteX0" fmla="*/ 6172782 w 6172782"/>
+              <a:gd name="connsiteY0" fmla="*/ 0 h 6858000"/>
+              <a:gd name="connsiteX1" fmla="*/ 69075 w 6172782"/>
+              <a:gd name="connsiteY1" fmla="*/ 0 h 6858000"/>
+              <a:gd name="connsiteX2" fmla="*/ 35131 w 6172782"/>
+              <a:gd name="connsiteY2" fmla="*/ 267128 h 6858000"/>
+              <a:gd name="connsiteX3" fmla="*/ 0 w 6172782"/>
+              <a:gd name="connsiteY3" fmla="*/ 962845 h 6858000"/>
+              <a:gd name="connsiteX4" fmla="*/ 3276103 w 6172782"/>
+              <a:gd name="connsiteY4" fmla="*/ 6782205 h 6858000"/>
+              <a:gd name="connsiteX5" fmla="*/ 3407923 w 6172782"/>
+              <a:gd name="connsiteY5" fmla="*/ 6858000 h 6858000"/>
+              <a:gd name="connsiteX6" fmla="*/ 6172782 w 6172782"/>
+              <a:gd name="connsiteY6" fmla="*/ 6858000 h 6858000"/>
+            </a:gdLst>
+            <a:ahLst/>
+            <a:cxnLst>
+              <a:cxn ang="0">
+                <a:pos x="connsiteX0" y="connsiteY0"/>
+              </a:cxn>
+              <a:cxn ang="0">
+                <a:pos x="connsiteX1" y="connsiteY1"/>
+              </a:cxn>
+              <a:cxn ang="0">
+                <a:pos x="connsiteX2" y="connsiteY2"/>
+              </a:cxn>
+              <a:cxn ang="0">
+                <a:pos x="connsiteX3" y="connsiteY3"/>
+              </a:cxn>
+              <a:cxn ang="0">
+                <a:pos x="connsiteX4" y="connsiteY4"/>
+              </a:cxn>
+              <a:cxn ang="0">
+                <a:pos x="connsiteX5" y="connsiteY5"/>
+              </a:cxn>
+              <a:cxn ang="0">
+                <a:pos x="connsiteX6" y="connsiteY6"/>
+              </a:cxn>
+            </a:cxnLst>
+            <a:rect l="l" t="t" r="r" b="b"/>
+            <a:pathLst>
+              <a:path w="6172782" h="6858000">
+                <a:moveTo>
+                  <a:pt x="6172782" y="0"/>
+                </a:moveTo>
+                <a:lnTo>
+                  <a:pt x="69075" y="0"/>
+                </a:lnTo>
+                <a:lnTo>
+                  <a:pt x="35131" y="267128"/>
+                </a:lnTo>
+                <a:cubicBezTo>
+                  <a:pt x="11901" y="495874"/>
+                  <a:pt x="0" y="727970"/>
+                  <a:pt x="0" y="962845"/>
+                </a:cubicBezTo>
+                <a:cubicBezTo>
+                  <a:pt x="0" y="3429034"/>
+                  <a:pt x="1312002" y="5588789"/>
+                  <a:pt x="3276103" y="6782205"/>
+                </a:cubicBezTo>
+                <a:lnTo>
+                  <a:pt x="3407923" y="6858000"/>
+                </a:lnTo>
+                <a:lnTo>
+                  <a:pt x="6172782" y="6858000"/>
+                </a:lnTo>
+                <a:close/>
+              </a:path>
+            </a:pathLst>
+          </a:custGeom>
+          <a:solidFill>
+            <a:schemeClr val="bg1">
+              <a:alpha val="80000"/>
+            </a:schemeClr>
+          </a:solidFill>
+          <a:ln>
+            <a:noFill/>
+          </a:ln>
+        </p:spPr>
+        <p:style>
+          <a:lnRef idx="2">
+            <a:schemeClr val="accent1">
+              <a:shade val="50000"/>
+            </a:schemeClr>
+          </a:lnRef>
+          <a:fillRef idx="1">
+            <a:schemeClr val="accent1"/>
+          </a:fillRef>
+          <a:effectRef idx="0">
+            <a:schemeClr val="accent1"/>
+          </a:effectRef>
+          <a:fontRef idx="minor">
+            <a:schemeClr val="lt1"/>
+          </a:fontRef>
+        </p:style>
+        <p:txBody>
+          <a:bodyPr wrap="square" rtlCol="0" anchor="ctr">
+            <a:noAutofit/>
+          </a:bodyPr>
+          <a:lstStyle/>
+          <a:p>
+            <a:pPr marL="0" marR="0" lvl="0" indent="0" algn="ctr" defTabSz="914400" rtl="0" eaLnBrk="1" fontAlgn="auto" latinLnBrk="0" hangingPunct="1">
+              <a:lnSpc>
+                <a:spcPct val="100000"/>
+              </a:lnSpc>
+              <a:spcBef>
+                <a:spcPts val="0"/>
+              </a:spcBef>
+              <a:spcAft>
+                <a:spcPts val="0"/>
+              </a:spcAft>
+              <a:buClrTx/>
+              <a:buSzTx/>
+              <a:buFontTx/>
+              <a:buNone/>
+              <a:tabLst/>
+              <a:defRPr/>
+            </a:pPr>
+            <a:endParaRPr kumimoji="0" lang="en-US" sz="1800" b="0" i="0" u="none" strike="noStrike" kern="1200" cap="none" spc="0" normalizeH="0" baseline="0" noProof="0">
+              <a:ln>
+                <a:noFill/>
+              </a:ln>
+              <a:solidFill>
+                <a:prstClr val="white"/>
+              </a:solidFill>
+              <a:effectLst/>
+              <a:uLnTx/>
+              <a:uFillTx/>
+              <a:latin typeface="Calibri" panose="020F0502020204030204"/>
+              <a:ea typeface="+mn-ea"/>
+              <a:cs typeface="+mn-cs"/>
+            </a:endParaRPr>
+          </a:p>
+        </p:txBody>
+      </p:sp>
+      <p:sp>
+        <p:nvSpPr>
+          <p:cNvPr id="139" name="Freeform: Shape 123">
+            <a:extLst>
+              <a:ext uri="{FF2B5EF4-FFF2-40B4-BE49-F238E27FC236}">
+                <a16:creationId xmlns:a16="http://schemas.microsoft.com/office/drawing/2014/main" id="{70B66945-4967-4040-926D-DCA44313CDAB}"/>
+              </a:ext>
+              <a:ext uri="{C183D7F6-B498-43B3-948B-1728B52AA6E4}">
+                <adec:decorative xmlns:adec="http://schemas.microsoft.com/office/drawing/2017/decorative" val="1"/>
+              </a:ext>
+            </a:extLst>
+          </p:cNvPr>
+          <p:cNvSpPr>
+            <a:spLocks noGrp="1" noRot="1" noChangeAspect="1" noMove="1" noResize="1" noEditPoints="1" noAdjustHandles="1" noChangeArrowheads="1" noChangeShapeType="1" noTextEdit="1"/>
+          </p:cNvSpPr>
+          <p:nvPr>
+            <p:extLst>
+              <p:ext uri="{386F3935-93C4-4BCD-93E2-E3B085C9AB24}">
+                <p16:designElem xmlns:p16="http://schemas.microsoft.com/office/powerpoint/2015/main" val="1"/>
+              </p:ext>
+            </p:extLst>
+          </p:nvPr>
+        </p:nvSpPr>
+        <p:spPr>
+          <a:xfrm>
+            <a:off x="0" y="0"/>
+            <a:ext cx="6024154" cy="6858000"/>
+          </a:xfrm>
+          <a:custGeom>
+            <a:avLst/>
+            <a:gdLst>
+              <a:gd name="connsiteX0" fmla="*/ 0 w 6024154"/>
+              <a:gd name="connsiteY0" fmla="*/ 0 h 6858000"/>
+              <a:gd name="connsiteX1" fmla="*/ 5953780 w 6024154"/>
+              <a:gd name="connsiteY1" fmla="*/ 0 h 6858000"/>
+              <a:gd name="connsiteX2" fmla="*/ 5989880 w 6024154"/>
+              <a:gd name="connsiteY2" fmla="*/ 284091 h 6858000"/>
+              <a:gd name="connsiteX3" fmla="*/ 6024154 w 6024154"/>
+              <a:gd name="connsiteY3" fmla="*/ 962844 h 6858000"/>
+              <a:gd name="connsiteX4" fmla="*/ 2549934 w 6024154"/>
+              <a:gd name="connsiteY4" fmla="*/ 6800152 h 6858000"/>
+              <a:gd name="connsiteX5" fmla="*/ 2436987 w 6024154"/>
+              <a:gd name="connsiteY5" fmla="*/ 6858000 h 6858000"/>
+              <a:gd name="connsiteX6" fmla="*/ 0 w 6024154"/>
+              <a:gd name="connsiteY6" fmla="*/ 6858000 h 6858000"/>
+            </a:gdLst>
+            <a:ahLst/>
+            <a:cxnLst>
+              <a:cxn ang="0">
+                <a:pos x="connsiteX0" y="connsiteY0"/>
+              </a:cxn>
+              <a:cxn ang="0">
+                <a:pos x="connsiteX1" y="connsiteY1"/>
+              </a:cxn>
+              <a:cxn ang="0">
+                <a:pos x="connsiteX2" y="connsiteY2"/>
+              </a:cxn>
+              <a:cxn ang="0">
+                <a:pos x="connsiteX3" y="connsiteY3"/>
+              </a:cxn>
+              <a:cxn ang="0">
+                <a:pos x="connsiteX4" y="connsiteY4"/>
+              </a:cxn>
+              <a:cxn ang="0">
+                <a:pos x="connsiteX5" y="connsiteY5"/>
+              </a:cxn>
+              <a:cxn ang="0">
+                <a:pos x="connsiteX6" y="connsiteY6"/>
+              </a:cxn>
+            </a:cxnLst>
+            <a:rect l="l" t="t" r="r" b="b"/>
+            <a:pathLst>
+              <a:path w="6024154" h="6858000">
+                <a:moveTo>
+                  <a:pt x="0" y="0"/>
+                </a:moveTo>
+                <a:lnTo>
+                  <a:pt x="5953780" y="0"/>
+                </a:lnTo>
+                <a:lnTo>
+                  <a:pt x="5989880" y="284091"/>
+                </a:lnTo>
+                <a:cubicBezTo>
+                  <a:pt x="6012544" y="507260"/>
+                  <a:pt x="6024154" y="733696"/>
+                  <a:pt x="6024154" y="962844"/>
+                </a:cubicBezTo>
+                <a:cubicBezTo>
+                  <a:pt x="6024154" y="3483472"/>
+                  <a:pt x="4619336" y="5675986"/>
+                  <a:pt x="2549934" y="6800152"/>
+                </a:cubicBezTo>
+                <a:lnTo>
+                  <a:pt x="2436987" y="6858000"/>
+                </a:lnTo>
+                <a:lnTo>
+                  <a:pt x="0" y="6858000"/>
+                </a:lnTo>
+                <a:close/>
+              </a:path>
+            </a:pathLst>
+          </a:custGeom>
+          <a:solidFill>
+            <a:schemeClr val="bg1"/>
+          </a:solidFill>
+          <a:ln>
+            <a:noFill/>
+          </a:ln>
+        </p:spPr>
+        <p:style>
+          <a:lnRef idx="2">
+            <a:schemeClr val="accent1">
+              <a:shade val="50000"/>
+            </a:schemeClr>
+          </a:lnRef>
+          <a:fillRef idx="1">
+            <a:schemeClr val="accent1"/>
+          </a:fillRef>
+          <a:effectRef idx="0">
+            <a:schemeClr val="accent1"/>
+          </a:effectRef>
+          <a:fontRef idx="minor">
+            <a:schemeClr val="lt1"/>
+          </a:fontRef>
+        </p:style>
+        <p:txBody>
+          <a:bodyPr wrap="square" rtlCol="0" anchor="ctr">
+            <a:noAutofit/>
+          </a:bodyPr>
+          <a:lstStyle/>
+          <a:p>
+            <a:pPr marL="0" marR="0" lvl="0" indent="0" algn="ctr" defTabSz="914400" rtl="0" eaLnBrk="1" fontAlgn="auto" latinLnBrk="0" hangingPunct="1">
+              <a:lnSpc>
+                <a:spcPct val="100000"/>
+              </a:lnSpc>
+              <a:spcBef>
+                <a:spcPts val="0"/>
+              </a:spcBef>
+              <a:spcAft>
+                <a:spcPts val="0"/>
+              </a:spcAft>
+              <a:buClrTx/>
+              <a:buSzTx/>
+              <a:buFontTx/>
+              <a:buNone/>
+              <a:tabLst/>
+              <a:defRPr/>
+            </a:pPr>
+            <a:endParaRPr kumimoji="0" lang="en-US" sz="1800" b="0" i="0" u="none" strike="noStrike" kern="1200" cap="none" spc="0" normalizeH="0" baseline="0" noProof="0">
+              <a:ln>
+                <a:noFill/>
+              </a:ln>
+              <a:solidFill>
+                <a:prstClr val="white"/>
+              </a:solidFill>
+              <a:effectLst/>
+              <a:uLnTx/>
+              <a:uFillTx/>
+              <a:latin typeface="Calibri" panose="020F0502020204030204"/>
+              <a:ea typeface="+mn-ea"/>
+              <a:cs typeface="+mn-cs"/>
+            </a:endParaRPr>
+          </a:p>
+        </p:txBody>
+      </p:sp>
+      <p:pic>
+        <p:nvPicPr>
+          <p:cNvPr id="6" name="Graphique 18" descr="Monitor with solid fill">
+            <a:extLst>
+              <a:ext uri="{FF2B5EF4-FFF2-40B4-BE49-F238E27FC236}">
+                <a16:creationId xmlns:a16="http://schemas.microsoft.com/office/drawing/2014/main" id="{CC8E2C7A-5E9A-E701-E95A-751357B5527D}"/>
+              </a:ext>
+            </a:extLst>
+          </p:cNvPr>
+          <p:cNvPicPr>
+            <a:picLocks noChangeAspect="1"/>
+          </p:cNvPicPr>
+          <p:nvPr/>
+        </p:nvPicPr>
+        <p:blipFill>
+          <a:blip r:embed="rId2">
+            <a:extLst>
+              <a:ext uri="{28A0092B-C50C-407E-A947-70E740481C1C}">
+                <a14:useLocalDpi xmlns:a14="http://schemas.microsoft.com/office/drawing/2010/main" val="0"/>
+              </a:ext>
+              <a:ext uri="{96DAC541-7B7A-43D3-8B79-37D633B846F1}">
+                <asvg:svgBlip xmlns:asvg="http://schemas.microsoft.com/office/drawing/2016/SVG/main" r:embed="rId3"/>
+              </a:ext>
+            </a:extLst>
+          </a:blip>
+          <a:srcRect/>
+          <a:stretch/>
+        </p:blipFill>
+        <p:spPr>
+          <a:xfrm>
+            <a:off x="419382" y="720993"/>
+            <a:ext cx="4047843" cy="4047843"/>
+          </a:xfrm>
+          <a:prstGeom prst="rect">
+            <a:avLst/>
+          </a:prstGeom>
+        </p:spPr>
+      </p:pic>
+    </p:spTree>
+    <p:extLst>
+      <p:ext uri="{BB962C8B-B14F-4D97-AF65-F5344CB8AC3E}">
+        <p14:creationId xmlns:p14="http://schemas.microsoft.com/office/powerpoint/2010/main" val="1606100126"/>
+      </p:ext>
+    </p:extLst>
+  </p:cSld>
+  <p:clrMapOvr>
+    <a:overrideClrMapping bg1="lt1" tx1="dk1" bg2="lt2" tx2="dk2" accent1="accent1" accent2="accent2" accent3="accent3" accent4="accent4" accent5="accent5" accent6="accent6" hlink="hlink" folHlink="folHlink"/>
+  </p:clrMapOvr>
+  <p:timing>
+    <p:tnLst>
+      <p:par>
+        <p:cTn id="1" dur="indefinite" restart="never" nodeType="tmRoot">
+          <p:childTnLst>
+            <p:seq concurrent="1" nextAc="seek">
+              <p:cTn id="2" dur="indefinite" nodeType="mainSeq">
+                <p:childTnLst>
+                  <p:par>
+                    <p:cTn id="3" fill="hold">
+                      <p:stCondLst>
+                        <p:cond delay="indefinite"/>
+                        <p:cond evt="onBegin" delay="0">
+                          <p:tn val="2"/>
+                        </p:cond>
+                      </p:stCondLst>
+                      <p:childTnLst>
+                        <p:par>
+                          <p:cTn id="4" fill="hold">
+                            <p:stCondLst>
+                              <p:cond delay="0"/>
+                            </p:stCondLst>
+                            <p:childTnLst>
+                              <p:par>
+                                <p:cTn id="5" presetID="10" presetClass="entr" presetSubtype="0" fill="hold" grpId="0" nodeType="withEffect">
+                                  <p:stCondLst>
+                                    <p:cond delay="1000"/>
+                                  </p:stCondLst>
+                                  <p:iterate type="lt">
+                                    <p:tmPct val="10000"/>
+                                  </p:iterate>
+                                  <p:childTnLst>
+                                    <p:set>
+                                      <p:cBhvr>
+                                        <p:cTn id="6" dur="1" fill="hold">
+                                          <p:stCondLst>
+                                            <p:cond delay="0"/>
+                                          </p:stCondLst>
+                                        </p:cTn>
+                                        <p:tgtEl>
+                                          <p:spTgt spid="2"/>
+                                        </p:tgtEl>
+                                        <p:attrNameLst>
+                                          <p:attrName>style.visibility</p:attrName>
+                                        </p:attrNameLst>
+                                      </p:cBhvr>
+                                      <p:to>
+                                        <p:strVal val="visible"/>
+                                      </p:to>
+                                    </p:set>
+                                    <p:animEffect transition="in" filter="fade">
+                                      <p:cBhvr>
+                                        <p:cTn id="7" dur="400"/>
+                                        <p:tgtEl>
+                                          <p:spTgt spid="2"/>
+                                        </p:tgtEl>
+                                      </p:cBhvr>
+                                    </p:animEffect>
+                                  </p:childTnLst>
+                                </p:cTn>
+                              </p:par>
+                            </p:childTnLst>
+                          </p:cTn>
+                        </p:par>
+                      </p:childTnLst>
+                    </p:cTn>
+                  </p:par>
+                </p:childTnLst>
+              </p:cTn>
+              <p:prevCondLst>
+                <p:cond evt="onPrev" delay="0">
+                  <p:tgtEl>
+                    <p:sldTgt/>
+                  </p:tgtEl>
+                </p:cond>
+              </p:prevCondLst>
+              <p:nextCondLst>
+                <p:cond evt="onNext" delay="0">
+                  <p:tgtEl>
+                    <p:sldTgt/>
+                  </p:tgtEl>
+                </p:cond>
+              </p:nextCondLst>
+            </p:seq>
+          </p:childTnLst>
+        </p:cTn>
+      </p:par>
+    </p:tnLst>
+    <p:bldLst>
+      <p:bldP spid="2" grpId="0"/>
+    </p:bldLst>
+  </p:timing>
+</p:sld>
+</file>
+
+<file path=ppt/slides/slide14.xml><?xml version="1.0" encoding="utf-8"?>
+<p:sld xmlns:a="http://schemas.openxmlformats.org/drawingml/2006/main" xmlns:r="http://schemas.openxmlformats.org/officeDocument/2006/relationships" xmlns:p="http://schemas.openxmlformats.org/presentationml/2006/main">
+  <p:cSld>
+    <p:bg>
+      <p:bgPr>
+        <a:solidFill>
+          <a:schemeClr val="bg1"/>
+        </a:solidFill>
+        <a:effectLst/>
+      </p:bgPr>
+    </p:bg>
+    <p:spTree>
+      <p:nvGrpSpPr>
+        <p:cNvPr id="1" name=""/>
+        <p:cNvGrpSpPr/>
+        <p:nvPr/>
+      </p:nvGrpSpPr>
+      <p:grpSpPr>
+        <a:xfrm>
+          <a:off x="0" y="0"/>
+          <a:ext cx="0" cy="0"/>
+          <a:chOff x="0" y="0"/>
+          <a:chExt cx="0" cy="0"/>
+        </a:xfrm>
+      </p:grpSpPr>
+      <p:sp>
+        <p:nvSpPr>
+          <p:cNvPr id="2" name="Title 1">
+            <a:extLst>
+              <a:ext uri="{FF2B5EF4-FFF2-40B4-BE49-F238E27FC236}">
+                <a16:creationId xmlns:a16="http://schemas.microsoft.com/office/drawing/2014/main" id="{25E8FA48-27FA-46BB-8ED7-936F48B12573}"/>
+              </a:ext>
+            </a:extLst>
+          </p:cNvPr>
+          <p:cNvSpPr>
+            <a:spLocks noGrp="1"/>
+          </p:cNvSpPr>
+          <p:nvPr>
+            <p:ph type="title"/>
+          </p:nvPr>
+        </p:nvSpPr>
+        <p:spPr>
+          <a:xfrm>
+            <a:off x="640080" y="5576887"/>
+            <a:ext cx="10911840" cy="640081"/>
+          </a:xfrm>
+        </p:spPr>
+        <p:txBody>
+          <a:bodyPr vert="horz" lIns="91440" tIns="45720" rIns="91440" bIns="45720" rtlCol="0" anchor="ctr">
+            <a:normAutofit/>
+          </a:bodyPr>
+          <a:lstStyle/>
+          <a:p>
+            <a:pPr algn="ctr"/>
+            <a:r>
+              <a:rPr lang="en-US" sz="2000" b="1"/>
+              <a:t>Frontend</a:t>
+            </a:r>
+            <a:br>
+              <a:rPr lang="en-US" sz="2000" b="1"/>
+            </a:br>
+            <a:r>
+              <a:rPr lang="en-US" sz="2000"/>
+              <a:t>Home Page</a:t>
+            </a:r>
+          </a:p>
+        </p:txBody>
+      </p:sp>
+      <p:pic>
+        <p:nvPicPr>
+          <p:cNvPr id="5" name="Content Placeholder 4" descr="Graphical user interface, application, website&#10;&#10;Description automatically generated">
+            <a:extLst>
+              <a:ext uri="{FF2B5EF4-FFF2-40B4-BE49-F238E27FC236}">
+                <a16:creationId xmlns:a16="http://schemas.microsoft.com/office/drawing/2014/main" id="{E51C1418-81C6-C0F9-654E-C3DBA4A2E9B3}"/>
+              </a:ext>
+            </a:extLst>
+          </p:cNvPr>
+          <p:cNvPicPr>
+            <a:picLocks noGrp="1" noChangeAspect="1"/>
+          </p:cNvPicPr>
+          <p:nvPr>
+            <p:ph idx="1"/>
+          </p:nvPr>
+        </p:nvPicPr>
+        <p:blipFill rotWithShape="1">
+          <a:blip r:embed="rId2">
+            <a:extLst>
+              <a:ext uri="{28A0092B-C50C-407E-A947-70E740481C1C}">
+                <a14:useLocalDpi xmlns:a14="http://schemas.microsoft.com/office/drawing/2010/main" val="0"/>
+              </a:ext>
+            </a:extLst>
+          </a:blip>
+          <a:srcRect r="1" b="949"/>
+          <a:stretch/>
+        </p:blipFill>
+        <p:spPr>
+          <a:xfrm>
+            <a:off x="640080" y="640080"/>
+            <a:ext cx="10911840" cy="4836795"/>
+          </a:xfrm>
+          <a:prstGeom prst="rect">
+            <a:avLst/>
+          </a:prstGeom>
+          <a:ln w="19050">
+            <a:solidFill>
+              <a:schemeClr val="tx1"/>
+            </a:solidFill>
+            <a:miter lim="800000"/>
+          </a:ln>
+        </p:spPr>
+      </p:pic>
+    </p:spTree>
+    <p:extLst>
+      <p:ext uri="{BB962C8B-B14F-4D97-AF65-F5344CB8AC3E}">
+        <p14:creationId xmlns:p14="http://schemas.microsoft.com/office/powerpoint/2010/main" val="2711561232"/>
+      </p:ext>
+    </p:extLst>
+  </p:cSld>
+  <p:clrMapOvr>
+    <a:overrideClrMapping bg1="dk1" tx1="lt1" bg2="dk2" tx2="lt2" accent1="accent1" accent2="accent2" accent3="accent3" accent4="accent4" accent5="accent5" accent6="accent6" hlink="hlink" folHlink="folHlink"/>
+  </p:clrMapOvr>
+  <p:timing>
+    <p:tnLst>
+      <p:par>
+        <p:cTn id="1" dur="indefinite" restart="never" nodeType="tmRoot">
+          <p:childTnLst>
+            <p:seq concurrent="1" nextAc="seek">
+              <p:cTn id="2" dur="indefinite" nodeType="mainSeq">
+                <p:childTnLst>
+                  <p:par>
+                    <p:cTn id="3" fill="hold">
+                      <p:stCondLst>
+                        <p:cond delay="indefinite"/>
+                        <p:cond evt="onBegin" delay="0">
+                          <p:tn val="2"/>
+                        </p:cond>
+                      </p:stCondLst>
+                      <p:childTnLst>
+                        <p:par>
+                          <p:cTn id="4" fill="hold">
+                            <p:stCondLst>
+                              <p:cond delay="0"/>
+                            </p:stCondLst>
+                            <p:childTnLst>
+                              <p:par>
+                                <p:cTn id="5" presetID="10" presetClass="entr" presetSubtype="0" fill="hold" grpId="0" nodeType="withEffect">
+                                  <p:stCondLst>
+                                    <p:cond delay="1000"/>
+                                  </p:stCondLst>
+                                  <p:iterate type="lt">
+                                    <p:tmPct val="10000"/>
+                                  </p:iterate>
+                                  <p:childTnLst>
+                                    <p:set>
+                                      <p:cBhvr>
+                                        <p:cTn id="6" dur="1" fill="hold">
+                                          <p:stCondLst>
+                                            <p:cond delay="0"/>
+                                          </p:stCondLst>
+                                        </p:cTn>
+                                        <p:tgtEl>
+                                          <p:spTgt spid="2"/>
+                                        </p:tgtEl>
+                                        <p:attrNameLst>
+                                          <p:attrName>style.visibility</p:attrName>
+                                        </p:attrNameLst>
+                                      </p:cBhvr>
+                                      <p:to>
+                                        <p:strVal val="visible"/>
+                                      </p:to>
+                                    </p:set>
+                                    <p:animEffect transition="in" filter="fade">
+                                      <p:cBhvr>
+                                        <p:cTn id="7" dur="400"/>
+                                        <p:tgtEl>
+                                          <p:spTgt spid="2"/>
+                                        </p:tgtEl>
+                                      </p:cBhvr>
+                                    </p:animEffect>
+                                  </p:childTnLst>
+                                </p:cTn>
+                              </p:par>
+                            </p:childTnLst>
+                          </p:cTn>
+                        </p:par>
+                      </p:childTnLst>
+                    </p:cTn>
+                  </p:par>
+                </p:childTnLst>
+              </p:cTn>
+              <p:prevCondLst>
+                <p:cond evt="onPrev" delay="0">
+                  <p:tgtEl>
+                    <p:sldTgt/>
+                  </p:tgtEl>
+                </p:cond>
+              </p:prevCondLst>
+              <p:nextCondLst>
+                <p:cond evt="onNext" delay="0">
+                  <p:tgtEl>
+                    <p:sldTgt/>
+                  </p:tgtEl>
+                </p:cond>
+              </p:nextCondLst>
+            </p:seq>
+          </p:childTnLst>
+        </p:cTn>
+      </p:par>
+    </p:tnLst>
+    <p:bldLst>
+      <p:bldP spid="2" grpId="0"/>
+    </p:bldLst>
+  </p:timing>
+</p:sld>
+</file>
+
+<file path=ppt/slides/slide15.xml><?xml version="1.0" encoding="utf-8"?>
+<p:sld xmlns:a="http://schemas.openxmlformats.org/drawingml/2006/main" xmlns:r="http://schemas.openxmlformats.org/officeDocument/2006/relationships" xmlns:p="http://schemas.openxmlformats.org/presentationml/2006/main">
+  <p:cSld>
+    <p:bg>
+      <p:bgPr>
+        <a:solidFill>
+          <a:schemeClr val="bg1"/>
+        </a:solidFill>
+        <a:effectLst/>
+      </p:bgPr>
+    </p:bg>
+    <p:spTree>
+      <p:nvGrpSpPr>
+        <p:cNvPr id="1" name=""/>
+        <p:cNvGrpSpPr/>
+        <p:nvPr/>
+      </p:nvGrpSpPr>
+      <p:grpSpPr>
+        <a:xfrm>
+          <a:off x="0" y="0"/>
+          <a:ext cx="0" cy="0"/>
+          <a:chOff x="0" y="0"/>
+          <a:chExt cx="0" cy="0"/>
+        </a:xfrm>
+      </p:grpSpPr>
+      <p:sp>
+        <p:nvSpPr>
+          <p:cNvPr id="2" name="Title 1">
+            <a:extLst>
+              <a:ext uri="{FF2B5EF4-FFF2-40B4-BE49-F238E27FC236}">
+                <a16:creationId xmlns:a16="http://schemas.microsoft.com/office/drawing/2014/main" id="{25E8FA48-27FA-46BB-8ED7-936F48B12573}"/>
+              </a:ext>
+            </a:extLst>
+          </p:cNvPr>
+          <p:cNvSpPr>
+            <a:spLocks noGrp="1"/>
+          </p:cNvSpPr>
+          <p:nvPr>
+            <p:ph type="title"/>
+          </p:nvPr>
+        </p:nvSpPr>
+        <p:spPr>
+          <a:xfrm>
+            <a:off x="640080" y="5576887"/>
+            <a:ext cx="10911840" cy="640081"/>
+          </a:xfrm>
+        </p:spPr>
+        <p:txBody>
+          <a:bodyPr vert="horz" lIns="91440" tIns="45720" rIns="91440" bIns="45720" rtlCol="0" anchor="ctr">
+            <a:normAutofit/>
+          </a:bodyPr>
+          <a:lstStyle/>
+          <a:p>
+            <a:pPr algn="ctr"/>
+            <a:r>
+              <a:rPr lang="en-US" sz="2000" b="1" dirty="0"/>
+              <a:t>Frontend</a:t>
+            </a:r>
+            <a:br>
+              <a:rPr lang="en-US" sz="2000" b="1" dirty="0"/>
+            </a:br>
+            <a:r>
+              <a:rPr lang="en-US" sz="2000" dirty="0"/>
+              <a:t>Sign In/Sign Up</a:t>
+            </a:r>
+          </a:p>
+        </p:txBody>
+      </p:sp>
+      <p:pic>
+        <p:nvPicPr>
+          <p:cNvPr id="5" name="Content Placeholder 4">
+            <a:extLst>
+              <a:ext uri="{FF2B5EF4-FFF2-40B4-BE49-F238E27FC236}">
+                <a16:creationId xmlns:a16="http://schemas.microsoft.com/office/drawing/2014/main" id="{E51C1418-81C6-C0F9-654E-C3DBA4A2E9B3}"/>
+              </a:ext>
+            </a:extLst>
+          </p:cNvPr>
+          <p:cNvPicPr>
+            <a:picLocks noGrp="1" noChangeAspect="1"/>
+          </p:cNvPicPr>
+          <p:nvPr>
+            <p:ph idx="1"/>
+          </p:nvPr>
+        </p:nvPicPr>
+        <p:blipFill rotWithShape="1">
+          <a:blip r:embed="rId2">
+            <a:extLst>
+              <a:ext uri="{28A0092B-C50C-407E-A947-70E740481C1C}">
+                <a14:useLocalDpi xmlns:a14="http://schemas.microsoft.com/office/drawing/2010/main" val="0"/>
+              </a:ext>
+            </a:extLst>
+          </a:blip>
+          <a:srcRect r="1" b="1499"/>
+          <a:stretch/>
+        </p:blipFill>
+        <p:spPr>
+          <a:xfrm>
+            <a:off x="640080" y="640080"/>
+            <a:ext cx="10911840" cy="4836795"/>
+          </a:xfrm>
+          <a:prstGeom prst="rect">
+            <a:avLst/>
+          </a:prstGeom>
+          <a:ln w="19050">
+            <a:solidFill>
+              <a:schemeClr val="tx1"/>
+            </a:solidFill>
+            <a:miter lim="800000"/>
+          </a:ln>
+        </p:spPr>
+      </p:pic>
+    </p:spTree>
+    <p:extLst>
+      <p:ext uri="{BB962C8B-B14F-4D97-AF65-F5344CB8AC3E}">
+        <p14:creationId xmlns:p14="http://schemas.microsoft.com/office/powerpoint/2010/main" val="3500535497"/>
+      </p:ext>
+    </p:extLst>
+  </p:cSld>
+  <p:clrMapOvr>
+    <a:overrideClrMapping bg1="dk1" tx1="lt1" bg2="dk2" tx2="lt2" accent1="accent1" accent2="accent2" accent3="accent3" accent4="accent4" accent5="accent5" accent6="accent6" hlink="hlink" folHlink="folHlink"/>
+  </p:clrMapOvr>
+  <p:timing>
+    <p:tnLst>
+      <p:par>
+        <p:cTn id="1" dur="indefinite" restart="never" nodeType="tmRoot">
+          <p:childTnLst>
+            <p:seq concurrent="1" nextAc="seek">
+              <p:cTn id="2" dur="indefinite" nodeType="mainSeq">
+                <p:childTnLst>
+                  <p:par>
+                    <p:cTn id="3" fill="hold">
+                      <p:stCondLst>
+                        <p:cond delay="indefinite"/>
+                        <p:cond evt="onBegin" delay="0">
+                          <p:tn val="2"/>
+                        </p:cond>
+                      </p:stCondLst>
+                      <p:childTnLst>
+                        <p:par>
+                          <p:cTn id="4" fill="hold">
+                            <p:stCondLst>
+                              <p:cond delay="0"/>
+                            </p:stCondLst>
+                            <p:childTnLst>
+                              <p:par>
+                                <p:cTn id="5" presetID="10" presetClass="entr" presetSubtype="0" fill="hold" grpId="0" nodeType="withEffect">
+                                  <p:stCondLst>
+                                    <p:cond delay="1000"/>
+                                  </p:stCondLst>
+                                  <p:iterate type="lt">
+                                    <p:tmPct val="10000"/>
+                                  </p:iterate>
+                                  <p:childTnLst>
+                                    <p:set>
+                                      <p:cBhvr>
+                                        <p:cTn id="6" dur="1" fill="hold">
+                                          <p:stCondLst>
+                                            <p:cond delay="0"/>
+                                          </p:stCondLst>
+                                        </p:cTn>
+                                        <p:tgtEl>
+                                          <p:spTgt spid="2"/>
+                                        </p:tgtEl>
+                                        <p:attrNameLst>
+                                          <p:attrName>style.visibility</p:attrName>
+                                        </p:attrNameLst>
+                                      </p:cBhvr>
+                                      <p:to>
+                                        <p:strVal val="visible"/>
+                                      </p:to>
+                                    </p:set>
+                                    <p:animEffect transition="in" filter="fade">
+                                      <p:cBhvr>
+                                        <p:cTn id="7" dur="400"/>
+                                        <p:tgtEl>
+                                          <p:spTgt spid="2"/>
+                                        </p:tgtEl>
+                                      </p:cBhvr>
+                                    </p:animEffect>
+                                  </p:childTnLst>
+                                </p:cTn>
+                              </p:par>
+                            </p:childTnLst>
+                          </p:cTn>
+                        </p:par>
+                      </p:childTnLst>
+                    </p:cTn>
+                  </p:par>
+                </p:childTnLst>
+              </p:cTn>
+              <p:prevCondLst>
+                <p:cond evt="onPrev" delay="0">
+                  <p:tgtEl>
+                    <p:sldTgt/>
+                  </p:tgtEl>
+                </p:cond>
+              </p:prevCondLst>
+              <p:nextCondLst>
+                <p:cond evt="onNext" delay="0">
+                  <p:tgtEl>
+                    <p:sldTgt/>
+                  </p:tgtEl>
+                </p:cond>
+              </p:nextCondLst>
+            </p:seq>
+          </p:childTnLst>
+        </p:cTn>
+      </p:par>
+    </p:tnLst>
+    <p:bldLst>
+      <p:bldP spid="2" grpId="0"/>
+    </p:bldLst>
+  </p:timing>
+</p:sld>
+</file>
+
+<file path=ppt/slides/slide16.xml><?xml version="1.0" encoding="utf-8"?>
+<p:sld xmlns:a="http://schemas.openxmlformats.org/drawingml/2006/main" xmlns:r="http://schemas.openxmlformats.org/officeDocument/2006/relationships" xmlns:p="http://schemas.openxmlformats.org/presentationml/2006/main">
+  <p:cSld>
+    <p:bg>
+      <p:bgPr>
+        <a:solidFill>
+          <a:schemeClr val="bg1"/>
+        </a:solidFill>
+        <a:effectLst/>
+      </p:bgPr>
+    </p:bg>
+    <p:spTree>
+      <p:nvGrpSpPr>
+        <p:cNvPr id="1" name=""/>
+        <p:cNvGrpSpPr/>
+        <p:nvPr/>
+      </p:nvGrpSpPr>
+      <p:grpSpPr>
+        <a:xfrm>
+          <a:off x="0" y="0"/>
+          <a:ext cx="0" cy="0"/>
+          <a:chOff x="0" y="0"/>
+          <a:chExt cx="0" cy="0"/>
+        </a:xfrm>
+      </p:grpSpPr>
+      <p:sp>
+        <p:nvSpPr>
           <p:cNvPr id="2" name="Title 1">
             <a:extLst>
               <a:ext uri="{FF2B5EF4-FFF2-40B4-BE49-F238E27FC236}">
@@ -10979,7 +12369,7 @@
 </p:sld>
 </file>
 
-<file path=ppt/slides/slide14.xml><?xml version="1.0" encoding="utf-8"?>
+<file path=ppt/slides/slide17.xml><?xml version="1.0" encoding="utf-8"?>
 <p:sld xmlns:a="http://schemas.openxmlformats.org/drawingml/2006/main" xmlns:r="http://schemas.openxmlformats.org/officeDocument/2006/relationships" xmlns:p="http://schemas.openxmlformats.org/presentationml/2006/main">
   <p:cSld>
     <p:bg>
@@ -11196,7 +12586,7 @@
 </p:sld>
 </file>
 
-<file path=ppt/slides/slide15.xml><?xml version="1.0" encoding="utf-8"?>
+<file path=ppt/slides/slide18.xml><?xml version="1.0" encoding="utf-8"?>
 <p:sld xmlns:a="http://schemas.openxmlformats.org/drawingml/2006/main" xmlns:r="http://schemas.openxmlformats.org/officeDocument/2006/relationships" xmlns:p="http://schemas.openxmlformats.org/presentationml/2006/main">
   <p:cSld>
     <p:bg>
@@ -11697,1507 +13087,6 @@
   </p:cSld>
   <p:clrMapOvr>
     <a:overrideClrMapping bg1="lt1" tx1="dk1" bg2="lt2" tx2="dk2" accent1="accent1" accent2="accent2" accent3="accent3" accent4="accent4" accent5="accent5" accent6="accent6" hlink="hlink" folHlink="folHlink"/>
-  </p:clrMapOvr>
-  <p:timing>
-    <p:tnLst>
-      <p:par>
-        <p:cTn id="1" dur="indefinite" restart="never" nodeType="tmRoot">
-          <p:childTnLst>
-            <p:seq concurrent="1" nextAc="seek">
-              <p:cTn id="2" dur="indefinite" nodeType="mainSeq">
-                <p:childTnLst>
-                  <p:par>
-                    <p:cTn id="3" fill="hold">
-                      <p:stCondLst>
-                        <p:cond delay="indefinite"/>
-                        <p:cond evt="onBegin" delay="0">
-                          <p:tn val="2"/>
-                        </p:cond>
-                      </p:stCondLst>
-                      <p:childTnLst>
-                        <p:par>
-                          <p:cTn id="4" fill="hold">
-                            <p:stCondLst>
-                              <p:cond delay="0"/>
-                            </p:stCondLst>
-                            <p:childTnLst>
-                              <p:par>
-                                <p:cTn id="5" presetID="10" presetClass="entr" presetSubtype="0" fill="hold" grpId="0" nodeType="withEffect">
-                                  <p:stCondLst>
-                                    <p:cond delay="1000"/>
-                                  </p:stCondLst>
-                                  <p:iterate type="lt">
-                                    <p:tmPct val="10000"/>
-                                  </p:iterate>
-                                  <p:childTnLst>
-                                    <p:set>
-                                      <p:cBhvr>
-                                        <p:cTn id="6" dur="1" fill="hold">
-                                          <p:stCondLst>
-                                            <p:cond delay="0"/>
-                                          </p:stCondLst>
-                                        </p:cTn>
-                                        <p:tgtEl>
-                                          <p:spTgt spid="2"/>
-                                        </p:tgtEl>
-                                        <p:attrNameLst>
-                                          <p:attrName>style.visibility</p:attrName>
-                                        </p:attrNameLst>
-                                      </p:cBhvr>
-                                      <p:to>
-                                        <p:strVal val="visible"/>
-                                      </p:to>
-                                    </p:set>
-                                    <p:animEffect transition="in" filter="fade">
-                                      <p:cBhvr>
-                                        <p:cTn id="7" dur="400"/>
-                                        <p:tgtEl>
-                                          <p:spTgt spid="2"/>
-                                        </p:tgtEl>
-                                      </p:cBhvr>
-                                    </p:animEffect>
-                                  </p:childTnLst>
-                                </p:cTn>
-                              </p:par>
-                            </p:childTnLst>
-                          </p:cTn>
-                        </p:par>
-                      </p:childTnLst>
-                    </p:cTn>
-                  </p:par>
-                </p:childTnLst>
-              </p:cTn>
-              <p:prevCondLst>
-                <p:cond evt="onPrev" delay="0">
-                  <p:tgtEl>
-                    <p:sldTgt/>
-                  </p:tgtEl>
-                </p:cond>
-              </p:prevCondLst>
-              <p:nextCondLst>
-                <p:cond evt="onNext" delay="0">
-                  <p:tgtEl>
-                    <p:sldTgt/>
-                  </p:tgtEl>
-                </p:cond>
-              </p:nextCondLst>
-            </p:seq>
-          </p:childTnLst>
-        </p:cTn>
-      </p:par>
-    </p:tnLst>
-    <p:bldLst>
-      <p:bldP spid="2" grpId="0"/>
-    </p:bldLst>
-  </p:timing>
-</p:sld>
-</file>
-
-<file path=ppt/slides/slide16.xml><?xml version="1.0" encoding="utf-8"?>
-<p:sld xmlns:a="http://schemas.openxmlformats.org/drawingml/2006/main" xmlns:r="http://schemas.openxmlformats.org/officeDocument/2006/relationships" xmlns:p="http://schemas.openxmlformats.org/presentationml/2006/main">
-  <p:cSld>
-    <p:bg>
-      <p:bgPr>
-        <a:solidFill>
-          <a:schemeClr val="bg1">
-            <a:tint val="95000"/>
-            <a:satMod val="170000"/>
-          </a:schemeClr>
-        </a:solidFill>
-        <a:effectLst/>
-      </p:bgPr>
-    </p:bg>
-    <p:spTree>
-      <p:nvGrpSpPr>
-        <p:cNvPr id="1" name=""/>
-        <p:cNvGrpSpPr/>
-        <p:nvPr/>
-      </p:nvGrpSpPr>
-      <p:grpSpPr>
-        <a:xfrm>
-          <a:off x="0" y="0"/>
-          <a:ext cx="0" cy="0"/>
-          <a:chOff x="0" y="0"/>
-          <a:chExt cx="0" cy="0"/>
-        </a:xfrm>
-      </p:grpSpPr>
-      <p:sp useBgFill="1">
-        <p:nvSpPr>
-          <p:cNvPr id="100" name="Rectangle 99">
-            <a:extLst>
-              <a:ext uri="{FF2B5EF4-FFF2-40B4-BE49-F238E27FC236}">
-                <a16:creationId xmlns:a16="http://schemas.microsoft.com/office/drawing/2014/main" id="{9B76D444-2756-434F-AE61-96D69830C13E}"/>
-              </a:ext>
-              <a:ext uri="{C183D7F6-B498-43B3-948B-1728B52AA6E4}">
-                <adec:decorative xmlns:adec="http://schemas.microsoft.com/office/drawing/2017/decorative" val="1"/>
-              </a:ext>
-            </a:extLst>
-          </p:cNvPr>
-          <p:cNvSpPr>
-            <a:spLocks noGrp="1" noRot="1" noChangeAspect="1" noMove="1" noResize="1" noEditPoints="1" noAdjustHandles="1" noChangeArrowheads="1" noChangeShapeType="1" noTextEdit="1"/>
-          </p:cNvSpPr>
-          <p:nvPr>
-            <p:extLst>
-              <p:ext uri="{386F3935-93C4-4BCD-93E2-E3B085C9AB24}">
-                <p16:designElem xmlns:p16="http://schemas.microsoft.com/office/powerpoint/2015/main" val="1"/>
-              </p:ext>
-            </p:extLst>
-          </p:nvPr>
-        </p:nvSpPr>
-        <p:spPr>
-          <a:xfrm>
-            <a:off x="0" y="0"/>
-            <a:ext cx="12188952" cy="6858000"/>
-          </a:xfrm>
-          <a:prstGeom prst="rect">
-            <a:avLst/>
-          </a:prstGeom>
-          <a:ln>
-            <a:noFill/>
-          </a:ln>
-        </p:spPr>
-        <p:style>
-          <a:lnRef idx="2">
-            <a:schemeClr val="accent1">
-              <a:shade val="50000"/>
-            </a:schemeClr>
-          </a:lnRef>
-          <a:fillRef idx="1">
-            <a:schemeClr val="accent1"/>
-          </a:fillRef>
-          <a:effectRef idx="0">
-            <a:schemeClr val="accent1"/>
-          </a:effectRef>
-          <a:fontRef idx="minor">
-            <a:schemeClr val="lt1"/>
-          </a:fontRef>
-        </p:style>
-        <p:txBody>
-          <a:bodyPr rtlCol="0" anchor="ctr"/>
-          <a:lstStyle/>
-          <a:p>
-            <a:pPr algn="ctr"/>
-            <a:endParaRPr lang="en-US"/>
-          </a:p>
-        </p:txBody>
-      </p:sp>
-      <p:pic>
-        <p:nvPicPr>
-          <p:cNvPr id="5" name="Picture 4" descr="A picture containing timeline&#10;&#10;Description automatically generated">
-            <a:extLst>
-              <a:ext uri="{FF2B5EF4-FFF2-40B4-BE49-F238E27FC236}">
-                <a16:creationId xmlns:a16="http://schemas.microsoft.com/office/drawing/2014/main" id="{EFBE333F-D20F-93D3-6ACA-390C34EFFE1E}"/>
-              </a:ext>
-            </a:extLst>
-          </p:cNvPr>
-          <p:cNvPicPr>
-            <a:picLocks noChangeAspect="1"/>
-          </p:cNvPicPr>
-          <p:nvPr/>
-        </p:nvPicPr>
-        <p:blipFill rotWithShape="1">
-          <a:blip r:embed="rId2">
-            <a:extLst>
-              <a:ext uri="{28A0092B-C50C-407E-A947-70E740481C1C}">
-                <a14:useLocalDpi xmlns:a14="http://schemas.microsoft.com/office/drawing/2010/main" val="0"/>
-              </a:ext>
-            </a:extLst>
-          </a:blip>
-          <a:srcRect r="-1" b="14827"/>
-          <a:stretch/>
-        </p:blipFill>
-        <p:spPr>
-          <a:xfrm>
-            <a:off x="320040" y="320040"/>
-            <a:ext cx="11548872" cy="4303462"/>
-          </a:xfrm>
-          <a:prstGeom prst="rect">
-            <a:avLst/>
-          </a:prstGeom>
-        </p:spPr>
-      </p:pic>
-      <p:sp>
-        <p:nvSpPr>
-          <p:cNvPr id="102" name="Rectangle 101">
-            <a:extLst>
-              <a:ext uri="{FF2B5EF4-FFF2-40B4-BE49-F238E27FC236}">
-                <a16:creationId xmlns:a16="http://schemas.microsoft.com/office/drawing/2014/main" id="{A27B6159-7734-4564-9E0F-C4BC43C36E52}"/>
-              </a:ext>
-              <a:ext uri="{C183D7F6-B498-43B3-948B-1728B52AA6E4}">
-                <adec:decorative xmlns:adec="http://schemas.microsoft.com/office/drawing/2017/decorative" val="1"/>
-              </a:ext>
-            </a:extLst>
-          </p:cNvPr>
-          <p:cNvSpPr>
-            <a:spLocks noGrp="1" noRot="1" noChangeAspect="1" noMove="1" noResize="1" noEditPoints="1" noAdjustHandles="1" noChangeArrowheads="1" noChangeShapeType="1" noTextEdit="1"/>
-          </p:cNvSpPr>
-          <p:nvPr>
-            <p:extLst>
-              <p:ext uri="{386F3935-93C4-4BCD-93E2-E3B085C9AB24}">
-                <p16:designElem xmlns:p16="http://schemas.microsoft.com/office/powerpoint/2015/main" val="1"/>
-              </p:ext>
-            </p:extLst>
-          </p:nvPr>
-        </p:nvSpPr>
-        <p:spPr bwMode="ltGray">
-          <a:xfrm>
-            <a:off x="321564" y="4782312"/>
-            <a:ext cx="11548872" cy="1755648"/>
-          </a:xfrm>
-          <a:prstGeom prst="rect">
-            <a:avLst/>
-          </a:prstGeom>
-          <a:solidFill>
-            <a:schemeClr val="tx1">
-              <a:alpha val="93000"/>
-            </a:schemeClr>
-          </a:solidFill>
-          <a:ln w="127000" cap="sq" cmpd="thinThick">
-            <a:noFill/>
-          </a:ln>
-        </p:spPr>
-        <p:style>
-          <a:lnRef idx="2">
-            <a:schemeClr val="accent1">
-              <a:shade val="50000"/>
-            </a:schemeClr>
-          </a:lnRef>
-          <a:fillRef idx="1">
-            <a:schemeClr val="accent1"/>
-          </a:fillRef>
-          <a:effectRef idx="0">
-            <a:schemeClr val="accent1"/>
-          </a:effectRef>
-          <a:fontRef idx="minor">
-            <a:schemeClr val="lt1"/>
-          </a:fontRef>
-        </p:style>
-        <p:txBody>
-          <a:bodyPr rtlCol="0" anchor="ctr"/>
-          <a:lstStyle/>
-          <a:p>
-            <a:pPr marL="0" marR="0" lvl="0" indent="0" algn="ctr" defTabSz="914400" rtl="0" eaLnBrk="1" fontAlgn="auto" latinLnBrk="0" hangingPunct="1">
-              <a:lnSpc>
-                <a:spcPct val="100000"/>
-              </a:lnSpc>
-              <a:spcBef>
-                <a:spcPts val="0"/>
-              </a:spcBef>
-              <a:spcAft>
-                <a:spcPts val="0"/>
-              </a:spcAft>
-              <a:buClrTx/>
-              <a:buSzTx/>
-              <a:buFontTx/>
-              <a:buNone/>
-              <a:tabLst/>
-              <a:defRPr/>
-            </a:pPr>
-            <a:endParaRPr kumimoji="0" lang="en-US" sz="1800" b="0" i="0" u="none" strike="noStrike" kern="1200" cap="none" spc="0" normalizeH="0" baseline="0" noProof="0">
-              <a:ln>
-                <a:noFill/>
-              </a:ln>
-              <a:solidFill>
-                <a:prstClr val="white"/>
-              </a:solidFill>
-              <a:effectLst/>
-              <a:uLnTx/>
-              <a:uFillTx/>
-              <a:latin typeface="Calibri" panose="020F0502020204030204"/>
-              <a:ea typeface="+mn-ea"/>
-              <a:cs typeface="+mn-cs"/>
-            </a:endParaRPr>
-          </a:p>
-        </p:txBody>
-      </p:sp>
-      <p:sp>
-        <p:nvSpPr>
-          <p:cNvPr id="2" name="Title 1">
-            <a:extLst>
-              <a:ext uri="{FF2B5EF4-FFF2-40B4-BE49-F238E27FC236}">
-                <a16:creationId xmlns:a16="http://schemas.microsoft.com/office/drawing/2014/main" id="{25E8FA48-27FA-46BB-8ED7-936F48B12573}"/>
-              </a:ext>
-            </a:extLst>
-          </p:cNvPr>
-          <p:cNvSpPr>
-            <a:spLocks noGrp="1"/>
-          </p:cNvSpPr>
-          <p:nvPr>
-            <p:ph type="title"/>
-          </p:nvPr>
-        </p:nvSpPr>
-        <p:spPr>
-          <a:xfrm>
-            <a:off x="841248" y="5009083"/>
-            <a:ext cx="2889504" cy="1345997"/>
-          </a:xfrm>
-        </p:spPr>
-        <p:txBody>
-          <a:bodyPr vert="horz" lIns="91440" tIns="45720" rIns="91440" bIns="45720" rtlCol="0" anchor="ctr">
-            <a:normAutofit/>
-          </a:bodyPr>
-          <a:lstStyle/>
-          <a:p>
-            <a:r>
-              <a:rPr lang="en-US" sz="2600" b="1" kern="1200">
-                <a:solidFill>
-                  <a:schemeClr val="bg1"/>
-                </a:solidFill>
-                <a:latin typeface="+mj-lt"/>
-                <a:ea typeface="+mj-ea"/>
-                <a:cs typeface="+mj-cs"/>
-              </a:rPr>
-              <a:t>Manager</a:t>
-            </a:r>
-            <a:br>
-              <a:rPr lang="en-US" sz="2600" b="1" kern="1200">
-                <a:solidFill>
-                  <a:schemeClr val="bg1"/>
-                </a:solidFill>
-                <a:latin typeface="+mj-lt"/>
-                <a:ea typeface="+mj-ea"/>
-                <a:cs typeface="+mj-cs"/>
-              </a:rPr>
-            </a:br>
-            <a:r>
-              <a:rPr lang="en-US" sz="2600" kern="1200">
-                <a:solidFill>
-                  <a:schemeClr val="bg1"/>
-                </a:solidFill>
-                <a:latin typeface="+mj-lt"/>
-                <a:ea typeface="+mj-ea"/>
-                <a:cs typeface="+mj-cs"/>
-              </a:rPr>
-              <a:t>Dashboard</a:t>
-            </a:r>
-          </a:p>
-        </p:txBody>
-      </p:sp>
-      <p:cxnSp>
-        <p:nvCxnSpPr>
-          <p:cNvPr id="104" name="Straight Connector 103">
-            <a:extLst>
-              <a:ext uri="{FF2B5EF4-FFF2-40B4-BE49-F238E27FC236}">
-                <a16:creationId xmlns:a16="http://schemas.microsoft.com/office/drawing/2014/main" id="{E2FFB46B-05BC-4950-B18A-9593FDAE6ED7}"/>
-              </a:ext>
-              <a:ext uri="{C183D7F6-B498-43B3-948B-1728B52AA6E4}">
-                <adec:decorative xmlns:adec="http://schemas.microsoft.com/office/drawing/2017/decorative" val="1"/>
-              </a:ext>
-            </a:extLst>
-          </p:cNvPr>
-          <p:cNvCxnSpPr>
-            <a:cxnSpLocks noGrp="1" noRot="1" noChangeAspect="1" noMove="1" noResize="1" noEditPoints="1" noAdjustHandles="1" noChangeArrowheads="1" noChangeShapeType="1"/>
-          </p:cNvCxnSpPr>
-          <p:nvPr>
-            <p:extLst>
-              <p:ext uri="{386F3935-93C4-4BCD-93E2-E3B085C9AB24}">
-                <p16:designElem xmlns:p16="http://schemas.microsoft.com/office/powerpoint/2015/main" val="1"/>
-              </p:ext>
-            </p:extLst>
-          </p:nvPr>
-        </p:nvCxnSpPr>
-        <p:spPr>
-          <a:xfrm flipV="1">
-            <a:off x="4059936" y="5237979"/>
-            <a:ext cx="0" cy="914400"/>
-          </a:xfrm>
-          <a:prstGeom prst="line">
-            <a:avLst/>
-          </a:prstGeom>
-          <a:ln w="19050">
-            <a:solidFill>
-              <a:schemeClr val="bg1">
-                <a:alpha val="80000"/>
-              </a:schemeClr>
-            </a:solidFill>
-          </a:ln>
-        </p:spPr>
-        <p:style>
-          <a:lnRef idx="1">
-            <a:schemeClr val="accent1"/>
-          </a:lnRef>
-          <a:fillRef idx="0">
-            <a:schemeClr val="accent1"/>
-          </a:fillRef>
-          <a:effectRef idx="0">
-            <a:schemeClr val="accent1"/>
-          </a:effectRef>
-          <a:fontRef idx="minor">
-            <a:schemeClr val="tx1"/>
-          </a:fontRef>
-        </p:style>
-      </p:cxnSp>
-      <p:sp>
-        <p:nvSpPr>
-          <p:cNvPr id="4" name="Content Placeholder 3">
-            <a:extLst>
-              <a:ext uri="{FF2B5EF4-FFF2-40B4-BE49-F238E27FC236}">
-                <a16:creationId xmlns:a16="http://schemas.microsoft.com/office/drawing/2014/main" id="{6687BE7B-454C-A3AE-8C92-88FF5ED25789}"/>
-              </a:ext>
-            </a:extLst>
-          </p:cNvPr>
-          <p:cNvSpPr>
-            <a:spLocks noGrp="1"/>
-          </p:cNvSpPr>
-          <p:nvPr>
-            <p:ph idx="1"/>
-          </p:nvPr>
-        </p:nvSpPr>
-        <p:spPr>
-          <a:xfrm>
-            <a:off x="4379976" y="5009083"/>
-            <a:ext cx="6976872" cy="1345997"/>
-          </a:xfrm>
-        </p:spPr>
-        <p:txBody>
-          <a:bodyPr anchor="ctr">
-            <a:normAutofit/>
-          </a:bodyPr>
-          <a:lstStyle/>
-          <a:p>
-            <a:r>
-              <a:rPr lang="en-US" sz="1700">
-                <a:solidFill>
-                  <a:schemeClr val="bg1"/>
-                </a:solidFill>
-              </a:rPr>
-              <a:t>On the dashboard, the hiring manager can:</a:t>
-            </a:r>
-            <a:endParaRPr lang="en-GB" sz="1700">
-              <a:solidFill>
-                <a:schemeClr val="bg1"/>
-              </a:solidFill>
-            </a:endParaRPr>
-          </a:p>
-          <a:p>
-            <a:pPr lvl="1"/>
-            <a:r>
-              <a:rPr lang="en-US" sz="1700">
-                <a:solidFill>
-                  <a:schemeClr val="bg1"/>
-                </a:solidFill>
-              </a:rPr>
-              <a:t>See the sent invitations with their status (sent/finished)</a:t>
-            </a:r>
-          </a:p>
-          <a:p>
-            <a:pPr lvl="1"/>
-            <a:r>
-              <a:rPr lang="en-US" sz="1700">
-                <a:solidFill>
-                  <a:schemeClr val="bg1"/>
-                </a:solidFill>
-              </a:rPr>
-              <a:t>Navigate to other pages to perform other tasks</a:t>
-            </a:r>
-          </a:p>
-        </p:txBody>
-      </p:sp>
-    </p:spTree>
-    <p:extLst>
-      <p:ext uri="{BB962C8B-B14F-4D97-AF65-F5344CB8AC3E}">
-        <p14:creationId xmlns:p14="http://schemas.microsoft.com/office/powerpoint/2010/main" val="3312803103"/>
-      </p:ext>
-    </p:extLst>
-  </p:cSld>
-  <p:clrMapOvr>
-    <a:overrideClrMapping bg1="dk1" tx1="lt1" bg2="dk2" tx2="lt2" accent1="accent1" accent2="accent2" accent3="accent3" accent4="accent4" accent5="accent5" accent6="accent6" hlink="hlink" folHlink="folHlink"/>
-  </p:clrMapOvr>
-  <p:timing>
-    <p:tnLst>
-      <p:par>
-        <p:cTn id="1" dur="indefinite" restart="never" nodeType="tmRoot">
-          <p:childTnLst>
-            <p:seq concurrent="1" nextAc="seek">
-              <p:cTn id="2" dur="indefinite" nodeType="mainSeq">
-                <p:childTnLst>
-                  <p:par>
-                    <p:cTn id="3" fill="hold">
-                      <p:stCondLst>
-                        <p:cond delay="indefinite"/>
-                        <p:cond evt="onBegin" delay="0">
-                          <p:tn val="2"/>
-                        </p:cond>
-                      </p:stCondLst>
-                      <p:childTnLst>
-                        <p:par>
-                          <p:cTn id="4" fill="hold">
-                            <p:stCondLst>
-                              <p:cond delay="0"/>
-                            </p:stCondLst>
-                            <p:childTnLst>
-                              <p:par>
-                                <p:cTn id="5" presetID="10" presetClass="entr" presetSubtype="0" fill="hold" grpId="0" nodeType="withEffect">
-                                  <p:stCondLst>
-                                    <p:cond delay="1000"/>
-                                  </p:stCondLst>
-                                  <p:iterate type="lt">
-                                    <p:tmPct val="10000"/>
-                                  </p:iterate>
-                                  <p:childTnLst>
-                                    <p:set>
-                                      <p:cBhvr>
-                                        <p:cTn id="6" dur="1" fill="hold">
-                                          <p:stCondLst>
-                                            <p:cond delay="0"/>
-                                          </p:stCondLst>
-                                        </p:cTn>
-                                        <p:tgtEl>
-                                          <p:spTgt spid="2"/>
-                                        </p:tgtEl>
-                                        <p:attrNameLst>
-                                          <p:attrName>style.visibility</p:attrName>
-                                        </p:attrNameLst>
-                                      </p:cBhvr>
-                                      <p:to>
-                                        <p:strVal val="visible"/>
-                                      </p:to>
-                                    </p:set>
-                                    <p:animEffect transition="in" filter="fade">
-                                      <p:cBhvr>
-                                        <p:cTn id="7" dur="400"/>
-                                        <p:tgtEl>
-                                          <p:spTgt spid="2"/>
-                                        </p:tgtEl>
-                                      </p:cBhvr>
-                                    </p:animEffect>
-                                  </p:childTnLst>
-                                </p:cTn>
-                              </p:par>
-                            </p:childTnLst>
-                          </p:cTn>
-                        </p:par>
-                      </p:childTnLst>
-                    </p:cTn>
-                  </p:par>
-                </p:childTnLst>
-              </p:cTn>
-              <p:prevCondLst>
-                <p:cond evt="onPrev" delay="0">
-                  <p:tgtEl>
-                    <p:sldTgt/>
-                  </p:tgtEl>
-                </p:cond>
-              </p:prevCondLst>
-              <p:nextCondLst>
-                <p:cond evt="onNext" delay="0">
-                  <p:tgtEl>
-                    <p:sldTgt/>
-                  </p:tgtEl>
-                </p:cond>
-              </p:nextCondLst>
-            </p:seq>
-          </p:childTnLst>
-        </p:cTn>
-      </p:par>
-    </p:tnLst>
-    <p:bldLst>
-      <p:bldP spid="2" grpId="0"/>
-    </p:bldLst>
-  </p:timing>
-</p:sld>
-</file>
-
-<file path=ppt/slides/slide17.xml><?xml version="1.0" encoding="utf-8"?>
-<p:sld xmlns:a="http://schemas.openxmlformats.org/drawingml/2006/main" xmlns:r="http://schemas.openxmlformats.org/officeDocument/2006/relationships" xmlns:p="http://schemas.openxmlformats.org/presentationml/2006/main">
-  <p:cSld>
-    <p:bg>
-      <p:bgPr>
-        <a:solidFill>
-          <a:schemeClr val="bg1">
-            <a:tint val="95000"/>
-            <a:satMod val="170000"/>
-          </a:schemeClr>
-        </a:solidFill>
-        <a:effectLst/>
-      </p:bgPr>
-    </p:bg>
-    <p:spTree>
-      <p:nvGrpSpPr>
-        <p:cNvPr id="1" name=""/>
-        <p:cNvGrpSpPr/>
-        <p:nvPr/>
-      </p:nvGrpSpPr>
-      <p:grpSpPr>
-        <a:xfrm>
-          <a:off x="0" y="0"/>
-          <a:ext cx="0" cy="0"/>
-          <a:chOff x="0" y="0"/>
-          <a:chExt cx="0" cy="0"/>
-        </a:xfrm>
-      </p:grpSpPr>
-      <p:sp useBgFill="1">
-        <p:nvSpPr>
-          <p:cNvPr id="100" name="Rectangle 99">
-            <a:extLst>
-              <a:ext uri="{FF2B5EF4-FFF2-40B4-BE49-F238E27FC236}">
-                <a16:creationId xmlns:a16="http://schemas.microsoft.com/office/drawing/2014/main" id="{9B76D444-2756-434F-AE61-96D69830C13E}"/>
-              </a:ext>
-              <a:ext uri="{C183D7F6-B498-43B3-948B-1728B52AA6E4}">
-                <adec:decorative xmlns:adec="http://schemas.microsoft.com/office/drawing/2017/decorative" val="1"/>
-              </a:ext>
-            </a:extLst>
-          </p:cNvPr>
-          <p:cNvSpPr>
-            <a:spLocks noGrp="1" noRot="1" noChangeAspect="1" noMove="1" noResize="1" noEditPoints="1" noAdjustHandles="1" noChangeArrowheads="1" noChangeShapeType="1" noTextEdit="1"/>
-          </p:cNvSpPr>
-          <p:nvPr>
-            <p:extLst>
-              <p:ext uri="{386F3935-93C4-4BCD-93E2-E3B085C9AB24}">
-                <p16:designElem xmlns:p16="http://schemas.microsoft.com/office/powerpoint/2015/main" val="1"/>
-              </p:ext>
-            </p:extLst>
-          </p:nvPr>
-        </p:nvSpPr>
-        <p:spPr>
-          <a:xfrm>
-            <a:off x="0" y="0"/>
-            <a:ext cx="12188952" cy="6858000"/>
-          </a:xfrm>
-          <a:prstGeom prst="rect">
-            <a:avLst/>
-          </a:prstGeom>
-          <a:ln>
-            <a:noFill/>
-          </a:ln>
-        </p:spPr>
-        <p:style>
-          <a:lnRef idx="2">
-            <a:schemeClr val="accent1">
-              <a:shade val="50000"/>
-            </a:schemeClr>
-          </a:lnRef>
-          <a:fillRef idx="1">
-            <a:schemeClr val="accent1"/>
-          </a:fillRef>
-          <a:effectRef idx="0">
-            <a:schemeClr val="accent1"/>
-          </a:effectRef>
-          <a:fontRef idx="minor">
-            <a:schemeClr val="lt1"/>
-          </a:fontRef>
-        </p:style>
-        <p:txBody>
-          <a:bodyPr rtlCol="0" anchor="ctr"/>
-          <a:lstStyle/>
-          <a:p>
-            <a:pPr algn="ctr"/>
-            <a:endParaRPr lang="en-US"/>
-          </a:p>
-        </p:txBody>
-      </p:sp>
-      <p:pic>
-        <p:nvPicPr>
-          <p:cNvPr id="5" name="Picture 4" descr="Graphical user interface&#10;&#10;Description automatically generated">
-            <a:extLst>
-              <a:ext uri="{FF2B5EF4-FFF2-40B4-BE49-F238E27FC236}">
-                <a16:creationId xmlns:a16="http://schemas.microsoft.com/office/drawing/2014/main" id="{DD6258F0-A49D-4922-230A-2D88FEAEAAD9}"/>
-              </a:ext>
-            </a:extLst>
-          </p:cNvPr>
-          <p:cNvPicPr>
-            <a:picLocks noChangeAspect="1"/>
-          </p:cNvPicPr>
-          <p:nvPr/>
-        </p:nvPicPr>
-        <p:blipFill rotWithShape="1">
-          <a:blip r:embed="rId2">
-            <a:extLst>
-              <a:ext uri="{28A0092B-C50C-407E-A947-70E740481C1C}">
-                <a14:useLocalDpi xmlns:a14="http://schemas.microsoft.com/office/drawing/2010/main" val="0"/>
-              </a:ext>
-            </a:extLst>
-          </a:blip>
-          <a:srcRect r="-1" b="15311"/>
-          <a:stretch/>
-        </p:blipFill>
-        <p:spPr>
-          <a:xfrm>
-            <a:off x="320040" y="320040"/>
-            <a:ext cx="11548872" cy="4303462"/>
-          </a:xfrm>
-          <a:prstGeom prst="rect">
-            <a:avLst/>
-          </a:prstGeom>
-        </p:spPr>
-      </p:pic>
-      <p:sp>
-        <p:nvSpPr>
-          <p:cNvPr id="102" name="Rectangle 101">
-            <a:extLst>
-              <a:ext uri="{FF2B5EF4-FFF2-40B4-BE49-F238E27FC236}">
-                <a16:creationId xmlns:a16="http://schemas.microsoft.com/office/drawing/2014/main" id="{A27B6159-7734-4564-9E0F-C4BC43C36E52}"/>
-              </a:ext>
-              <a:ext uri="{C183D7F6-B498-43B3-948B-1728B52AA6E4}">
-                <adec:decorative xmlns:adec="http://schemas.microsoft.com/office/drawing/2017/decorative" val="1"/>
-              </a:ext>
-            </a:extLst>
-          </p:cNvPr>
-          <p:cNvSpPr>
-            <a:spLocks noGrp="1" noRot="1" noChangeAspect="1" noMove="1" noResize="1" noEditPoints="1" noAdjustHandles="1" noChangeArrowheads="1" noChangeShapeType="1" noTextEdit="1"/>
-          </p:cNvSpPr>
-          <p:nvPr>
-            <p:extLst>
-              <p:ext uri="{386F3935-93C4-4BCD-93E2-E3B085C9AB24}">
-                <p16:designElem xmlns:p16="http://schemas.microsoft.com/office/powerpoint/2015/main" val="1"/>
-              </p:ext>
-            </p:extLst>
-          </p:nvPr>
-        </p:nvSpPr>
-        <p:spPr bwMode="ltGray">
-          <a:xfrm>
-            <a:off x="321564" y="4782312"/>
-            <a:ext cx="11548872" cy="1755648"/>
-          </a:xfrm>
-          <a:prstGeom prst="rect">
-            <a:avLst/>
-          </a:prstGeom>
-          <a:solidFill>
-            <a:schemeClr val="tx1">
-              <a:alpha val="93000"/>
-            </a:schemeClr>
-          </a:solidFill>
-          <a:ln w="127000" cap="sq" cmpd="thinThick">
-            <a:noFill/>
-          </a:ln>
-        </p:spPr>
-        <p:style>
-          <a:lnRef idx="2">
-            <a:schemeClr val="accent1">
-              <a:shade val="50000"/>
-            </a:schemeClr>
-          </a:lnRef>
-          <a:fillRef idx="1">
-            <a:schemeClr val="accent1"/>
-          </a:fillRef>
-          <a:effectRef idx="0">
-            <a:schemeClr val="accent1"/>
-          </a:effectRef>
-          <a:fontRef idx="minor">
-            <a:schemeClr val="lt1"/>
-          </a:fontRef>
-        </p:style>
-        <p:txBody>
-          <a:bodyPr rtlCol="0" anchor="ctr"/>
-          <a:lstStyle/>
-          <a:p>
-            <a:pPr marL="0" marR="0" lvl="0" indent="0" algn="ctr" defTabSz="914400" rtl="0" eaLnBrk="1" fontAlgn="auto" latinLnBrk="0" hangingPunct="1">
-              <a:lnSpc>
-                <a:spcPct val="100000"/>
-              </a:lnSpc>
-              <a:spcBef>
-                <a:spcPts val="0"/>
-              </a:spcBef>
-              <a:spcAft>
-                <a:spcPts val="0"/>
-              </a:spcAft>
-              <a:buClrTx/>
-              <a:buSzTx/>
-              <a:buFontTx/>
-              <a:buNone/>
-              <a:tabLst/>
-              <a:defRPr/>
-            </a:pPr>
-            <a:endParaRPr kumimoji="0" lang="en-US" sz="1800" b="0" i="0" u="none" strike="noStrike" kern="1200" cap="none" spc="0" normalizeH="0" baseline="0" noProof="0">
-              <a:ln>
-                <a:noFill/>
-              </a:ln>
-              <a:solidFill>
-                <a:prstClr val="white"/>
-              </a:solidFill>
-              <a:effectLst/>
-              <a:uLnTx/>
-              <a:uFillTx/>
-              <a:latin typeface="Calibri" panose="020F0502020204030204"/>
-              <a:ea typeface="+mn-ea"/>
-              <a:cs typeface="+mn-cs"/>
-            </a:endParaRPr>
-          </a:p>
-        </p:txBody>
-      </p:sp>
-      <p:sp>
-        <p:nvSpPr>
-          <p:cNvPr id="2" name="Title 1">
-            <a:extLst>
-              <a:ext uri="{FF2B5EF4-FFF2-40B4-BE49-F238E27FC236}">
-                <a16:creationId xmlns:a16="http://schemas.microsoft.com/office/drawing/2014/main" id="{25E8FA48-27FA-46BB-8ED7-936F48B12573}"/>
-              </a:ext>
-            </a:extLst>
-          </p:cNvPr>
-          <p:cNvSpPr>
-            <a:spLocks noGrp="1"/>
-          </p:cNvSpPr>
-          <p:nvPr>
-            <p:ph type="title"/>
-          </p:nvPr>
-        </p:nvSpPr>
-        <p:spPr>
-          <a:xfrm>
-            <a:off x="841248" y="5009083"/>
-            <a:ext cx="2889504" cy="1345997"/>
-          </a:xfrm>
-        </p:spPr>
-        <p:txBody>
-          <a:bodyPr vert="horz" lIns="91440" tIns="45720" rIns="91440" bIns="45720" rtlCol="0" anchor="ctr">
-            <a:normAutofit/>
-          </a:bodyPr>
-          <a:lstStyle/>
-          <a:p>
-            <a:r>
-              <a:rPr lang="en-US" sz="2600" b="1" kern="1200">
-                <a:solidFill>
-                  <a:schemeClr val="bg1"/>
-                </a:solidFill>
-                <a:latin typeface="+mj-lt"/>
-                <a:ea typeface="+mj-ea"/>
-                <a:cs typeface="+mj-cs"/>
-              </a:rPr>
-              <a:t>Manager</a:t>
-            </a:r>
-            <a:br>
-              <a:rPr lang="en-US" sz="2600" b="1" kern="1200">
-                <a:solidFill>
-                  <a:schemeClr val="bg1"/>
-                </a:solidFill>
-                <a:latin typeface="+mj-lt"/>
-                <a:ea typeface="+mj-ea"/>
-                <a:cs typeface="+mj-cs"/>
-              </a:rPr>
-            </a:br>
-            <a:r>
-              <a:rPr lang="en-US" sz="2600" kern="1200">
-                <a:solidFill>
-                  <a:schemeClr val="bg1"/>
-                </a:solidFill>
-                <a:latin typeface="+mj-lt"/>
-                <a:ea typeface="+mj-ea"/>
-                <a:cs typeface="+mj-cs"/>
-              </a:rPr>
-              <a:t>Create Scenario</a:t>
-            </a:r>
-          </a:p>
-        </p:txBody>
-      </p:sp>
-      <p:cxnSp>
-        <p:nvCxnSpPr>
-          <p:cNvPr id="104" name="Straight Connector 103">
-            <a:extLst>
-              <a:ext uri="{FF2B5EF4-FFF2-40B4-BE49-F238E27FC236}">
-                <a16:creationId xmlns:a16="http://schemas.microsoft.com/office/drawing/2014/main" id="{E2FFB46B-05BC-4950-B18A-9593FDAE6ED7}"/>
-              </a:ext>
-              <a:ext uri="{C183D7F6-B498-43B3-948B-1728B52AA6E4}">
-                <adec:decorative xmlns:adec="http://schemas.microsoft.com/office/drawing/2017/decorative" val="1"/>
-              </a:ext>
-            </a:extLst>
-          </p:cNvPr>
-          <p:cNvCxnSpPr>
-            <a:cxnSpLocks noGrp="1" noRot="1" noChangeAspect="1" noMove="1" noResize="1" noEditPoints="1" noAdjustHandles="1" noChangeArrowheads="1" noChangeShapeType="1"/>
-          </p:cNvCxnSpPr>
-          <p:nvPr>
-            <p:extLst>
-              <p:ext uri="{386F3935-93C4-4BCD-93E2-E3B085C9AB24}">
-                <p16:designElem xmlns:p16="http://schemas.microsoft.com/office/powerpoint/2015/main" val="1"/>
-              </p:ext>
-            </p:extLst>
-          </p:nvPr>
-        </p:nvCxnSpPr>
-        <p:spPr>
-          <a:xfrm flipV="1">
-            <a:off x="4059936" y="5237979"/>
-            <a:ext cx="0" cy="914400"/>
-          </a:xfrm>
-          <a:prstGeom prst="line">
-            <a:avLst/>
-          </a:prstGeom>
-          <a:ln w="19050">
-            <a:solidFill>
-              <a:schemeClr val="bg1">
-                <a:alpha val="80000"/>
-              </a:schemeClr>
-            </a:solidFill>
-          </a:ln>
-        </p:spPr>
-        <p:style>
-          <a:lnRef idx="1">
-            <a:schemeClr val="accent1"/>
-          </a:lnRef>
-          <a:fillRef idx="0">
-            <a:schemeClr val="accent1"/>
-          </a:fillRef>
-          <a:effectRef idx="0">
-            <a:schemeClr val="accent1"/>
-          </a:effectRef>
-          <a:fontRef idx="minor">
-            <a:schemeClr val="tx1"/>
-          </a:fontRef>
-        </p:style>
-      </p:cxnSp>
-      <p:sp>
-        <p:nvSpPr>
-          <p:cNvPr id="4" name="Content Placeholder 3">
-            <a:extLst>
-              <a:ext uri="{FF2B5EF4-FFF2-40B4-BE49-F238E27FC236}">
-                <a16:creationId xmlns:a16="http://schemas.microsoft.com/office/drawing/2014/main" id="{6687BE7B-454C-A3AE-8C92-88FF5ED25789}"/>
-              </a:ext>
-            </a:extLst>
-          </p:cNvPr>
-          <p:cNvSpPr>
-            <a:spLocks noGrp="1"/>
-          </p:cNvSpPr>
-          <p:nvPr>
-            <p:ph idx="1"/>
-          </p:nvPr>
-        </p:nvSpPr>
-        <p:spPr>
-          <a:xfrm>
-            <a:off x="4379976" y="5009083"/>
-            <a:ext cx="6976872" cy="1345997"/>
-          </a:xfrm>
-        </p:spPr>
-        <p:txBody>
-          <a:bodyPr anchor="ctr">
-            <a:normAutofit/>
-          </a:bodyPr>
-          <a:lstStyle/>
-          <a:p>
-            <a:r>
-              <a:rPr lang="en-US" sz="1700" dirty="0">
-                <a:solidFill>
-                  <a:schemeClr val="bg1"/>
-                </a:solidFill>
-              </a:rPr>
-              <a:t>On the “Create Scenario” page, the hiring manager can:</a:t>
-            </a:r>
-          </a:p>
-          <a:p>
-            <a:pPr lvl="1"/>
-            <a:r>
-              <a:rPr lang="en-US" sz="1700" dirty="0">
-                <a:solidFill>
-                  <a:schemeClr val="bg1"/>
-                </a:solidFill>
-              </a:rPr>
-              <a:t>Set the fields shown for the scenario</a:t>
-            </a:r>
-          </a:p>
-        </p:txBody>
-      </p:sp>
-    </p:spTree>
-    <p:extLst>
-      <p:ext uri="{BB962C8B-B14F-4D97-AF65-F5344CB8AC3E}">
-        <p14:creationId xmlns:p14="http://schemas.microsoft.com/office/powerpoint/2010/main" val="2263562397"/>
-      </p:ext>
-    </p:extLst>
-  </p:cSld>
-  <p:clrMapOvr>
-    <a:overrideClrMapping bg1="dk1" tx1="lt1" bg2="dk2" tx2="lt2" accent1="accent1" accent2="accent2" accent3="accent3" accent4="accent4" accent5="accent5" accent6="accent6" hlink="hlink" folHlink="folHlink"/>
-  </p:clrMapOvr>
-  <p:timing>
-    <p:tnLst>
-      <p:par>
-        <p:cTn id="1" dur="indefinite" restart="never" nodeType="tmRoot">
-          <p:childTnLst>
-            <p:seq concurrent="1" nextAc="seek">
-              <p:cTn id="2" dur="indefinite" nodeType="mainSeq">
-                <p:childTnLst>
-                  <p:par>
-                    <p:cTn id="3" fill="hold">
-                      <p:stCondLst>
-                        <p:cond delay="indefinite"/>
-                        <p:cond evt="onBegin" delay="0">
-                          <p:tn val="2"/>
-                        </p:cond>
-                      </p:stCondLst>
-                      <p:childTnLst>
-                        <p:par>
-                          <p:cTn id="4" fill="hold">
-                            <p:stCondLst>
-                              <p:cond delay="0"/>
-                            </p:stCondLst>
-                            <p:childTnLst>
-                              <p:par>
-                                <p:cTn id="5" presetID="10" presetClass="entr" presetSubtype="0" fill="hold" grpId="0" nodeType="withEffect">
-                                  <p:stCondLst>
-                                    <p:cond delay="1000"/>
-                                  </p:stCondLst>
-                                  <p:iterate type="lt">
-                                    <p:tmPct val="10000"/>
-                                  </p:iterate>
-                                  <p:childTnLst>
-                                    <p:set>
-                                      <p:cBhvr>
-                                        <p:cTn id="6" dur="1" fill="hold">
-                                          <p:stCondLst>
-                                            <p:cond delay="0"/>
-                                          </p:stCondLst>
-                                        </p:cTn>
-                                        <p:tgtEl>
-                                          <p:spTgt spid="2"/>
-                                        </p:tgtEl>
-                                        <p:attrNameLst>
-                                          <p:attrName>style.visibility</p:attrName>
-                                        </p:attrNameLst>
-                                      </p:cBhvr>
-                                      <p:to>
-                                        <p:strVal val="visible"/>
-                                      </p:to>
-                                    </p:set>
-                                    <p:animEffect transition="in" filter="fade">
-                                      <p:cBhvr>
-                                        <p:cTn id="7" dur="400"/>
-                                        <p:tgtEl>
-                                          <p:spTgt spid="2"/>
-                                        </p:tgtEl>
-                                      </p:cBhvr>
-                                    </p:animEffect>
-                                  </p:childTnLst>
-                                </p:cTn>
-                              </p:par>
-                            </p:childTnLst>
-                          </p:cTn>
-                        </p:par>
-                      </p:childTnLst>
-                    </p:cTn>
-                  </p:par>
-                </p:childTnLst>
-              </p:cTn>
-              <p:prevCondLst>
-                <p:cond evt="onPrev" delay="0">
-                  <p:tgtEl>
-                    <p:sldTgt/>
-                  </p:tgtEl>
-                </p:cond>
-              </p:prevCondLst>
-              <p:nextCondLst>
-                <p:cond evt="onNext" delay="0">
-                  <p:tgtEl>
-                    <p:sldTgt/>
-                  </p:tgtEl>
-                </p:cond>
-              </p:nextCondLst>
-            </p:seq>
-          </p:childTnLst>
-        </p:cTn>
-      </p:par>
-    </p:tnLst>
-    <p:bldLst>
-      <p:bldP spid="2" grpId="0"/>
-    </p:bldLst>
-  </p:timing>
-</p:sld>
-</file>
-
-<file path=ppt/slides/slide18.xml><?xml version="1.0" encoding="utf-8"?>
-<p:sld xmlns:a="http://schemas.openxmlformats.org/drawingml/2006/main" xmlns:r="http://schemas.openxmlformats.org/officeDocument/2006/relationships" xmlns:p="http://schemas.openxmlformats.org/presentationml/2006/main">
-  <p:cSld>
-    <p:bg>
-      <p:bgPr>
-        <a:solidFill>
-          <a:schemeClr val="bg1">
-            <a:tint val="95000"/>
-            <a:satMod val="170000"/>
-          </a:schemeClr>
-        </a:solidFill>
-        <a:effectLst/>
-      </p:bgPr>
-    </p:bg>
-    <p:spTree>
-      <p:nvGrpSpPr>
-        <p:cNvPr id="1" name=""/>
-        <p:cNvGrpSpPr/>
-        <p:nvPr/>
-      </p:nvGrpSpPr>
-      <p:grpSpPr>
-        <a:xfrm>
-          <a:off x="0" y="0"/>
-          <a:ext cx="0" cy="0"/>
-          <a:chOff x="0" y="0"/>
-          <a:chExt cx="0" cy="0"/>
-        </a:xfrm>
-      </p:grpSpPr>
-      <p:sp useBgFill="1">
-        <p:nvSpPr>
-          <p:cNvPr id="100" name="Rectangle 99">
-            <a:extLst>
-              <a:ext uri="{FF2B5EF4-FFF2-40B4-BE49-F238E27FC236}">
-                <a16:creationId xmlns:a16="http://schemas.microsoft.com/office/drawing/2014/main" id="{9B76D444-2756-434F-AE61-96D69830C13E}"/>
-              </a:ext>
-              <a:ext uri="{C183D7F6-B498-43B3-948B-1728B52AA6E4}">
-                <adec:decorative xmlns:adec="http://schemas.microsoft.com/office/drawing/2017/decorative" val="1"/>
-              </a:ext>
-            </a:extLst>
-          </p:cNvPr>
-          <p:cNvSpPr>
-            <a:spLocks noGrp="1" noRot="1" noChangeAspect="1" noMove="1" noResize="1" noEditPoints="1" noAdjustHandles="1" noChangeArrowheads="1" noChangeShapeType="1" noTextEdit="1"/>
-          </p:cNvSpPr>
-          <p:nvPr>
-            <p:extLst>
-              <p:ext uri="{386F3935-93C4-4BCD-93E2-E3B085C9AB24}">
-                <p16:designElem xmlns:p16="http://schemas.microsoft.com/office/powerpoint/2015/main" val="1"/>
-              </p:ext>
-            </p:extLst>
-          </p:nvPr>
-        </p:nvSpPr>
-        <p:spPr>
-          <a:xfrm>
-            <a:off x="0" y="0"/>
-            <a:ext cx="12188952" cy="6858000"/>
-          </a:xfrm>
-          <a:prstGeom prst="rect">
-            <a:avLst/>
-          </a:prstGeom>
-          <a:ln>
-            <a:noFill/>
-          </a:ln>
-        </p:spPr>
-        <p:style>
-          <a:lnRef idx="2">
-            <a:schemeClr val="accent1">
-              <a:shade val="50000"/>
-            </a:schemeClr>
-          </a:lnRef>
-          <a:fillRef idx="1">
-            <a:schemeClr val="accent1"/>
-          </a:fillRef>
-          <a:effectRef idx="0">
-            <a:schemeClr val="accent1"/>
-          </a:effectRef>
-          <a:fontRef idx="minor">
-            <a:schemeClr val="lt1"/>
-          </a:fontRef>
-        </p:style>
-        <p:txBody>
-          <a:bodyPr rtlCol="0" anchor="ctr"/>
-          <a:lstStyle/>
-          <a:p>
-            <a:pPr algn="ctr"/>
-            <a:endParaRPr lang="en-US"/>
-          </a:p>
-        </p:txBody>
-      </p:sp>
-      <p:pic>
-        <p:nvPicPr>
-          <p:cNvPr id="5" name="Picture 4" descr="Graphical user interface, text&#10;&#10;Description automatically generated">
-            <a:extLst>
-              <a:ext uri="{FF2B5EF4-FFF2-40B4-BE49-F238E27FC236}">
-                <a16:creationId xmlns:a16="http://schemas.microsoft.com/office/drawing/2014/main" id="{A894C450-2F82-BF03-861E-B23A98FD84E7}"/>
-              </a:ext>
-            </a:extLst>
-          </p:cNvPr>
-          <p:cNvPicPr>
-            <a:picLocks noChangeAspect="1"/>
-          </p:cNvPicPr>
-          <p:nvPr/>
-        </p:nvPicPr>
-        <p:blipFill rotWithShape="1">
-          <a:blip r:embed="rId3">
-            <a:extLst>
-              <a:ext uri="{28A0092B-C50C-407E-A947-70E740481C1C}">
-                <a14:useLocalDpi xmlns:a14="http://schemas.microsoft.com/office/drawing/2010/main" val="0"/>
-              </a:ext>
-            </a:extLst>
-          </a:blip>
-          <a:srcRect r="-1" b="13341"/>
-          <a:stretch/>
-        </p:blipFill>
-        <p:spPr>
-          <a:xfrm>
-            <a:off x="320040" y="320040"/>
-            <a:ext cx="11548872" cy="4303462"/>
-          </a:xfrm>
-          <a:prstGeom prst="rect">
-            <a:avLst/>
-          </a:prstGeom>
-        </p:spPr>
-      </p:pic>
-      <p:sp>
-        <p:nvSpPr>
-          <p:cNvPr id="102" name="Rectangle 101">
-            <a:extLst>
-              <a:ext uri="{FF2B5EF4-FFF2-40B4-BE49-F238E27FC236}">
-                <a16:creationId xmlns:a16="http://schemas.microsoft.com/office/drawing/2014/main" id="{A27B6159-7734-4564-9E0F-C4BC43C36E52}"/>
-              </a:ext>
-              <a:ext uri="{C183D7F6-B498-43B3-948B-1728B52AA6E4}">
-                <adec:decorative xmlns:adec="http://schemas.microsoft.com/office/drawing/2017/decorative" val="1"/>
-              </a:ext>
-            </a:extLst>
-          </p:cNvPr>
-          <p:cNvSpPr>
-            <a:spLocks noGrp="1" noRot="1" noChangeAspect="1" noMove="1" noResize="1" noEditPoints="1" noAdjustHandles="1" noChangeArrowheads="1" noChangeShapeType="1" noTextEdit="1"/>
-          </p:cNvSpPr>
-          <p:nvPr>
-            <p:extLst>
-              <p:ext uri="{386F3935-93C4-4BCD-93E2-E3B085C9AB24}">
-                <p16:designElem xmlns:p16="http://schemas.microsoft.com/office/powerpoint/2015/main" val="1"/>
-              </p:ext>
-            </p:extLst>
-          </p:nvPr>
-        </p:nvSpPr>
-        <p:spPr bwMode="ltGray">
-          <a:xfrm>
-            <a:off x="321564" y="4782312"/>
-            <a:ext cx="11548872" cy="1755648"/>
-          </a:xfrm>
-          <a:prstGeom prst="rect">
-            <a:avLst/>
-          </a:prstGeom>
-          <a:solidFill>
-            <a:schemeClr val="tx1">
-              <a:alpha val="93000"/>
-            </a:schemeClr>
-          </a:solidFill>
-          <a:ln w="127000" cap="sq" cmpd="thinThick">
-            <a:noFill/>
-          </a:ln>
-        </p:spPr>
-        <p:style>
-          <a:lnRef idx="2">
-            <a:schemeClr val="accent1">
-              <a:shade val="50000"/>
-            </a:schemeClr>
-          </a:lnRef>
-          <a:fillRef idx="1">
-            <a:schemeClr val="accent1"/>
-          </a:fillRef>
-          <a:effectRef idx="0">
-            <a:schemeClr val="accent1"/>
-          </a:effectRef>
-          <a:fontRef idx="minor">
-            <a:schemeClr val="lt1"/>
-          </a:fontRef>
-        </p:style>
-        <p:txBody>
-          <a:bodyPr rtlCol="0" anchor="ctr"/>
-          <a:lstStyle/>
-          <a:p>
-            <a:pPr marL="0" marR="0" lvl="0" indent="0" algn="ctr" defTabSz="914400" rtl="0" eaLnBrk="1" fontAlgn="auto" latinLnBrk="0" hangingPunct="1">
-              <a:lnSpc>
-                <a:spcPct val="100000"/>
-              </a:lnSpc>
-              <a:spcBef>
-                <a:spcPts val="0"/>
-              </a:spcBef>
-              <a:spcAft>
-                <a:spcPts val="0"/>
-              </a:spcAft>
-              <a:buClrTx/>
-              <a:buSzTx/>
-              <a:buFontTx/>
-              <a:buNone/>
-              <a:tabLst/>
-              <a:defRPr/>
-            </a:pPr>
-            <a:endParaRPr kumimoji="0" lang="en-US" sz="1800" b="0" i="0" u="none" strike="noStrike" kern="1200" cap="none" spc="0" normalizeH="0" baseline="0" noProof="0">
-              <a:ln>
-                <a:noFill/>
-              </a:ln>
-              <a:solidFill>
-                <a:prstClr val="white"/>
-              </a:solidFill>
-              <a:effectLst/>
-              <a:uLnTx/>
-              <a:uFillTx/>
-              <a:latin typeface="Calibri" panose="020F0502020204030204"/>
-              <a:ea typeface="+mn-ea"/>
-              <a:cs typeface="+mn-cs"/>
-            </a:endParaRPr>
-          </a:p>
-        </p:txBody>
-      </p:sp>
-      <p:sp>
-        <p:nvSpPr>
-          <p:cNvPr id="2" name="Title 1">
-            <a:extLst>
-              <a:ext uri="{FF2B5EF4-FFF2-40B4-BE49-F238E27FC236}">
-                <a16:creationId xmlns:a16="http://schemas.microsoft.com/office/drawing/2014/main" id="{25E8FA48-27FA-46BB-8ED7-936F48B12573}"/>
-              </a:ext>
-            </a:extLst>
-          </p:cNvPr>
-          <p:cNvSpPr>
-            <a:spLocks noGrp="1"/>
-          </p:cNvSpPr>
-          <p:nvPr>
-            <p:ph type="title"/>
-          </p:nvPr>
-        </p:nvSpPr>
-        <p:spPr>
-          <a:xfrm>
-            <a:off x="841248" y="5009083"/>
-            <a:ext cx="2889504" cy="1345997"/>
-          </a:xfrm>
-        </p:spPr>
-        <p:txBody>
-          <a:bodyPr vert="horz" lIns="91440" tIns="45720" rIns="91440" bIns="45720" rtlCol="0" anchor="ctr">
-            <a:normAutofit/>
-          </a:bodyPr>
-          <a:lstStyle/>
-          <a:p>
-            <a:r>
-              <a:rPr lang="en-US" sz="2600" b="1" kern="1200">
-                <a:solidFill>
-                  <a:schemeClr val="bg1"/>
-                </a:solidFill>
-                <a:latin typeface="+mj-lt"/>
-                <a:ea typeface="+mj-ea"/>
-                <a:cs typeface="+mj-cs"/>
-              </a:rPr>
-              <a:t>Manager</a:t>
-            </a:r>
-            <a:br>
-              <a:rPr lang="en-US" sz="2600" b="1" kern="1200">
-                <a:solidFill>
-                  <a:schemeClr val="bg1"/>
-                </a:solidFill>
-                <a:latin typeface="+mj-lt"/>
-                <a:ea typeface="+mj-ea"/>
-                <a:cs typeface="+mj-cs"/>
-              </a:rPr>
-            </a:br>
-            <a:r>
-              <a:rPr lang="en-US" sz="2600" kern="1200">
-                <a:solidFill>
-                  <a:schemeClr val="bg1"/>
-                </a:solidFill>
-                <a:latin typeface="+mj-lt"/>
-                <a:ea typeface="+mj-ea"/>
-                <a:cs typeface="+mj-cs"/>
-              </a:rPr>
-              <a:t>Create Assessment Template</a:t>
-            </a:r>
-          </a:p>
-        </p:txBody>
-      </p:sp>
-      <p:cxnSp>
-        <p:nvCxnSpPr>
-          <p:cNvPr id="104" name="Straight Connector 103">
-            <a:extLst>
-              <a:ext uri="{FF2B5EF4-FFF2-40B4-BE49-F238E27FC236}">
-                <a16:creationId xmlns:a16="http://schemas.microsoft.com/office/drawing/2014/main" id="{E2FFB46B-05BC-4950-B18A-9593FDAE6ED7}"/>
-              </a:ext>
-              <a:ext uri="{C183D7F6-B498-43B3-948B-1728B52AA6E4}">
-                <adec:decorative xmlns:adec="http://schemas.microsoft.com/office/drawing/2017/decorative" val="1"/>
-              </a:ext>
-            </a:extLst>
-          </p:cNvPr>
-          <p:cNvCxnSpPr>
-            <a:cxnSpLocks noGrp="1" noRot="1" noChangeAspect="1" noMove="1" noResize="1" noEditPoints="1" noAdjustHandles="1" noChangeArrowheads="1" noChangeShapeType="1"/>
-          </p:cNvCxnSpPr>
-          <p:nvPr>
-            <p:extLst>
-              <p:ext uri="{386F3935-93C4-4BCD-93E2-E3B085C9AB24}">
-                <p16:designElem xmlns:p16="http://schemas.microsoft.com/office/powerpoint/2015/main" val="1"/>
-              </p:ext>
-            </p:extLst>
-          </p:nvPr>
-        </p:nvCxnSpPr>
-        <p:spPr>
-          <a:xfrm flipV="1">
-            <a:off x="4059936" y="5237979"/>
-            <a:ext cx="0" cy="914400"/>
-          </a:xfrm>
-          <a:prstGeom prst="line">
-            <a:avLst/>
-          </a:prstGeom>
-          <a:ln w="19050">
-            <a:solidFill>
-              <a:schemeClr val="bg1">
-                <a:alpha val="80000"/>
-              </a:schemeClr>
-            </a:solidFill>
-          </a:ln>
-        </p:spPr>
-        <p:style>
-          <a:lnRef idx="1">
-            <a:schemeClr val="accent1"/>
-          </a:lnRef>
-          <a:fillRef idx="0">
-            <a:schemeClr val="accent1"/>
-          </a:fillRef>
-          <a:effectRef idx="0">
-            <a:schemeClr val="accent1"/>
-          </a:effectRef>
-          <a:fontRef idx="minor">
-            <a:schemeClr val="tx1"/>
-          </a:fontRef>
-        </p:style>
-      </p:cxnSp>
-      <p:sp>
-        <p:nvSpPr>
-          <p:cNvPr id="4" name="Content Placeholder 3">
-            <a:extLst>
-              <a:ext uri="{FF2B5EF4-FFF2-40B4-BE49-F238E27FC236}">
-                <a16:creationId xmlns:a16="http://schemas.microsoft.com/office/drawing/2014/main" id="{6687BE7B-454C-A3AE-8C92-88FF5ED25789}"/>
-              </a:ext>
-            </a:extLst>
-          </p:cNvPr>
-          <p:cNvSpPr>
-            <a:spLocks noGrp="1"/>
-          </p:cNvSpPr>
-          <p:nvPr>
-            <p:ph idx="1"/>
-          </p:nvPr>
-        </p:nvSpPr>
-        <p:spPr>
-          <a:xfrm>
-            <a:off x="4379976" y="5009083"/>
-            <a:ext cx="6976872" cy="1345997"/>
-          </a:xfrm>
-        </p:spPr>
-        <p:txBody>
-          <a:bodyPr anchor="ctr">
-            <a:normAutofit/>
-          </a:bodyPr>
-          <a:lstStyle/>
-          <a:p>
-            <a:r>
-              <a:rPr lang="en-US" sz="1700">
-                <a:solidFill>
-                  <a:schemeClr val="bg1"/>
-                </a:solidFill>
-              </a:rPr>
-              <a:t>On the “Create Template” page, the hiring manager can:</a:t>
-            </a:r>
-          </a:p>
-          <a:p>
-            <a:pPr lvl="1"/>
-            <a:r>
-              <a:rPr lang="en-US" sz="1700">
-                <a:solidFill>
-                  <a:schemeClr val="bg1"/>
-                </a:solidFill>
-              </a:rPr>
-              <a:t>Specify the shown fields for the assessment</a:t>
-            </a:r>
-          </a:p>
-          <a:p>
-            <a:pPr lvl="1"/>
-            <a:r>
-              <a:rPr lang="en-US" sz="1700">
-                <a:solidFill>
-                  <a:schemeClr val="bg1"/>
-                </a:solidFill>
-              </a:rPr>
-              <a:t>Choose one or more previously created scenarios and add them to the assessment template</a:t>
-            </a:r>
-          </a:p>
-          <a:p>
-            <a:endParaRPr lang="en-US" sz="1700">
-              <a:solidFill>
-                <a:schemeClr val="bg1"/>
-              </a:solidFill>
-            </a:endParaRPr>
-          </a:p>
-        </p:txBody>
-      </p:sp>
-    </p:spTree>
-    <p:extLst>
-      <p:ext uri="{BB962C8B-B14F-4D97-AF65-F5344CB8AC3E}">
-        <p14:creationId xmlns:p14="http://schemas.microsoft.com/office/powerpoint/2010/main" val="2344759631"/>
-      </p:ext>
-    </p:extLst>
-  </p:cSld>
-  <p:clrMapOvr>
-    <a:overrideClrMapping bg1="dk1" tx1="lt1" bg2="dk2" tx2="lt2" accent1="accent1" accent2="accent2" accent3="accent3" accent4="accent4" accent5="accent5" accent6="accent6" hlink="hlink" folHlink="folHlink"/>
   </p:clrMapOvr>
   <p:timing>
     <p:tnLst>
@@ -13384,10 +13273,10 @@
       </p:sp>
       <p:pic>
         <p:nvPicPr>
-          <p:cNvPr id="5" name="Picture 4" descr="Graphical user interface, application, website&#10;&#10;Description automatically generated">
+          <p:cNvPr id="5" name="Picture 4" descr="A picture containing timeline&#10;&#10;Description automatically generated">
             <a:extLst>
               <a:ext uri="{FF2B5EF4-FFF2-40B4-BE49-F238E27FC236}">
-                <a16:creationId xmlns:a16="http://schemas.microsoft.com/office/drawing/2014/main" id="{3B6C7BF8-3997-099D-AD51-5F49BAFDE23C}"/>
+                <a16:creationId xmlns:a16="http://schemas.microsoft.com/office/drawing/2014/main" id="{EFBE333F-D20F-93D3-6ACA-390C34EFFE1E}"/>
               </a:ext>
             </a:extLst>
           </p:cNvPr>
@@ -13404,7 +13293,7 @@
               </a:ext>
             </a:extLst>
           </a:blip>
-          <a:srcRect r="-1" b="16262"/>
+          <a:srcRect r="-1" b="14827"/>
           <a:stretch/>
         </p:blipFill>
         <p:spPr>
@@ -13569,7 +13458,7 @@
                 <a:ea typeface="+mj-ea"/>
                 <a:cs typeface="+mj-cs"/>
               </a:rPr>
-              <a:t>Create Invitation</a:t>
+              <a:t>Dashboard</a:t>
             </a:r>
           </a:p>
         </p:txBody>
@@ -13656,116 +13545,48 @@
           </a:bodyPr>
           <a:lstStyle/>
           <a:p>
-            <a:pPr marL="228600" marR="0" lvl="0" indent="-228600" defTabSz="914400" rtl="0" eaLnBrk="1" fontAlgn="auto" latinLnBrk="0" hangingPunct="1">
-              <a:spcBef>
-                <a:spcPts val="1000"/>
-              </a:spcBef>
-              <a:spcAft>
-                <a:spcPts val="0"/>
-              </a:spcAft>
-              <a:buClrTx/>
-              <a:buSzTx/>
-              <a:buFont typeface="Arial" panose="020B0604020202020204" pitchFamily="34" charset="0"/>
-              <a:buChar char="•"/>
-              <a:tabLst/>
-              <a:defRPr/>
-            </a:pPr>
-            <a:r>
-              <a:rPr kumimoji="0" lang="en-US" sz="1700" b="0" i="0" u="none" strike="noStrike" kern="1200" cap="none" spc="0" normalizeH="0" baseline="0" noProof="0">
-                <a:ln>
-                  <a:noFill/>
-                </a:ln>
-                <a:solidFill>
-                  <a:schemeClr val="bg1"/>
-                </a:solidFill>
-                <a:effectLst/>
-                <a:uLnTx/>
-                <a:uFillTx/>
-                <a:latin typeface="Calibri" panose="020F0502020204030204"/>
-                <a:ea typeface="+mn-ea"/>
-                <a:cs typeface="+mn-cs"/>
-              </a:rPr>
-              <a:t>On the “Invite Candidate” page, the hiring manager can:</a:t>
-            </a:r>
-          </a:p>
-          <a:p>
-            <a:pPr marL="685800" marR="0" lvl="1" indent="-228600" defTabSz="914400" rtl="0" eaLnBrk="1" fontAlgn="auto" latinLnBrk="0" hangingPunct="1">
-              <a:spcBef>
-                <a:spcPts val="500"/>
-              </a:spcBef>
-              <a:spcAft>
-                <a:spcPts val="0"/>
-              </a:spcAft>
-              <a:buClrTx/>
-              <a:buSzTx/>
-              <a:buFont typeface="Arial" panose="020B0604020202020204" pitchFamily="34" charset="0"/>
-              <a:buChar char="•"/>
-              <a:tabLst/>
-              <a:defRPr/>
-            </a:pPr>
-            <a:r>
-              <a:rPr kumimoji="0" lang="en-US" sz="1700" b="0" i="0" u="none" strike="noStrike" kern="1200" cap="none" spc="0" normalizeH="0" baseline="0" noProof="0">
-                <a:ln>
-                  <a:noFill/>
-                </a:ln>
-                <a:solidFill>
-                  <a:schemeClr val="bg1"/>
-                </a:solidFill>
-                <a:effectLst/>
-                <a:uLnTx/>
-                <a:uFillTx/>
-                <a:latin typeface="Calibri" panose="020F0502020204030204"/>
-                <a:ea typeface="+mn-ea"/>
-                <a:cs typeface="+mn-cs"/>
-              </a:rPr>
-              <a:t>Specify the candidate and assessment</a:t>
-            </a:r>
-          </a:p>
-          <a:p>
-            <a:pPr marL="685800" marR="0" lvl="1" indent="-228600" defTabSz="914400" rtl="0" eaLnBrk="1" fontAlgn="auto" latinLnBrk="0" hangingPunct="1">
-              <a:spcBef>
-                <a:spcPts val="500"/>
-              </a:spcBef>
-              <a:spcAft>
-                <a:spcPts val="0"/>
-              </a:spcAft>
-              <a:buClrTx/>
-              <a:buSzTx/>
-              <a:buFont typeface="Arial" panose="020B0604020202020204" pitchFamily="34" charset="0"/>
-              <a:buChar char="•"/>
-              <a:tabLst/>
-              <a:defRPr/>
-            </a:pPr>
             <a:r>
               <a:rPr lang="en-US" sz="1700">
                 <a:solidFill>
                   <a:schemeClr val="bg1"/>
                 </a:solidFill>
-                <a:latin typeface="Calibri" panose="020F0502020204030204"/>
               </a:rPr>
-              <a:t>Send the invitation to the candidate</a:t>
+              <a:t>On the dashboard, the hiring manager can:</a:t>
             </a:r>
-            <a:endParaRPr kumimoji="0" lang="en-GB" sz="1700" b="0" i="0" u="none" strike="noStrike" kern="1200" cap="none" spc="0" normalizeH="0" baseline="0" noProof="0">
-              <a:ln>
-                <a:noFill/>
-              </a:ln>
+            <a:endParaRPr lang="en-GB" sz="1700">
               <a:solidFill>
                 <a:schemeClr val="bg1"/>
               </a:solidFill>
-              <a:effectLst/>
-              <a:uLnTx/>
-              <a:uFillTx/>
-              <a:latin typeface="Calibri" panose="020F0502020204030204"/>
-              <a:ea typeface="+mn-ea"/>
-              <a:cs typeface="+mn-cs"/>
             </a:endParaRPr>
+          </a:p>
+          <a:p>
+            <a:pPr lvl="1"/>
+            <a:r>
+              <a:rPr lang="en-US" sz="1700">
+                <a:solidFill>
+                  <a:schemeClr val="bg1"/>
+                </a:solidFill>
+              </a:rPr>
+              <a:t>See the sent invitations with their status (sent/finished)</a:t>
+            </a:r>
+          </a:p>
+          <a:p>
+            <a:pPr lvl="1"/>
+            <a:r>
+              <a:rPr lang="en-US" sz="1700">
+                <a:solidFill>
+                  <a:schemeClr val="bg1"/>
+                </a:solidFill>
+              </a:rPr>
+              <a:t>Navigate to other pages to perform other tasks</a:t>
+            </a:r>
           </a:p>
         </p:txBody>
       </p:sp>
     </p:spTree>
     <p:extLst>
       <p:ext uri="{BB962C8B-B14F-4D97-AF65-F5344CB8AC3E}">
-        <p14:creationId xmlns:p14="http://schemas.microsoft.com/office/powerpoint/2010/main" val="1964008605"/>
+        <p14:creationId xmlns:p14="http://schemas.microsoft.com/office/powerpoint/2010/main" val="3312803103"/>
       </p:ext>
     </p:extLst>
   </p:cSld>
@@ -14511,7 +14332,10 @@
     <p:bg>
       <p:bgPr>
         <a:solidFill>
-          <a:schemeClr val="bg2"/>
+          <a:schemeClr val="bg1">
+            <a:tint val="95000"/>
+            <a:satMod val="170000"/>
+          </a:schemeClr>
         </a:solidFill>
         <a:effectLst/>
       </p:bgPr>
@@ -14532,10 +14356,10 @@
       </p:grpSpPr>
       <p:sp useBgFill="1">
         <p:nvSpPr>
-          <p:cNvPr id="20" name="Rectangle 19">
+          <p:cNvPr id="100" name="Rectangle 99">
             <a:extLst>
               <a:ext uri="{FF2B5EF4-FFF2-40B4-BE49-F238E27FC236}">
-                <a16:creationId xmlns:a16="http://schemas.microsoft.com/office/drawing/2014/main" id="{55B419A7-F817-4767-8CCB-FB0E189C4ACD}"/>
+                <a16:creationId xmlns:a16="http://schemas.microsoft.com/office/drawing/2014/main" id="{9B76D444-2756-434F-AE61-96D69830C13E}"/>
               </a:ext>
               <a:ext uri="{C183D7F6-B498-43B3-948B-1728B52AA6E4}">
                 <adec:decorative xmlns:adec="http://schemas.microsoft.com/office/drawing/2017/decorative" val="1"/>
@@ -14556,7 +14380,7 @@
         <p:spPr>
           <a:xfrm>
             <a:off x="0" y="0"/>
-            <a:ext cx="12192000" cy="6858000"/>
+            <a:ext cx="12188952" cy="6858000"/>
           </a:xfrm>
           <a:prstGeom prst="rect">
             <a:avLst/>
@@ -14585,6 +14409,106 @@
           <a:bodyPr rtlCol="0" anchor="ctr"/>
           <a:lstStyle/>
           <a:p>
+            <a:pPr algn="ctr"/>
+            <a:endParaRPr lang="en-US"/>
+          </a:p>
+        </p:txBody>
+      </p:sp>
+      <p:pic>
+        <p:nvPicPr>
+          <p:cNvPr id="5" name="Picture 4" descr="Graphical user interface&#10;&#10;Description automatically generated">
+            <a:extLst>
+              <a:ext uri="{FF2B5EF4-FFF2-40B4-BE49-F238E27FC236}">
+                <a16:creationId xmlns:a16="http://schemas.microsoft.com/office/drawing/2014/main" id="{DD6258F0-A49D-4922-230A-2D88FEAEAAD9}"/>
+              </a:ext>
+            </a:extLst>
+          </p:cNvPr>
+          <p:cNvPicPr>
+            <a:picLocks noChangeAspect="1"/>
+          </p:cNvPicPr>
+          <p:nvPr/>
+        </p:nvPicPr>
+        <p:blipFill rotWithShape="1">
+          <a:blip r:embed="rId2">
+            <a:extLst>
+              <a:ext uri="{28A0092B-C50C-407E-A947-70E740481C1C}">
+                <a14:useLocalDpi xmlns:a14="http://schemas.microsoft.com/office/drawing/2010/main" val="0"/>
+              </a:ext>
+            </a:extLst>
+          </a:blip>
+          <a:srcRect r="-1" b="15311"/>
+          <a:stretch/>
+        </p:blipFill>
+        <p:spPr>
+          <a:xfrm>
+            <a:off x="320040" y="320040"/>
+            <a:ext cx="11548872" cy="4303462"/>
+          </a:xfrm>
+          <a:prstGeom prst="rect">
+            <a:avLst/>
+          </a:prstGeom>
+        </p:spPr>
+      </p:pic>
+      <p:sp>
+        <p:nvSpPr>
+          <p:cNvPr id="102" name="Rectangle 101">
+            <a:extLst>
+              <a:ext uri="{FF2B5EF4-FFF2-40B4-BE49-F238E27FC236}">
+                <a16:creationId xmlns:a16="http://schemas.microsoft.com/office/drawing/2014/main" id="{A27B6159-7734-4564-9E0F-C4BC43C36E52}"/>
+              </a:ext>
+              <a:ext uri="{C183D7F6-B498-43B3-948B-1728B52AA6E4}">
+                <adec:decorative xmlns:adec="http://schemas.microsoft.com/office/drawing/2017/decorative" val="1"/>
+              </a:ext>
+            </a:extLst>
+          </p:cNvPr>
+          <p:cNvSpPr>
+            <a:spLocks noGrp="1" noRot="1" noChangeAspect="1" noMove="1" noResize="1" noEditPoints="1" noAdjustHandles="1" noChangeArrowheads="1" noChangeShapeType="1" noTextEdit="1"/>
+          </p:cNvSpPr>
+          <p:nvPr>
+            <p:extLst>
+              <p:ext uri="{386F3935-93C4-4BCD-93E2-E3B085C9AB24}">
+                <p16:designElem xmlns:p16="http://schemas.microsoft.com/office/powerpoint/2015/main" val="1"/>
+              </p:ext>
+            </p:extLst>
+          </p:nvPr>
+        </p:nvSpPr>
+        <p:spPr bwMode="ltGray">
+          <a:xfrm>
+            <a:off x="321564" y="4782312"/>
+            <a:ext cx="11548872" cy="1755648"/>
+          </a:xfrm>
+          <a:prstGeom prst="rect">
+            <a:avLst/>
+          </a:prstGeom>
+          <a:solidFill>
+            <a:schemeClr val="tx1">
+              <a:alpha val="93000"/>
+            </a:schemeClr>
+          </a:solidFill>
+          <a:ln w="127000" cap="sq" cmpd="thinThick">
+            <a:noFill/>
+          </a:ln>
+        </p:spPr>
+        <p:style>
+          <a:lnRef idx="2">
+            <a:schemeClr val="accent1">
+              <a:shade val="50000"/>
+            </a:schemeClr>
+          </a:lnRef>
+          <a:fillRef idx="1">
+            <a:schemeClr val="accent1"/>
+          </a:fillRef>
+          <a:effectRef idx="0">
+            <a:schemeClr val="accent1"/>
+          </a:effectRef>
+          <a:fontRef idx="minor">
+            <a:schemeClr val="lt1"/>
+          </a:fontRef>
+        </p:style>
+        <p:txBody>
+          <a:bodyPr rtlCol="0" anchor="ctr"/>
+          <a:lstStyle/>
+          <a:p>
             <a:pPr marL="0" marR="0" lvl="0" indent="0" algn="ctr" defTabSz="914400" rtl="0" eaLnBrk="1" fontAlgn="auto" latinLnBrk="0" hangingPunct="1">
               <a:lnSpc>
                 <a:spcPct val="100000"/>
@@ -14607,12 +14531,12 @@
                 <a:noFill/>
               </a:ln>
               <a:solidFill>
-                <a:srgbClr val="FFFFFF"/>
+                <a:prstClr val="white"/>
               </a:solidFill>
               <a:effectLst/>
               <a:uLnTx/>
               <a:uFillTx/>
-              <a:latin typeface="Avenir Next LT Pro"/>
+              <a:latin typeface="Calibri" panose="020F0502020204030204"/>
               <a:ea typeface="+mn-ea"/>
               <a:cs typeface="+mn-cs"/>
             </a:endParaRPr>
@@ -14621,19 +14545,82 @@
       </p:sp>
       <p:sp>
         <p:nvSpPr>
-          <p:cNvPr id="22" name="Freeform: Shape 21">
+          <p:cNvPr id="2" name="Title 1">
             <a:extLst>
               <a:ext uri="{FF2B5EF4-FFF2-40B4-BE49-F238E27FC236}">
-                <a16:creationId xmlns:a16="http://schemas.microsoft.com/office/drawing/2014/main" id="{7AF9319C-2D9B-4868-AEAE-37298EA0F4B9}"/>
+                <a16:creationId xmlns:a16="http://schemas.microsoft.com/office/drawing/2014/main" id="{25E8FA48-27FA-46BB-8ED7-936F48B12573}"/>
+              </a:ext>
+            </a:extLst>
+          </p:cNvPr>
+          <p:cNvSpPr>
+            <a:spLocks noGrp="1"/>
+          </p:cNvSpPr>
+          <p:nvPr>
+            <p:ph type="title"/>
+          </p:nvPr>
+        </p:nvSpPr>
+        <p:spPr>
+          <a:xfrm>
+            <a:off x="841248" y="5009083"/>
+            <a:ext cx="2889504" cy="1345997"/>
+          </a:xfrm>
+        </p:spPr>
+        <p:txBody>
+          <a:bodyPr vert="horz" lIns="91440" tIns="45720" rIns="91440" bIns="45720" rtlCol="0" anchor="ctr">
+            <a:normAutofit/>
+          </a:bodyPr>
+          <a:lstStyle/>
+          <a:p>
+            <a:r>
+              <a:rPr lang="en-US" sz="2600" b="1" kern="1200">
+                <a:solidFill>
+                  <a:schemeClr val="bg1"/>
+                </a:solidFill>
+                <a:latin typeface="+mj-lt"/>
+                <a:ea typeface="+mj-ea"/>
+                <a:cs typeface="+mj-cs"/>
+              </a:rPr>
+              <a:t>Manager</a:t>
+            </a:r>
+            <a:br>
+              <a:rPr lang="en-US" sz="2600" b="1" kern="1200">
+                <a:solidFill>
+                  <a:schemeClr val="bg1"/>
+                </a:solidFill>
+                <a:latin typeface="+mj-lt"/>
+                <a:ea typeface="+mj-ea"/>
+                <a:cs typeface="+mj-cs"/>
+              </a:rPr>
+            </a:br>
+            <a:r>
+              <a:rPr lang="en-US" sz="2600" kern="1200">
+                <a:solidFill>
+                  <a:schemeClr val="bg1"/>
+                </a:solidFill>
+                <a:latin typeface="+mj-lt"/>
+                <a:ea typeface="+mj-ea"/>
+                <a:cs typeface="+mj-cs"/>
+              </a:rPr>
+              <a:t>Create Scenario</a:t>
+            </a:r>
+          </a:p>
+        </p:txBody>
+      </p:sp>
+      <p:cxnSp>
+        <p:nvCxnSpPr>
+          <p:cNvPr id="104" name="Straight Connector 103">
+            <a:extLst>
+              <a:ext uri="{FF2B5EF4-FFF2-40B4-BE49-F238E27FC236}">
+                <a16:creationId xmlns:a16="http://schemas.microsoft.com/office/drawing/2014/main" id="{E2FFB46B-05BC-4950-B18A-9593FDAE6ED7}"/>
               </a:ext>
               <a:ext uri="{C183D7F6-B498-43B3-948B-1728B52AA6E4}">
                 <adec:decorative xmlns:adec="http://schemas.microsoft.com/office/drawing/2017/decorative" val="1"/>
               </a:ext>
             </a:extLst>
           </p:cNvPr>
-          <p:cNvSpPr>
-            <a:spLocks noGrp="1" noRot="1" noChangeAspect="1" noMove="1" noResize="1" noEditPoints="1" noAdjustHandles="1" noChangeArrowheads="1" noChangeShapeType="1" noTextEdit="1"/>
-          </p:cNvSpPr>
+          <p:cNvCxnSpPr>
+            <a:cxnSpLocks noGrp="1" noRot="1" noChangeAspect="1" noMove="1" noResize="1" noEditPoints="1" noAdjustHandles="1" noChangeArrowheads="1" noChangeShapeType="1"/>
+          </p:cNvCxnSpPr>
           <p:nvPr>
             <p:extLst>
               <p:ext uri="{386F3935-93C4-4BCD-93E2-E3B085C9AB24}">
@@ -14641,158 +14628,44 @@
               </p:ext>
             </p:extLst>
           </p:nvPr>
-        </p:nvSpPr>
+        </p:nvCxnSpPr>
         <p:spPr>
-          <a:xfrm>
-            <a:off x="0" y="0"/>
-            <a:ext cx="5215066" cy="6858000"/>
+          <a:xfrm flipV="1">
+            <a:off x="4059936" y="5237979"/>
+            <a:ext cx="0" cy="914400"/>
           </a:xfrm>
-          <a:custGeom>
+          <a:prstGeom prst="line">
             <a:avLst/>
-            <a:gdLst>
-              <a:gd name="connsiteX0" fmla="*/ 0 w 5215066"/>
-              <a:gd name="connsiteY0" fmla="*/ 0 h 6858000"/>
-              <a:gd name="connsiteX1" fmla="*/ 3197713 w 5215066"/>
-              <a:gd name="connsiteY1" fmla="*/ 0 h 6858000"/>
-              <a:gd name="connsiteX2" fmla="*/ 3259787 w 5215066"/>
-              <a:gd name="connsiteY2" fmla="*/ 39865 h 6858000"/>
-              <a:gd name="connsiteX3" fmla="*/ 5215066 w 5215066"/>
-              <a:gd name="connsiteY3" fmla="*/ 3723759 h 6858000"/>
-              <a:gd name="connsiteX4" fmla="*/ 4202364 w 5215066"/>
-              <a:gd name="connsiteY4" fmla="*/ 6549681 h 6858000"/>
-              <a:gd name="connsiteX5" fmla="*/ 3922635 w 5215066"/>
-              <a:gd name="connsiteY5" fmla="*/ 6858000 h 6858000"/>
-              <a:gd name="connsiteX6" fmla="*/ 0 w 5215066"/>
-              <a:gd name="connsiteY6" fmla="*/ 6858000 h 6858000"/>
-            </a:gdLst>
-            <a:ahLst/>
-            <a:cxnLst>
-              <a:cxn ang="0">
-                <a:pos x="connsiteX0" y="connsiteY0"/>
-              </a:cxn>
-              <a:cxn ang="0">
-                <a:pos x="connsiteX1" y="connsiteY1"/>
-              </a:cxn>
-              <a:cxn ang="0">
-                <a:pos x="connsiteX2" y="connsiteY2"/>
-              </a:cxn>
-              <a:cxn ang="0">
-                <a:pos x="connsiteX3" y="connsiteY3"/>
-              </a:cxn>
-              <a:cxn ang="0">
-                <a:pos x="connsiteX4" y="connsiteY4"/>
-              </a:cxn>
-              <a:cxn ang="0">
-                <a:pos x="connsiteX5" y="connsiteY5"/>
-              </a:cxn>
-              <a:cxn ang="0">
-                <a:pos x="connsiteX6" y="connsiteY6"/>
-              </a:cxn>
-            </a:cxnLst>
-            <a:rect l="l" t="t" r="r" b="b"/>
-            <a:pathLst>
-              <a:path w="5215066" h="6858000">
-                <a:moveTo>
-                  <a:pt x="0" y="0"/>
-                </a:moveTo>
-                <a:lnTo>
-                  <a:pt x="3197713" y="0"/>
-                </a:lnTo>
-                <a:lnTo>
-                  <a:pt x="3259787" y="39865"/>
-                </a:lnTo>
-                <a:cubicBezTo>
-                  <a:pt x="4439462" y="838237"/>
-                  <a:pt x="5215066" y="2190263"/>
-                  <a:pt x="5215066" y="3723759"/>
-                </a:cubicBezTo>
-                <a:cubicBezTo>
-                  <a:pt x="5215066" y="4797206"/>
-                  <a:pt x="4835020" y="5781733"/>
-                  <a:pt x="4202364" y="6549681"/>
-                </a:cubicBezTo>
-                <a:lnTo>
-                  <a:pt x="3922635" y="6858000"/>
-                </a:lnTo>
-                <a:lnTo>
-                  <a:pt x="0" y="6858000"/>
-                </a:lnTo>
-                <a:close/>
-              </a:path>
-            </a:pathLst>
-          </a:custGeom>
-          <a:solidFill>
-            <a:schemeClr val="tx1">
-              <a:lumMod val="85000"/>
-              <a:lumOff val="15000"/>
-            </a:schemeClr>
-          </a:solidFill>
-          <a:ln>
-            <a:noFill/>
+          </a:prstGeom>
+          <a:ln w="19050">
+            <a:solidFill>
+              <a:schemeClr val="bg1">
+                <a:alpha val="80000"/>
+              </a:schemeClr>
+            </a:solidFill>
           </a:ln>
         </p:spPr>
         <p:style>
-          <a:lnRef idx="2">
-            <a:schemeClr val="accent1">
-              <a:shade val="50000"/>
-            </a:schemeClr>
+          <a:lnRef idx="1">
+            <a:schemeClr val="accent1"/>
           </a:lnRef>
-          <a:fillRef idx="1">
+          <a:fillRef idx="0">
             <a:schemeClr val="accent1"/>
           </a:fillRef>
           <a:effectRef idx="0">
             <a:schemeClr val="accent1"/>
           </a:effectRef>
           <a:fontRef idx="minor">
-            <a:schemeClr val="lt1"/>
+            <a:schemeClr val="tx1"/>
           </a:fontRef>
         </p:style>
-        <p:txBody>
-          <a:bodyPr wrap="square" rtlCol="0" anchor="ctr">
-            <a:noAutofit/>
-          </a:bodyPr>
-          <a:lstStyle/>
-          <a:p>
-            <a:pPr marL="0" marR="0" lvl="0" indent="0" algn="ctr" defTabSz="914400" rtl="0" eaLnBrk="1" fontAlgn="auto" latinLnBrk="0" hangingPunct="1">
-              <a:lnSpc>
-                <a:spcPct val="100000"/>
-              </a:lnSpc>
-              <a:spcBef>
-                <a:spcPts val="0"/>
-              </a:spcBef>
-              <a:spcAft>
-                <a:spcPts val="0"/>
-              </a:spcAft>
-              <a:buClrTx/>
-              <a:buSzTx/>
-              <a:buFontTx/>
-              <a:buNone/>
-              <a:tabLst/>
-              <a:defRPr/>
-            </a:pPr>
-            <a:endParaRPr kumimoji="0" lang="en-US" sz="1800" b="0" i="0" u="none" strike="noStrike" kern="1200" cap="none" spc="0" normalizeH="0" baseline="0" noProof="0">
-              <a:ln>
-                <a:noFill/>
-              </a:ln>
-              <a:solidFill>
-                <a:srgbClr val="FFFFFF"/>
-              </a:solidFill>
-              <a:effectLst/>
-              <a:uLnTx/>
-              <a:uFillTx/>
-              <a:latin typeface="Avenir Next LT Pro"/>
-              <a:ea typeface="+mn-ea"/>
-              <a:cs typeface="+mn-cs"/>
-            </a:endParaRPr>
-          </a:p>
-        </p:txBody>
-      </p:sp>
+      </p:cxnSp>
       <p:sp>
         <p:nvSpPr>
-          <p:cNvPr id="2" name="Title 1">
+          <p:cNvPr id="4" name="Content Placeholder 3">
             <a:extLst>
               <a:ext uri="{FF2B5EF4-FFF2-40B4-BE49-F238E27FC236}">
-                <a16:creationId xmlns:a16="http://schemas.microsoft.com/office/drawing/2014/main" id="{D2321F55-1425-A08F-AFA2-11A5F5930920}"/>
+                <a16:creationId xmlns:a16="http://schemas.microsoft.com/office/drawing/2014/main" id="{6687BE7B-454C-A3AE-8C92-88FF5ED25789}"/>
               </a:ext>
             </a:extLst>
           </p:cNvPr>
@@ -14800,300 +14673,52 @@
             <a:spLocks noGrp="1"/>
           </p:cNvSpPr>
           <p:nvPr>
-            <p:ph type="ctrTitle"/>
+            <p:ph idx="1"/>
           </p:nvPr>
         </p:nvSpPr>
         <p:spPr>
           <a:xfrm>
-            <a:off x="758952" y="1128811"/>
-            <a:ext cx="3447288" cy="3342290"/>
+            <a:off x="4379976" y="5009083"/>
+            <a:ext cx="6976872" cy="1345997"/>
           </a:xfrm>
         </p:spPr>
         <p:txBody>
-          <a:bodyPr anchor="b">
+          <a:bodyPr anchor="ctr">
             <a:normAutofit/>
           </a:bodyPr>
           <a:lstStyle/>
           <a:p>
             <a:r>
-              <a:rPr lang="en-US" sz="5400" dirty="0">
+              <a:rPr lang="en-US" sz="1700" dirty="0">
                 <a:solidFill>
                   <a:schemeClr val="bg1"/>
                 </a:solidFill>
               </a:rPr>
-              <a:t>Candidate UX Tour</a:t>
+              <a:t>On the “Create Scenario” page, the hiring manager can:</a:t>
             </a:r>
-            <a:endParaRPr lang="en-GB" sz="5400" dirty="0">
-              <a:solidFill>
-                <a:schemeClr val="bg1"/>
-              </a:solidFill>
-            </a:endParaRPr>
-          </a:p>
-        </p:txBody>
-      </p:sp>
-      <p:sp>
-        <p:nvSpPr>
-          <p:cNvPr id="24" name="Freeform 6">
-            <a:extLst>
-              <a:ext uri="{FF2B5EF4-FFF2-40B4-BE49-F238E27FC236}">
-                <a16:creationId xmlns:a16="http://schemas.microsoft.com/office/drawing/2014/main" id="{ADA271CD-3011-4A05-B4A3-80F1794684F2}"/>
-              </a:ext>
-              <a:ext uri="{C183D7F6-B498-43B3-948B-1728B52AA6E4}">
-                <adec:decorative xmlns:adec="http://schemas.microsoft.com/office/drawing/2017/decorative" val="1"/>
-              </a:ext>
-            </a:extLst>
-          </p:cNvPr>
-          <p:cNvSpPr>
-            <a:spLocks noGrp="1" noRot="1" noChangeAspect="1" noMove="1" noResize="1" noEditPoints="1" noAdjustHandles="1" noChangeArrowheads="1" noChangeShapeType="1" noTextEdit="1"/>
-          </p:cNvSpPr>
-          <p:nvPr>
-            <p:extLst>
-              <p:ext uri="{386F3935-93C4-4BCD-93E2-E3B085C9AB24}">
-                <p16:designElem xmlns:p16="http://schemas.microsoft.com/office/powerpoint/2015/main" val="1"/>
-              </p:ext>
-            </p:extLst>
-          </p:nvPr>
-        </p:nvSpPr>
-        <p:spPr bwMode="auto">
-          <a:xfrm>
-            <a:off x="11784011" y="5788152"/>
-            <a:ext cx="407988" cy="819150"/>
-          </a:xfrm>
-          <a:custGeom>
-            <a:avLst/>
-            <a:gdLst/>
-            <a:ahLst/>
-            <a:cxnLst/>
-            <a:rect l="0" t="0" r="r" b="b"/>
-            <a:pathLst>
-              <a:path w="1799" h="3612">
-                <a:moveTo>
-                  <a:pt x="1799" y="0"/>
-                </a:moveTo>
-                <a:lnTo>
-                  <a:pt x="1799" y="3612"/>
-                </a:lnTo>
-                <a:lnTo>
-                  <a:pt x="1686" y="3609"/>
-                </a:lnTo>
-                <a:lnTo>
-                  <a:pt x="1574" y="3598"/>
-                </a:lnTo>
-                <a:lnTo>
-                  <a:pt x="1464" y="3581"/>
-                </a:lnTo>
-                <a:lnTo>
-                  <a:pt x="1357" y="3557"/>
-                </a:lnTo>
-                <a:lnTo>
-                  <a:pt x="1251" y="3527"/>
-                </a:lnTo>
-                <a:lnTo>
-                  <a:pt x="1150" y="3490"/>
-                </a:lnTo>
-                <a:lnTo>
-                  <a:pt x="1050" y="3448"/>
-                </a:lnTo>
-                <a:lnTo>
-                  <a:pt x="953" y="3401"/>
-                </a:lnTo>
-                <a:lnTo>
-                  <a:pt x="860" y="3347"/>
-                </a:lnTo>
-                <a:lnTo>
-                  <a:pt x="771" y="3289"/>
-                </a:lnTo>
-                <a:lnTo>
-                  <a:pt x="686" y="3224"/>
-                </a:lnTo>
-                <a:lnTo>
-                  <a:pt x="604" y="3156"/>
-                </a:lnTo>
-                <a:lnTo>
-                  <a:pt x="527" y="3083"/>
-                </a:lnTo>
-                <a:lnTo>
-                  <a:pt x="454" y="3005"/>
-                </a:lnTo>
-                <a:lnTo>
-                  <a:pt x="386" y="2923"/>
-                </a:lnTo>
-                <a:lnTo>
-                  <a:pt x="323" y="2838"/>
-                </a:lnTo>
-                <a:lnTo>
-                  <a:pt x="265" y="2748"/>
-                </a:lnTo>
-                <a:lnTo>
-                  <a:pt x="211" y="2655"/>
-                </a:lnTo>
-                <a:lnTo>
-                  <a:pt x="163" y="2559"/>
-                </a:lnTo>
-                <a:lnTo>
-                  <a:pt x="121" y="2459"/>
-                </a:lnTo>
-                <a:lnTo>
-                  <a:pt x="85" y="2356"/>
-                </a:lnTo>
-                <a:lnTo>
-                  <a:pt x="55" y="2251"/>
-                </a:lnTo>
-                <a:lnTo>
-                  <a:pt x="32" y="2143"/>
-                </a:lnTo>
-                <a:lnTo>
-                  <a:pt x="14" y="2033"/>
-                </a:lnTo>
-                <a:lnTo>
-                  <a:pt x="4" y="1920"/>
-                </a:lnTo>
-                <a:lnTo>
-                  <a:pt x="0" y="1806"/>
-                </a:lnTo>
-                <a:lnTo>
-                  <a:pt x="4" y="1692"/>
-                </a:lnTo>
-                <a:lnTo>
-                  <a:pt x="14" y="1580"/>
-                </a:lnTo>
-                <a:lnTo>
-                  <a:pt x="32" y="1469"/>
-                </a:lnTo>
-                <a:lnTo>
-                  <a:pt x="55" y="1362"/>
-                </a:lnTo>
-                <a:lnTo>
-                  <a:pt x="85" y="1256"/>
-                </a:lnTo>
-                <a:lnTo>
-                  <a:pt x="121" y="1154"/>
-                </a:lnTo>
-                <a:lnTo>
-                  <a:pt x="163" y="1054"/>
-                </a:lnTo>
-                <a:lnTo>
-                  <a:pt x="211" y="958"/>
-                </a:lnTo>
-                <a:lnTo>
-                  <a:pt x="265" y="864"/>
-                </a:lnTo>
-                <a:lnTo>
-                  <a:pt x="323" y="774"/>
-                </a:lnTo>
-                <a:lnTo>
-                  <a:pt x="386" y="689"/>
-                </a:lnTo>
-                <a:lnTo>
-                  <a:pt x="454" y="607"/>
-                </a:lnTo>
-                <a:lnTo>
-                  <a:pt x="527" y="529"/>
-                </a:lnTo>
-                <a:lnTo>
-                  <a:pt x="604" y="456"/>
-                </a:lnTo>
-                <a:lnTo>
-                  <a:pt x="686" y="388"/>
-                </a:lnTo>
-                <a:lnTo>
-                  <a:pt x="771" y="325"/>
-                </a:lnTo>
-                <a:lnTo>
-                  <a:pt x="860" y="266"/>
-                </a:lnTo>
-                <a:lnTo>
-                  <a:pt x="953" y="212"/>
-                </a:lnTo>
-                <a:lnTo>
-                  <a:pt x="1050" y="164"/>
-                </a:lnTo>
-                <a:lnTo>
-                  <a:pt x="1150" y="122"/>
-                </a:lnTo>
-                <a:lnTo>
-                  <a:pt x="1251" y="85"/>
-                </a:lnTo>
-                <a:lnTo>
-                  <a:pt x="1357" y="55"/>
-                </a:lnTo>
-                <a:lnTo>
-                  <a:pt x="1464" y="32"/>
-                </a:lnTo>
-                <a:lnTo>
-                  <a:pt x="1574" y="14"/>
-                </a:lnTo>
-                <a:lnTo>
-                  <a:pt x="1686" y="5"/>
-                </a:lnTo>
-                <a:lnTo>
-                  <a:pt x="1799" y="0"/>
-                </a:lnTo>
-                <a:close/>
-              </a:path>
-            </a:pathLst>
-          </a:custGeom>
-          <a:solidFill>
-            <a:schemeClr val="tx1">
-              <a:lumMod val="85000"/>
-              <a:lumOff val="15000"/>
-            </a:schemeClr>
-          </a:solidFill>
-          <a:ln w="0">
-            <a:noFill/>
-            <a:prstDash val="solid"/>
-            <a:round/>
-            <a:headEnd/>
-            <a:tailEnd/>
-          </a:ln>
-        </p:spPr>
-        <p:txBody>
-          <a:bodyPr anchor="ctr"/>
-          <a:lstStyle/>
-          <a:p>
-            <a:pPr marL="0" marR="0" lvl="0" indent="0" algn="l" defTabSz="914400" rtl="0" eaLnBrk="1" fontAlgn="auto" latinLnBrk="0" hangingPunct="1">
-              <a:lnSpc>
-                <a:spcPct val="100000"/>
-              </a:lnSpc>
-              <a:spcBef>
-                <a:spcPts val="0"/>
-              </a:spcBef>
-              <a:spcAft>
-                <a:spcPts val="0"/>
-              </a:spcAft>
-              <a:buClrTx/>
-              <a:buSzTx/>
-              <a:buFontTx/>
-              <a:buNone/>
-              <a:tabLst/>
-              <a:defRPr/>
-            </a:pPr>
-            <a:endParaRPr kumimoji="0" lang="en-US" sz="1800" b="0" i="0" u="none" strike="noStrike" kern="1200" cap="none" spc="0" normalizeH="0" baseline="0" noProof="0">
-              <a:ln>
-                <a:noFill/>
-              </a:ln>
-              <a:solidFill>
-                <a:srgbClr val="000000"/>
-              </a:solidFill>
-              <a:effectLst/>
-              <a:uLnTx/>
-              <a:uFillTx/>
-              <a:latin typeface="Avenir Next LT Pro"/>
-              <a:ea typeface="+mn-ea"/>
-              <a:cs typeface="+mn-cs"/>
-            </a:endParaRPr>
+          </a:p>
+          <a:p>
+            <a:pPr lvl="1"/>
+            <a:r>
+              <a:rPr lang="en-US" sz="1700" dirty="0">
+                <a:solidFill>
+                  <a:schemeClr val="bg1"/>
+                </a:solidFill>
+              </a:rPr>
+              <a:t>Set the fields shown for the scenario</a:t>
+            </a:r>
           </a:p>
         </p:txBody>
       </p:sp>
     </p:spTree>
     <p:extLst>
       <p:ext uri="{BB962C8B-B14F-4D97-AF65-F5344CB8AC3E}">
-        <p14:creationId xmlns:p14="http://schemas.microsoft.com/office/powerpoint/2010/main" val="1895490728"/>
+        <p14:creationId xmlns:p14="http://schemas.microsoft.com/office/powerpoint/2010/main" val="2263562397"/>
       </p:ext>
     </p:extLst>
   </p:cSld>
   <p:clrMapOvr>
-    <a:overrideClrMapping bg1="lt1" tx1="dk1" bg2="lt2" tx2="dk2" accent1="accent1" accent2="accent2" accent3="accent3" accent4="accent4" accent5="accent5" accent6="accent6" hlink="hlink" folHlink="folHlink"/>
+    <a:overrideClrMapping bg1="dk1" tx1="lt1" bg2="dk2" tx2="lt2" accent1="accent1" accent2="accent2" accent3="accent3" accent4="accent4" accent5="accent5" accent6="accent6" hlink="hlink" folHlink="folHlink"/>
   </p:clrMapOvr>
   <p:timing>
     <p:tnLst>
@@ -15220,7 +14845,7 @@
       </p:grpSpPr>
       <p:sp useBgFill="1">
         <p:nvSpPr>
-          <p:cNvPr id="109" name="Rectangle 108">
+          <p:cNvPr id="100" name="Rectangle 99">
             <a:extLst>
               <a:ext uri="{FF2B5EF4-FFF2-40B4-BE49-F238E27FC236}">
                 <a16:creationId xmlns:a16="http://schemas.microsoft.com/office/drawing/2014/main" id="{9B76D444-2756-434F-AE61-96D69830C13E}"/>
@@ -15280,10 +14905,10 @@
       </p:sp>
       <p:pic>
         <p:nvPicPr>
-          <p:cNvPr id="5" name="Picture 4" descr="Graphical user interface, text, application&#10;&#10;Description automatically generated">
+          <p:cNvPr id="5" name="Picture 4" descr="Graphical user interface, text&#10;&#10;Description automatically generated">
             <a:extLst>
               <a:ext uri="{FF2B5EF4-FFF2-40B4-BE49-F238E27FC236}">
-                <a16:creationId xmlns:a16="http://schemas.microsoft.com/office/drawing/2014/main" id="{3B6C7BF8-3997-099D-AD51-5F49BAFDE23C}"/>
+                <a16:creationId xmlns:a16="http://schemas.microsoft.com/office/drawing/2014/main" id="{A894C450-2F82-BF03-861E-B23A98FD84E7}"/>
               </a:ext>
             </a:extLst>
           </p:cNvPr>
@@ -15293,14 +14918,14 @@
           <p:nvPr/>
         </p:nvPicPr>
         <p:blipFill rotWithShape="1">
-          <a:blip r:embed="rId2">
+          <a:blip r:embed="rId3">
             <a:extLst>
               <a:ext uri="{28A0092B-C50C-407E-A947-70E740481C1C}">
                 <a14:useLocalDpi xmlns:a14="http://schemas.microsoft.com/office/drawing/2010/main" val="0"/>
               </a:ext>
             </a:extLst>
           </a:blip>
-          <a:srcRect r="-1" b="16730"/>
+          <a:srcRect r="-1" b="13341"/>
           <a:stretch/>
         </p:blipFill>
         <p:spPr>
@@ -15315,7 +14940,7 @@
       </p:pic>
       <p:sp>
         <p:nvSpPr>
-          <p:cNvPr id="111" name="Rectangle 110">
+          <p:cNvPr id="102" name="Rectangle 101">
             <a:extLst>
               <a:ext uri="{FF2B5EF4-FFF2-40B4-BE49-F238E27FC236}">
                 <a16:creationId xmlns:a16="http://schemas.microsoft.com/office/drawing/2014/main" id="{A27B6159-7734-4564-9E0F-C4BC43C36E52}"/>
@@ -15436,7 +15061,7 @@
           <a:lstStyle/>
           <a:p>
             <a:r>
-              <a:rPr lang="en-US" sz="2600" b="1" kern="1200" dirty="0">
+              <a:rPr lang="en-US" sz="2600" b="1" kern="1200">
                 <a:solidFill>
                   <a:schemeClr val="bg1"/>
                 </a:solidFill>
@@ -15444,10 +15069,10 @@
                 <a:ea typeface="+mj-ea"/>
                 <a:cs typeface="+mj-cs"/>
               </a:rPr>
-              <a:t>Candidate</a:t>
+              <a:t>Manager</a:t>
             </a:r>
             <a:br>
-              <a:rPr lang="en-US" sz="2600" b="1" kern="1200" dirty="0">
+              <a:rPr lang="en-US" sz="2600" b="1" kern="1200">
                 <a:solidFill>
                   <a:schemeClr val="bg1"/>
                 </a:solidFill>
@@ -15457,7 +15082,7 @@
               </a:rPr>
             </a:br>
             <a:r>
-              <a:rPr lang="en-US" sz="2600" kern="1200" dirty="0">
+              <a:rPr lang="en-US" sz="2600" kern="1200">
                 <a:solidFill>
                   <a:schemeClr val="bg1"/>
                 </a:solidFill>
@@ -15465,14 +15090,14 @@
                 <a:ea typeface="+mj-ea"/>
                 <a:cs typeface="+mj-cs"/>
               </a:rPr>
-              <a:t>Dashboard</a:t>
+              <a:t>Create Assessment Template</a:t>
             </a:r>
           </a:p>
         </p:txBody>
       </p:sp>
       <p:cxnSp>
         <p:nvCxnSpPr>
-          <p:cNvPr id="113" name="Straight Connector 112">
+          <p:cNvPr id="104" name="Straight Connector 103">
             <a:extLst>
               <a:ext uri="{FF2B5EF4-FFF2-40B4-BE49-F238E27FC236}">
                 <a16:creationId xmlns:a16="http://schemas.microsoft.com/office/drawing/2014/main" id="{E2FFB46B-05BC-4950-B18A-9593FDAE6ED7}"/>
@@ -15552,110 +15177,50 @@
           </a:bodyPr>
           <a:lstStyle/>
           <a:p>
-            <a:pPr marL="228600" marR="0" lvl="0" indent="-228600" defTabSz="914400" rtl="0" eaLnBrk="1" fontAlgn="auto" latinLnBrk="0" hangingPunct="1">
-              <a:spcBef>
-                <a:spcPts val="1000"/>
-              </a:spcBef>
-              <a:spcAft>
-                <a:spcPts val="0"/>
-              </a:spcAft>
-              <a:buClrTx/>
-              <a:buSzTx/>
-              <a:buFont typeface="Arial" panose="020B0604020202020204" pitchFamily="34" charset="0"/>
-              <a:buChar char="•"/>
-              <a:tabLst/>
-              <a:defRPr/>
-            </a:pPr>
             <a:r>
-              <a:rPr kumimoji="0" lang="en-US" sz="1700" b="0" i="0" u="none" strike="noStrike" kern="1200" cap="none" spc="0" normalizeH="0" baseline="0" noProof="0" dirty="0">
-                <a:ln>
-                  <a:noFill/>
-                </a:ln>
+              <a:rPr lang="en-US" sz="1700">
                 <a:solidFill>
                   <a:schemeClr val="bg1"/>
                 </a:solidFill>
-                <a:effectLst/>
-                <a:uLnTx/>
-                <a:uFillTx/>
-                <a:latin typeface="Calibri" panose="020F0502020204030204"/>
-                <a:ea typeface="+mn-ea"/>
-                <a:cs typeface="+mn-cs"/>
               </a:rPr>
-              <a:t>On the dashboard, the candidate can:</a:t>
+              <a:t>On the “Create Template” page, the hiring manager can:</a:t>
             </a:r>
           </a:p>
           <a:p>
-            <a:pPr marL="685800" marR="0" lvl="1" indent="-228600" defTabSz="914400" rtl="0" eaLnBrk="1" fontAlgn="auto" latinLnBrk="0" hangingPunct="1">
-              <a:spcBef>
-                <a:spcPts val="500"/>
-              </a:spcBef>
-              <a:spcAft>
-                <a:spcPts val="0"/>
-              </a:spcAft>
-              <a:buClrTx/>
-              <a:buSzTx/>
-              <a:buFont typeface="Arial" panose="020B0604020202020204" pitchFamily="34" charset="0"/>
-              <a:buChar char="•"/>
-              <a:tabLst/>
-              <a:defRPr/>
-            </a:pPr>
+            <a:pPr lvl="1"/>
             <a:r>
-              <a:rPr kumimoji="0" lang="en-US" sz="1700" b="0" i="0" u="none" strike="noStrike" kern="1200" cap="none" spc="0" normalizeH="0" baseline="0" noProof="0" dirty="0">
-                <a:ln>
-                  <a:noFill/>
-                </a:ln>
+              <a:rPr lang="en-US" sz="1700">
                 <a:solidFill>
                   <a:schemeClr val="bg1"/>
                 </a:solidFill>
-                <a:effectLst/>
-                <a:uLnTx/>
-                <a:uFillTx/>
-                <a:latin typeface="Calibri" panose="020F0502020204030204"/>
-                <a:ea typeface="+mn-ea"/>
-                <a:cs typeface="+mn-cs"/>
               </a:rPr>
-              <a:t>View their previous assessments scores</a:t>
+              <a:t>Specify the shown fields for the assessment</a:t>
             </a:r>
           </a:p>
           <a:p>
-            <a:pPr marL="685800" marR="0" lvl="1" indent="-228600" defTabSz="914400" rtl="0" eaLnBrk="1" fontAlgn="auto" latinLnBrk="0" hangingPunct="1">
-              <a:spcBef>
-                <a:spcPts val="500"/>
-              </a:spcBef>
-              <a:spcAft>
-                <a:spcPts val="0"/>
-              </a:spcAft>
-              <a:buClrTx/>
-              <a:buSzTx/>
-              <a:buFont typeface="Arial" panose="020B0604020202020204" pitchFamily="34" charset="0"/>
-              <a:buChar char="•"/>
-              <a:tabLst/>
-              <a:defRPr/>
-            </a:pPr>
+            <a:pPr lvl="1"/>
             <a:r>
-              <a:rPr kumimoji="0" lang="en-US" sz="1700" b="0" i="0" u="none" strike="noStrike" kern="1200" cap="none" spc="0" normalizeH="0" baseline="0" noProof="0" dirty="0">
-                <a:ln>
-                  <a:noFill/>
-                </a:ln>
+              <a:rPr lang="en-US" sz="1700">
                 <a:solidFill>
                   <a:schemeClr val="bg1"/>
                 </a:solidFill>
-                <a:effectLst/>
-                <a:uLnTx/>
-                <a:uFillTx/>
-                <a:latin typeface="Calibri" panose="020F0502020204030204"/>
-                <a:ea typeface="+mn-ea"/>
-                <a:cs typeface="+mn-cs"/>
               </a:rPr>
-              <a:t>Take one of the available assessments </a:t>
+              <a:t>Choose one or more previously created scenarios and add them to the assessment template</a:t>
             </a:r>
+          </a:p>
+          <a:p>
+            <a:endParaRPr lang="en-US" sz="1700">
+              <a:solidFill>
+                <a:schemeClr val="bg1"/>
+              </a:solidFill>
+            </a:endParaRPr>
           </a:p>
         </p:txBody>
       </p:sp>
     </p:spTree>
     <p:extLst>
       <p:ext uri="{BB962C8B-B14F-4D97-AF65-F5344CB8AC3E}">
-        <p14:creationId xmlns:p14="http://schemas.microsoft.com/office/powerpoint/2010/main" val="627129497"/>
+        <p14:creationId xmlns:p14="http://schemas.microsoft.com/office/powerpoint/2010/main" val="2344759631"/>
       </p:ext>
     </p:extLst>
   </p:cSld>
@@ -15787,6 +15352,1831 @@
       </p:grpSpPr>
       <p:sp useBgFill="1">
         <p:nvSpPr>
+          <p:cNvPr id="100" name="Rectangle 99">
+            <a:extLst>
+              <a:ext uri="{FF2B5EF4-FFF2-40B4-BE49-F238E27FC236}">
+                <a16:creationId xmlns:a16="http://schemas.microsoft.com/office/drawing/2014/main" id="{9B76D444-2756-434F-AE61-96D69830C13E}"/>
+              </a:ext>
+              <a:ext uri="{C183D7F6-B498-43B3-948B-1728B52AA6E4}">
+                <adec:decorative xmlns:adec="http://schemas.microsoft.com/office/drawing/2017/decorative" val="1"/>
+              </a:ext>
+            </a:extLst>
+          </p:cNvPr>
+          <p:cNvSpPr>
+            <a:spLocks noGrp="1" noRot="1" noChangeAspect="1" noMove="1" noResize="1" noEditPoints="1" noAdjustHandles="1" noChangeArrowheads="1" noChangeShapeType="1" noTextEdit="1"/>
+          </p:cNvSpPr>
+          <p:nvPr>
+            <p:extLst>
+              <p:ext uri="{386F3935-93C4-4BCD-93E2-E3B085C9AB24}">
+                <p16:designElem xmlns:p16="http://schemas.microsoft.com/office/powerpoint/2015/main" val="1"/>
+              </p:ext>
+            </p:extLst>
+          </p:nvPr>
+        </p:nvSpPr>
+        <p:spPr>
+          <a:xfrm>
+            <a:off x="0" y="0"/>
+            <a:ext cx="12188952" cy="6858000"/>
+          </a:xfrm>
+          <a:prstGeom prst="rect">
+            <a:avLst/>
+          </a:prstGeom>
+          <a:ln>
+            <a:noFill/>
+          </a:ln>
+        </p:spPr>
+        <p:style>
+          <a:lnRef idx="2">
+            <a:schemeClr val="accent1">
+              <a:shade val="50000"/>
+            </a:schemeClr>
+          </a:lnRef>
+          <a:fillRef idx="1">
+            <a:schemeClr val="accent1"/>
+          </a:fillRef>
+          <a:effectRef idx="0">
+            <a:schemeClr val="accent1"/>
+          </a:effectRef>
+          <a:fontRef idx="minor">
+            <a:schemeClr val="lt1"/>
+          </a:fontRef>
+        </p:style>
+        <p:txBody>
+          <a:bodyPr rtlCol="0" anchor="ctr"/>
+          <a:lstStyle/>
+          <a:p>
+            <a:pPr algn="ctr"/>
+            <a:endParaRPr lang="en-US"/>
+          </a:p>
+        </p:txBody>
+      </p:sp>
+      <p:pic>
+        <p:nvPicPr>
+          <p:cNvPr id="5" name="Picture 4" descr="Graphical user interface, application, website&#10;&#10;Description automatically generated">
+            <a:extLst>
+              <a:ext uri="{FF2B5EF4-FFF2-40B4-BE49-F238E27FC236}">
+                <a16:creationId xmlns:a16="http://schemas.microsoft.com/office/drawing/2014/main" id="{3B6C7BF8-3997-099D-AD51-5F49BAFDE23C}"/>
+              </a:ext>
+            </a:extLst>
+          </p:cNvPr>
+          <p:cNvPicPr>
+            <a:picLocks noChangeAspect="1"/>
+          </p:cNvPicPr>
+          <p:nvPr/>
+        </p:nvPicPr>
+        <p:blipFill rotWithShape="1">
+          <a:blip r:embed="rId2">
+            <a:extLst>
+              <a:ext uri="{28A0092B-C50C-407E-A947-70E740481C1C}">
+                <a14:useLocalDpi xmlns:a14="http://schemas.microsoft.com/office/drawing/2010/main" val="0"/>
+              </a:ext>
+            </a:extLst>
+          </a:blip>
+          <a:srcRect r="-1" b="16262"/>
+          <a:stretch/>
+        </p:blipFill>
+        <p:spPr>
+          <a:xfrm>
+            <a:off x="320040" y="320040"/>
+            <a:ext cx="11548872" cy="4303462"/>
+          </a:xfrm>
+          <a:prstGeom prst="rect">
+            <a:avLst/>
+          </a:prstGeom>
+        </p:spPr>
+      </p:pic>
+      <p:sp>
+        <p:nvSpPr>
+          <p:cNvPr id="102" name="Rectangle 101">
+            <a:extLst>
+              <a:ext uri="{FF2B5EF4-FFF2-40B4-BE49-F238E27FC236}">
+                <a16:creationId xmlns:a16="http://schemas.microsoft.com/office/drawing/2014/main" id="{A27B6159-7734-4564-9E0F-C4BC43C36E52}"/>
+              </a:ext>
+              <a:ext uri="{C183D7F6-B498-43B3-948B-1728B52AA6E4}">
+                <adec:decorative xmlns:adec="http://schemas.microsoft.com/office/drawing/2017/decorative" val="1"/>
+              </a:ext>
+            </a:extLst>
+          </p:cNvPr>
+          <p:cNvSpPr>
+            <a:spLocks noGrp="1" noRot="1" noChangeAspect="1" noMove="1" noResize="1" noEditPoints="1" noAdjustHandles="1" noChangeArrowheads="1" noChangeShapeType="1" noTextEdit="1"/>
+          </p:cNvSpPr>
+          <p:nvPr>
+            <p:extLst>
+              <p:ext uri="{386F3935-93C4-4BCD-93E2-E3B085C9AB24}">
+                <p16:designElem xmlns:p16="http://schemas.microsoft.com/office/powerpoint/2015/main" val="1"/>
+              </p:ext>
+            </p:extLst>
+          </p:nvPr>
+        </p:nvSpPr>
+        <p:spPr bwMode="ltGray">
+          <a:xfrm>
+            <a:off x="321564" y="4782312"/>
+            <a:ext cx="11548872" cy="1755648"/>
+          </a:xfrm>
+          <a:prstGeom prst="rect">
+            <a:avLst/>
+          </a:prstGeom>
+          <a:solidFill>
+            <a:schemeClr val="tx1">
+              <a:alpha val="93000"/>
+            </a:schemeClr>
+          </a:solidFill>
+          <a:ln w="127000" cap="sq" cmpd="thinThick">
+            <a:noFill/>
+          </a:ln>
+        </p:spPr>
+        <p:style>
+          <a:lnRef idx="2">
+            <a:schemeClr val="accent1">
+              <a:shade val="50000"/>
+            </a:schemeClr>
+          </a:lnRef>
+          <a:fillRef idx="1">
+            <a:schemeClr val="accent1"/>
+          </a:fillRef>
+          <a:effectRef idx="0">
+            <a:schemeClr val="accent1"/>
+          </a:effectRef>
+          <a:fontRef idx="minor">
+            <a:schemeClr val="lt1"/>
+          </a:fontRef>
+        </p:style>
+        <p:txBody>
+          <a:bodyPr rtlCol="0" anchor="ctr"/>
+          <a:lstStyle/>
+          <a:p>
+            <a:pPr marL="0" marR="0" lvl="0" indent="0" algn="ctr" defTabSz="914400" rtl="0" eaLnBrk="1" fontAlgn="auto" latinLnBrk="0" hangingPunct="1">
+              <a:lnSpc>
+                <a:spcPct val="100000"/>
+              </a:lnSpc>
+              <a:spcBef>
+                <a:spcPts val="0"/>
+              </a:spcBef>
+              <a:spcAft>
+                <a:spcPts val="0"/>
+              </a:spcAft>
+              <a:buClrTx/>
+              <a:buSzTx/>
+              <a:buFontTx/>
+              <a:buNone/>
+              <a:tabLst/>
+              <a:defRPr/>
+            </a:pPr>
+            <a:endParaRPr kumimoji="0" lang="en-US" sz="1800" b="0" i="0" u="none" strike="noStrike" kern="1200" cap="none" spc="0" normalizeH="0" baseline="0" noProof="0">
+              <a:ln>
+                <a:noFill/>
+              </a:ln>
+              <a:solidFill>
+                <a:prstClr val="white"/>
+              </a:solidFill>
+              <a:effectLst/>
+              <a:uLnTx/>
+              <a:uFillTx/>
+              <a:latin typeface="Calibri" panose="020F0502020204030204"/>
+              <a:ea typeface="+mn-ea"/>
+              <a:cs typeface="+mn-cs"/>
+            </a:endParaRPr>
+          </a:p>
+        </p:txBody>
+      </p:sp>
+      <p:sp>
+        <p:nvSpPr>
+          <p:cNvPr id="2" name="Title 1">
+            <a:extLst>
+              <a:ext uri="{FF2B5EF4-FFF2-40B4-BE49-F238E27FC236}">
+                <a16:creationId xmlns:a16="http://schemas.microsoft.com/office/drawing/2014/main" id="{25E8FA48-27FA-46BB-8ED7-936F48B12573}"/>
+              </a:ext>
+            </a:extLst>
+          </p:cNvPr>
+          <p:cNvSpPr>
+            <a:spLocks noGrp="1"/>
+          </p:cNvSpPr>
+          <p:nvPr>
+            <p:ph type="title"/>
+          </p:nvPr>
+        </p:nvSpPr>
+        <p:spPr>
+          <a:xfrm>
+            <a:off x="841248" y="5009083"/>
+            <a:ext cx="2889504" cy="1345997"/>
+          </a:xfrm>
+        </p:spPr>
+        <p:txBody>
+          <a:bodyPr vert="horz" lIns="91440" tIns="45720" rIns="91440" bIns="45720" rtlCol="0" anchor="ctr">
+            <a:normAutofit/>
+          </a:bodyPr>
+          <a:lstStyle/>
+          <a:p>
+            <a:r>
+              <a:rPr lang="en-US" sz="2600" b="1" kern="1200">
+                <a:solidFill>
+                  <a:schemeClr val="bg1"/>
+                </a:solidFill>
+                <a:latin typeface="+mj-lt"/>
+                <a:ea typeface="+mj-ea"/>
+                <a:cs typeface="+mj-cs"/>
+              </a:rPr>
+              <a:t>Manager</a:t>
+            </a:r>
+            <a:br>
+              <a:rPr lang="en-US" sz="2600" b="1" kern="1200">
+                <a:solidFill>
+                  <a:schemeClr val="bg1"/>
+                </a:solidFill>
+                <a:latin typeface="+mj-lt"/>
+                <a:ea typeface="+mj-ea"/>
+                <a:cs typeface="+mj-cs"/>
+              </a:rPr>
+            </a:br>
+            <a:r>
+              <a:rPr lang="en-US" sz="2600" kern="1200">
+                <a:solidFill>
+                  <a:schemeClr val="bg1"/>
+                </a:solidFill>
+                <a:latin typeface="+mj-lt"/>
+                <a:ea typeface="+mj-ea"/>
+                <a:cs typeface="+mj-cs"/>
+              </a:rPr>
+              <a:t>Create Invitation</a:t>
+            </a:r>
+          </a:p>
+        </p:txBody>
+      </p:sp>
+      <p:cxnSp>
+        <p:nvCxnSpPr>
+          <p:cNvPr id="104" name="Straight Connector 103">
+            <a:extLst>
+              <a:ext uri="{FF2B5EF4-FFF2-40B4-BE49-F238E27FC236}">
+                <a16:creationId xmlns:a16="http://schemas.microsoft.com/office/drawing/2014/main" id="{E2FFB46B-05BC-4950-B18A-9593FDAE6ED7}"/>
+              </a:ext>
+              <a:ext uri="{C183D7F6-B498-43B3-948B-1728B52AA6E4}">
+                <adec:decorative xmlns:adec="http://schemas.microsoft.com/office/drawing/2017/decorative" val="1"/>
+              </a:ext>
+            </a:extLst>
+          </p:cNvPr>
+          <p:cNvCxnSpPr>
+            <a:cxnSpLocks noGrp="1" noRot="1" noChangeAspect="1" noMove="1" noResize="1" noEditPoints="1" noAdjustHandles="1" noChangeArrowheads="1" noChangeShapeType="1"/>
+          </p:cNvCxnSpPr>
+          <p:nvPr>
+            <p:extLst>
+              <p:ext uri="{386F3935-93C4-4BCD-93E2-E3B085C9AB24}">
+                <p16:designElem xmlns:p16="http://schemas.microsoft.com/office/powerpoint/2015/main" val="1"/>
+              </p:ext>
+            </p:extLst>
+          </p:nvPr>
+        </p:nvCxnSpPr>
+        <p:spPr>
+          <a:xfrm flipV="1">
+            <a:off x="4059936" y="5237979"/>
+            <a:ext cx="0" cy="914400"/>
+          </a:xfrm>
+          <a:prstGeom prst="line">
+            <a:avLst/>
+          </a:prstGeom>
+          <a:ln w="19050">
+            <a:solidFill>
+              <a:schemeClr val="bg1">
+                <a:alpha val="80000"/>
+              </a:schemeClr>
+            </a:solidFill>
+          </a:ln>
+        </p:spPr>
+        <p:style>
+          <a:lnRef idx="1">
+            <a:schemeClr val="accent1"/>
+          </a:lnRef>
+          <a:fillRef idx="0">
+            <a:schemeClr val="accent1"/>
+          </a:fillRef>
+          <a:effectRef idx="0">
+            <a:schemeClr val="accent1"/>
+          </a:effectRef>
+          <a:fontRef idx="minor">
+            <a:schemeClr val="tx1"/>
+          </a:fontRef>
+        </p:style>
+      </p:cxnSp>
+      <p:sp>
+        <p:nvSpPr>
+          <p:cNvPr id="4" name="Content Placeholder 3">
+            <a:extLst>
+              <a:ext uri="{FF2B5EF4-FFF2-40B4-BE49-F238E27FC236}">
+                <a16:creationId xmlns:a16="http://schemas.microsoft.com/office/drawing/2014/main" id="{6687BE7B-454C-A3AE-8C92-88FF5ED25789}"/>
+              </a:ext>
+            </a:extLst>
+          </p:cNvPr>
+          <p:cNvSpPr>
+            <a:spLocks noGrp="1"/>
+          </p:cNvSpPr>
+          <p:nvPr>
+            <p:ph idx="1"/>
+          </p:nvPr>
+        </p:nvSpPr>
+        <p:spPr>
+          <a:xfrm>
+            <a:off x="4379976" y="5009083"/>
+            <a:ext cx="6976872" cy="1345997"/>
+          </a:xfrm>
+        </p:spPr>
+        <p:txBody>
+          <a:bodyPr anchor="ctr">
+            <a:normAutofit/>
+          </a:bodyPr>
+          <a:lstStyle/>
+          <a:p>
+            <a:pPr marL="228600" marR="0" lvl="0" indent="-228600" defTabSz="914400" rtl="0" eaLnBrk="1" fontAlgn="auto" latinLnBrk="0" hangingPunct="1">
+              <a:spcBef>
+                <a:spcPts val="1000"/>
+              </a:spcBef>
+              <a:spcAft>
+                <a:spcPts val="0"/>
+              </a:spcAft>
+              <a:buClrTx/>
+              <a:buSzTx/>
+              <a:buFont typeface="Arial" panose="020B0604020202020204" pitchFamily="34" charset="0"/>
+              <a:buChar char="•"/>
+              <a:tabLst/>
+              <a:defRPr/>
+            </a:pPr>
+            <a:r>
+              <a:rPr kumimoji="0" lang="en-US" sz="1700" b="0" i="0" u="none" strike="noStrike" kern="1200" cap="none" spc="0" normalizeH="0" baseline="0" noProof="0">
+                <a:ln>
+                  <a:noFill/>
+                </a:ln>
+                <a:solidFill>
+                  <a:schemeClr val="bg1"/>
+                </a:solidFill>
+                <a:effectLst/>
+                <a:uLnTx/>
+                <a:uFillTx/>
+                <a:latin typeface="Calibri" panose="020F0502020204030204"/>
+                <a:ea typeface="+mn-ea"/>
+                <a:cs typeface="+mn-cs"/>
+              </a:rPr>
+              <a:t>On the “Invite Candidate” page, the hiring manager can:</a:t>
+            </a:r>
+          </a:p>
+          <a:p>
+            <a:pPr marL="685800" marR="0" lvl="1" indent="-228600" defTabSz="914400" rtl="0" eaLnBrk="1" fontAlgn="auto" latinLnBrk="0" hangingPunct="1">
+              <a:spcBef>
+                <a:spcPts val="500"/>
+              </a:spcBef>
+              <a:spcAft>
+                <a:spcPts val="0"/>
+              </a:spcAft>
+              <a:buClrTx/>
+              <a:buSzTx/>
+              <a:buFont typeface="Arial" panose="020B0604020202020204" pitchFamily="34" charset="0"/>
+              <a:buChar char="•"/>
+              <a:tabLst/>
+              <a:defRPr/>
+            </a:pPr>
+            <a:r>
+              <a:rPr kumimoji="0" lang="en-US" sz="1700" b="0" i="0" u="none" strike="noStrike" kern="1200" cap="none" spc="0" normalizeH="0" baseline="0" noProof="0">
+                <a:ln>
+                  <a:noFill/>
+                </a:ln>
+                <a:solidFill>
+                  <a:schemeClr val="bg1"/>
+                </a:solidFill>
+                <a:effectLst/>
+                <a:uLnTx/>
+                <a:uFillTx/>
+                <a:latin typeface="Calibri" panose="020F0502020204030204"/>
+                <a:ea typeface="+mn-ea"/>
+                <a:cs typeface="+mn-cs"/>
+              </a:rPr>
+              <a:t>Specify the candidate and assessment</a:t>
+            </a:r>
+          </a:p>
+          <a:p>
+            <a:pPr marL="685800" marR="0" lvl="1" indent="-228600" defTabSz="914400" rtl="0" eaLnBrk="1" fontAlgn="auto" latinLnBrk="0" hangingPunct="1">
+              <a:spcBef>
+                <a:spcPts val="500"/>
+              </a:spcBef>
+              <a:spcAft>
+                <a:spcPts val="0"/>
+              </a:spcAft>
+              <a:buClrTx/>
+              <a:buSzTx/>
+              <a:buFont typeface="Arial" panose="020B0604020202020204" pitchFamily="34" charset="0"/>
+              <a:buChar char="•"/>
+              <a:tabLst/>
+              <a:defRPr/>
+            </a:pPr>
+            <a:r>
+              <a:rPr lang="en-US" sz="1700">
+                <a:solidFill>
+                  <a:schemeClr val="bg1"/>
+                </a:solidFill>
+                <a:latin typeface="Calibri" panose="020F0502020204030204"/>
+              </a:rPr>
+              <a:t>Send the invitation to the candidate</a:t>
+            </a:r>
+            <a:endParaRPr kumimoji="0" lang="en-GB" sz="1700" b="0" i="0" u="none" strike="noStrike" kern="1200" cap="none" spc="0" normalizeH="0" baseline="0" noProof="0">
+              <a:ln>
+                <a:noFill/>
+              </a:ln>
+              <a:solidFill>
+                <a:schemeClr val="bg1"/>
+              </a:solidFill>
+              <a:effectLst/>
+              <a:uLnTx/>
+              <a:uFillTx/>
+              <a:latin typeface="Calibri" panose="020F0502020204030204"/>
+              <a:ea typeface="+mn-ea"/>
+              <a:cs typeface="+mn-cs"/>
+            </a:endParaRPr>
+          </a:p>
+        </p:txBody>
+      </p:sp>
+    </p:spTree>
+    <p:extLst>
+      <p:ext uri="{BB962C8B-B14F-4D97-AF65-F5344CB8AC3E}">
+        <p14:creationId xmlns:p14="http://schemas.microsoft.com/office/powerpoint/2010/main" val="1964008605"/>
+      </p:ext>
+    </p:extLst>
+  </p:cSld>
+  <p:clrMapOvr>
+    <a:overrideClrMapping bg1="dk1" tx1="lt1" bg2="dk2" tx2="lt2" accent1="accent1" accent2="accent2" accent3="accent3" accent4="accent4" accent5="accent5" accent6="accent6" hlink="hlink" folHlink="folHlink"/>
+  </p:clrMapOvr>
+  <p:timing>
+    <p:tnLst>
+      <p:par>
+        <p:cTn id="1" dur="indefinite" restart="never" nodeType="tmRoot">
+          <p:childTnLst>
+            <p:seq concurrent="1" nextAc="seek">
+              <p:cTn id="2" dur="indefinite" nodeType="mainSeq">
+                <p:childTnLst>
+                  <p:par>
+                    <p:cTn id="3" fill="hold">
+                      <p:stCondLst>
+                        <p:cond delay="indefinite"/>
+                        <p:cond evt="onBegin" delay="0">
+                          <p:tn val="2"/>
+                        </p:cond>
+                      </p:stCondLst>
+                      <p:childTnLst>
+                        <p:par>
+                          <p:cTn id="4" fill="hold">
+                            <p:stCondLst>
+                              <p:cond delay="0"/>
+                            </p:stCondLst>
+                            <p:childTnLst>
+                              <p:par>
+                                <p:cTn id="5" presetID="10" presetClass="entr" presetSubtype="0" fill="hold" grpId="0" nodeType="withEffect">
+                                  <p:stCondLst>
+                                    <p:cond delay="1000"/>
+                                  </p:stCondLst>
+                                  <p:iterate type="lt">
+                                    <p:tmPct val="10000"/>
+                                  </p:iterate>
+                                  <p:childTnLst>
+                                    <p:set>
+                                      <p:cBhvr>
+                                        <p:cTn id="6" dur="1" fill="hold">
+                                          <p:stCondLst>
+                                            <p:cond delay="0"/>
+                                          </p:stCondLst>
+                                        </p:cTn>
+                                        <p:tgtEl>
+                                          <p:spTgt spid="2"/>
+                                        </p:tgtEl>
+                                        <p:attrNameLst>
+                                          <p:attrName>style.visibility</p:attrName>
+                                        </p:attrNameLst>
+                                      </p:cBhvr>
+                                      <p:to>
+                                        <p:strVal val="visible"/>
+                                      </p:to>
+                                    </p:set>
+                                    <p:animEffect transition="in" filter="fade">
+                                      <p:cBhvr>
+                                        <p:cTn id="7" dur="400"/>
+                                        <p:tgtEl>
+                                          <p:spTgt spid="2"/>
+                                        </p:tgtEl>
+                                      </p:cBhvr>
+                                    </p:animEffect>
+                                  </p:childTnLst>
+                                </p:cTn>
+                              </p:par>
+                            </p:childTnLst>
+                          </p:cTn>
+                        </p:par>
+                      </p:childTnLst>
+                    </p:cTn>
+                  </p:par>
+                </p:childTnLst>
+              </p:cTn>
+              <p:prevCondLst>
+                <p:cond evt="onPrev" delay="0">
+                  <p:tgtEl>
+                    <p:sldTgt/>
+                  </p:tgtEl>
+                </p:cond>
+              </p:prevCondLst>
+              <p:nextCondLst>
+                <p:cond evt="onNext" delay="0">
+                  <p:tgtEl>
+                    <p:sldTgt/>
+                  </p:tgtEl>
+                </p:cond>
+              </p:nextCondLst>
+            </p:seq>
+          </p:childTnLst>
+        </p:cTn>
+      </p:par>
+    </p:tnLst>
+    <p:bldLst>
+      <p:bldP spid="2" grpId="0"/>
+    </p:bldLst>
+  </p:timing>
+</p:sld>
+</file>
+
+<file path=ppt/slides/slide23.xml><?xml version="1.0" encoding="utf-8"?>
+<p:sld xmlns:a="http://schemas.openxmlformats.org/drawingml/2006/main" xmlns:r="http://schemas.openxmlformats.org/officeDocument/2006/relationships" xmlns:p="http://schemas.openxmlformats.org/presentationml/2006/main">
+  <p:cSld>
+    <p:bg>
+      <p:bgPr>
+        <a:solidFill>
+          <a:schemeClr val="bg2"/>
+        </a:solidFill>
+        <a:effectLst/>
+      </p:bgPr>
+    </p:bg>
+    <p:spTree>
+      <p:nvGrpSpPr>
+        <p:cNvPr id="1" name=""/>
+        <p:cNvGrpSpPr/>
+        <p:nvPr/>
+      </p:nvGrpSpPr>
+      <p:grpSpPr>
+        <a:xfrm>
+          <a:off x="0" y="0"/>
+          <a:ext cx="0" cy="0"/>
+          <a:chOff x="0" y="0"/>
+          <a:chExt cx="0" cy="0"/>
+        </a:xfrm>
+      </p:grpSpPr>
+      <p:sp useBgFill="1">
+        <p:nvSpPr>
+          <p:cNvPr id="20" name="Rectangle 19">
+            <a:extLst>
+              <a:ext uri="{FF2B5EF4-FFF2-40B4-BE49-F238E27FC236}">
+                <a16:creationId xmlns:a16="http://schemas.microsoft.com/office/drawing/2014/main" id="{55B419A7-F817-4767-8CCB-FB0E189C4ACD}"/>
+              </a:ext>
+              <a:ext uri="{C183D7F6-B498-43B3-948B-1728B52AA6E4}">
+                <adec:decorative xmlns:adec="http://schemas.microsoft.com/office/drawing/2017/decorative" val="1"/>
+              </a:ext>
+            </a:extLst>
+          </p:cNvPr>
+          <p:cNvSpPr>
+            <a:spLocks noGrp="1" noRot="1" noChangeAspect="1" noMove="1" noResize="1" noEditPoints="1" noAdjustHandles="1" noChangeArrowheads="1" noChangeShapeType="1" noTextEdit="1"/>
+          </p:cNvSpPr>
+          <p:nvPr>
+            <p:extLst>
+              <p:ext uri="{386F3935-93C4-4BCD-93E2-E3B085C9AB24}">
+                <p16:designElem xmlns:p16="http://schemas.microsoft.com/office/powerpoint/2015/main" val="1"/>
+              </p:ext>
+            </p:extLst>
+          </p:nvPr>
+        </p:nvSpPr>
+        <p:spPr>
+          <a:xfrm>
+            <a:off x="0" y="0"/>
+            <a:ext cx="12192000" cy="6858000"/>
+          </a:xfrm>
+          <a:prstGeom prst="rect">
+            <a:avLst/>
+          </a:prstGeom>
+          <a:ln>
+            <a:noFill/>
+          </a:ln>
+        </p:spPr>
+        <p:style>
+          <a:lnRef idx="2">
+            <a:schemeClr val="accent1">
+              <a:shade val="50000"/>
+            </a:schemeClr>
+          </a:lnRef>
+          <a:fillRef idx="1">
+            <a:schemeClr val="accent1"/>
+          </a:fillRef>
+          <a:effectRef idx="0">
+            <a:schemeClr val="accent1"/>
+          </a:effectRef>
+          <a:fontRef idx="minor">
+            <a:schemeClr val="lt1"/>
+          </a:fontRef>
+        </p:style>
+        <p:txBody>
+          <a:bodyPr rtlCol="0" anchor="ctr"/>
+          <a:lstStyle/>
+          <a:p>
+            <a:pPr marL="0" marR="0" lvl="0" indent="0" algn="ctr" defTabSz="914400" rtl="0" eaLnBrk="1" fontAlgn="auto" latinLnBrk="0" hangingPunct="1">
+              <a:lnSpc>
+                <a:spcPct val="100000"/>
+              </a:lnSpc>
+              <a:spcBef>
+                <a:spcPts val="0"/>
+              </a:spcBef>
+              <a:spcAft>
+                <a:spcPts val="0"/>
+              </a:spcAft>
+              <a:buClrTx/>
+              <a:buSzTx/>
+              <a:buFontTx/>
+              <a:buNone/>
+              <a:tabLst/>
+              <a:defRPr/>
+            </a:pPr>
+            <a:endParaRPr kumimoji="0" lang="en-US" sz="1800" b="0" i="0" u="none" strike="noStrike" kern="1200" cap="none" spc="0" normalizeH="0" baseline="0" noProof="0">
+              <a:ln>
+                <a:noFill/>
+              </a:ln>
+              <a:solidFill>
+                <a:srgbClr val="FFFFFF"/>
+              </a:solidFill>
+              <a:effectLst/>
+              <a:uLnTx/>
+              <a:uFillTx/>
+              <a:latin typeface="Avenir Next LT Pro"/>
+              <a:ea typeface="+mn-ea"/>
+              <a:cs typeface="+mn-cs"/>
+            </a:endParaRPr>
+          </a:p>
+        </p:txBody>
+      </p:sp>
+      <p:sp>
+        <p:nvSpPr>
+          <p:cNvPr id="22" name="Freeform: Shape 21">
+            <a:extLst>
+              <a:ext uri="{FF2B5EF4-FFF2-40B4-BE49-F238E27FC236}">
+                <a16:creationId xmlns:a16="http://schemas.microsoft.com/office/drawing/2014/main" id="{7AF9319C-2D9B-4868-AEAE-37298EA0F4B9}"/>
+              </a:ext>
+              <a:ext uri="{C183D7F6-B498-43B3-948B-1728B52AA6E4}">
+                <adec:decorative xmlns:adec="http://schemas.microsoft.com/office/drawing/2017/decorative" val="1"/>
+              </a:ext>
+            </a:extLst>
+          </p:cNvPr>
+          <p:cNvSpPr>
+            <a:spLocks noGrp="1" noRot="1" noChangeAspect="1" noMove="1" noResize="1" noEditPoints="1" noAdjustHandles="1" noChangeArrowheads="1" noChangeShapeType="1" noTextEdit="1"/>
+          </p:cNvSpPr>
+          <p:nvPr>
+            <p:extLst>
+              <p:ext uri="{386F3935-93C4-4BCD-93E2-E3B085C9AB24}">
+                <p16:designElem xmlns:p16="http://schemas.microsoft.com/office/powerpoint/2015/main" val="1"/>
+              </p:ext>
+            </p:extLst>
+          </p:nvPr>
+        </p:nvSpPr>
+        <p:spPr>
+          <a:xfrm>
+            <a:off x="0" y="0"/>
+            <a:ext cx="5215066" cy="6858000"/>
+          </a:xfrm>
+          <a:custGeom>
+            <a:avLst/>
+            <a:gdLst>
+              <a:gd name="connsiteX0" fmla="*/ 0 w 5215066"/>
+              <a:gd name="connsiteY0" fmla="*/ 0 h 6858000"/>
+              <a:gd name="connsiteX1" fmla="*/ 3197713 w 5215066"/>
+              <a:gd name="connsiteY1" fmla="*/ 0 h 6858000"/>
+              <a:gd name="connsiteX2" fmla="*/ 3259787 w 5215066"/>
+              <a:gd name="connsiteY2" fmla="*/ 39865 h 6858000"/>
+              <a:gd name="connsiteX3" fmla="*/ 5215066 w 5215066"/>
+              <a:gd name="connsiteY3" fmla="*/ 3723759 h 6858000"/>
+              <a:gd name="connsiteX4" fmla="*/ 4202364 w 5215066"/>
+              <a:gd name="connsiteY4" fmla="*/ 6549681 h 6858000"/>
+              <a:gd name="connsiteX5" fmla="*/ 3922635 w 5215066"/>
+              <a:gd name="connsiteY5" fmla="*/ 6858000 h 6858000"/>
+              <a:gd name="connsiteX6" fmla="*/ 0 w 5215066"/>
+              <a:gd name="connsiteY6" fmla="*/ 6858000 h 6858000"/>
+            </a:gdLst>
+            <a:ahLst/>
+            <a:cxnLst>
+              <a:cxn ang="0">
+                <a:pos x="connsiteX0" y="connsiteY0"/>
+              </a:cxn>
+              <a:cxn ang="0">
+                <a:pos x="connsiteX1" y="connsiteY1"/>
+              </a:cxn>
+              <a:cxn ang="0">
+                <a:pos x="connsiteX2" y="connsiteY2"/>
+              </a:cxn>
+              <a:cxn ang="0">
+                <a:pos x="connsiteX3" y="connsiteY3"/>
+              </a:cxn>
+              <a:cxn ang="0">
+                <a:pos x="connsiteX4" y="connsiteY4"/>
+              </a:cxn>
+              <a:cxn ang="0">
+                <a:pos x="connsiteX5" y="connsiteY5"/>
+              </a:cxn>
+              <a:cxn ang="0">
+                <a:pos x="connsiteX6" y="connsiteY6"/>
+              </a:cxn>
+            </a:cxnLst>
+            <a:rect l="l" t="t" r="r" b="b"/>
+            <a:pathLst>
+              <a:path w="5215066" h="6858000">
+                <a:moveTo>
+                  <a:pt x="0" y="0"/>
+                </a:moveTo>
+                <a:lnTo>
+                  <a:pt x="3197713" y="0"/>
+                </a:lnTo>
+                <a:lnTo>
+                  <a:pt x="3259787" y="39865"/>
+                </a:lnTo>
+                <a:cubicBezTo>
+                  <a:pt x="4439462" y="838237"/>
+                  <a:pt x="5215066" y="2190263"/>
+                  <a:pt x="5215066" y="3723759"/>
+                </a:cubicBezTo>
+                <a:cubicBezTo>
+                  <a:pt x="5215066" y="4797206"/>
+                  <a:pt x="4835020" y="5781733"/>
+                  <a:pt x="4202364" y="6549681"/>
+                </a:cubicBezTo>
+                <a:lnTo>
+                  <a:pt x="3922635" y="6858000"/>
+                </a:lnTo>
+                <a:lnTo>
+                  <a:pt x="0" y="6858000"/>
+                </a:lnTo>
+                <a:close/>
+              </a:path>
+            </a:pathLst>
+          </a:custGeom>
+          <a:solidFill>
+            <a:schemeClr val="tx1">
+              <a:lumMod val="85000"/>
+              <a:lumOff val="15000"/>
+            </a:schemeClr>
+          </a:solidFill>
+          <a:ln>
+            <a:noFill/>
+          </a:ln>
+        </p:spPr>
+        <p:style>
+          <a:lnRef idx="2">
+            <a:schemeClr val="accent1">
+              <a:shade val="50000"/>
+            </a:schemeClr>
+          </a:lnRef>
+          <a:fillRef idx="1">
+            <a:schemeClr val="accent1"/>
+          </a:fillRef>
+          <a:effectRef idx="0">
+            <a:schemeClr val="accent1"/>
+          </a:effectRef>
+          <a:fontRef idx="minor">
+            <a:schemeClr val="lt1"/>
+          </a:fontRef>
+        </p:style>
+        <p:txBody>
+          <a:bodyPr wrap="square" rtlCol="0" anchor="ctr">
+            <a:noAutofit/>
+          </a:bodyPr>
+          <a:lstStyle/>
+          <a:p>
+            <a:pPr marL="0" marR="0" lvl="0" indent="0" algn="ctr" defTabSz="914400" rtl="0" eaLnBrk="1" fontAlgn="auto" latinLnBrk="0" hangingPunct="1">
+              <a:lnSpc>
+                <a:spcPct val="100000"/>
+              </a:lnSpc>
+              <a:spcBef>
+                <a:spcPts val="0"/>
+              </a:spcBef>
+              <a:spcAft>
+                <a:spcPts val="0"/>
+              </a:spcAft>
+              <a:buClrTx/>
+              <a:buSzTx/>
+              <a:buFontTx/>
+              <a:buNone/>
+              <a:tabLst/>
+              <a:defRPr/>
+            </a:pPr>
+            <a:endParaRPr kumimoji="0" lang="en-US" sz="1800" b="0" i="0" u="none" strike="noStrike" kern="1200" cap="none" spc="0" normalizeH="0" baseline="0" noProof="0">
+              <a:ln>
+                <a:noFill/>
+              </a:ln>
+              <a:solidFill>
+                <a:srgbClr val="FFFFFF"/>
+              </a:solidFill>
+              <a:effectLst/>
+              <a:uLnTx/>
+              <a:uFillTx/>
+              <a:latin typeface="Avenir Next LT Pro"/>
+              <a:ea typeface="+mn-ea"/>
+              <a:cs typeface="+mn-cs"/>
+            </a:endParaRPr>
+          </a:p>
+        </p:txBody>
+      </p:sp>
+      <p:sp>
+        <p:nvSpPr>
+          <p:cNvPr id="2" name="Title 1">
+            <a:extLst>
+              <a:ext uri="{FF2B5EF4-FFF2-40B4-BE49-F238E27FC236}">
+                <a16:creationId xmlns:a16="http://schemas.microsoft.com/office/drawing/2014/main" id="{D2321F55-1425-A08F-AFA2-11A5F5930920}"/>
+              </a:ext>
+            </a:extLst>
+          </p:cNvPr>
+          <p:cNvSpPr>
+            <a:spLocks noGrp="1"/>
+          </p:cNvSpPr>
+          <p:nvPr>
+            <p:ph type="ctrTitle"/>
+          </p:nvPr>
+        </p:nvSpPr>
+        <p:spPr>
+          <a:xfrm>
+            <a:off x="758952" y="1128811"/>
+            <a:ext cx="3447288" cy="3342290"/>
+          </a:xfrm>
+        </p:spPr>
+        <p:txBody>
+          <a:bodyPr anchor="b">
+            <a:normAutofit/>
+          </a:bodyPr>
+          <a:lstStyle/>
+          <a:p>
+            <a:r>
+              <a:rPr lang="en-US" sz="5400" dirty="0">
+                <a:solidFill>
+                  <a:schemeClr val="bg1"/>
+                </a:solidFill>
+              </a:rPr>
+              <a:t>Candidate UX Tour</a:t>
+            </a:r>
+            <a:endParaRPr lang="en-GB" sz="5400" dirty="0">
+              <a:solidFill>
+                <a:schemeClr val="bg1"/>
+              </a:solidFill>
+            </a:endParaRPr>
+          </a:p>
+        </p:txBody>
+      </p:sp>
+      <p:sp>
+        <p:nvSpPr>
+          <p:cNvPr id="24" name="Freeform 6">
+            <a:extLst>
+              <a:ext uri="{FF2B5EF4-FFF2-40B4-BE49-F238E27FC236}">
+                <a16:creationId xmlns:a16="http://schemas.microsoft.com/office/drawing/2014/main" id="{ADA271CD-3011-4A05-B4A3-80F1794684F2}"/>
+              </a:ext>
+              <a:ext uri="{C183D7F6-B498-43B3-948B-1728B52AA6E4}">
+                <adec:decorative xmlns:adec="http://schemas.microsoft.com/office/drawing/2017/decorative" val="1"/>
+              </a:ext>
+            </a:extLst>
+          </p:cNvPr>
+          <p:cNvSpPr>
+            <a:spLocks noGrp="1" noRot="1" noChangeAspect="1" noMove="1" noResize="1" noEditPoints="1" noAdjustHandles="1" noChangeArrowheads="1" noChangeShapeType="1" noTextEdit="1"/>
+          </p:cNvSpPr>
+          <p:nvPr>
+            <p:extLst>
+              <p:ext uri="{386F3935-93C4-4BCD-93E2-E3B085C9AB24}">
+                <p16:designElem xmlns:p16="http://schemas.microsoft.com/office/powerpoint/2015/main" val="1"/>
+              </p:ext>
+            </p:extLst>
+          </p:nvPr>
+        </p:nvSpPr>
+        <p:spPr bwMode="auto">
+          <a:xfrm>
+            <a:off x="11784011" y="5788152"/>
+            <a:ext cx="407988" cy="819150"/>
+          </a:xfrm>
+          <a:custGeom>
+            <a:avLst/>
+            <a:gdLst/>
+            <a:ahLst/>
+            <a:cxnLst/>
+            <a:rect l="0" t="0" r="r" b="b"/>
+            <a:pathLst>
+              <a:path w="1799" h="3612">
+                <a:moveTo>
+                  <a:pt x="1799" y="0"/>
+                </a:moveTo>
+                <a:lnTo>
+                  <a:pt x="1799" y="3612"/>
+                </a:lnTo>
+                <a:lnTo>
+                  <a:pt x="1686" y="3609"/>
+                </a:lnTo>
+                <a:lnTo>
+                  <a:pt x="1574" y="3598"/>
+                </a:lnTo>
+                <a:lnTo>
+                  <a:pt x="1464" y="3581"/>
+                </a:lnTo>
+                <a:lnTo>
+                  <a:pt x="1357" y="3557"/>
+                </a:lnTo>
+                <a:lnTo>
+                  <a:pt x="1251" y="3527"/>
+                </a:lnTo>
+                <a:lnTo>
+                  <a:pt x="1150" y="3490"/>
+                </a:lnTo>
+                <a:lnTo>
+                  <a:pt x="1050" y="3448"/>
+                </a:lnTo>
+                <a:lnTo>
+                  <a:pt x="953" y="3401"/>
+                </a:lnTo>
+                <a:lnTo>
+                  <a:pt x="860" y="3347"/>
+                </a:lnTo>
+                <a:lnTo>
+                  <a:pt x="771" y="3289"/>
+                </a:lnTo>
+                <a:lnTo>
+                  <a:pt x="686" y="3224"/>
+                </a:lnTo>
+                <a:lnTo>
+                  <a:pt x="604" y="3156"/>
+                </a:lnTo>
+                <a:lnTo>
+                  <a:pt x="527" y="3083"/>
+                </a:lnTo>
+                <a:lnTo>
+                  <a:pt x="454" y="3005"/>
+                </a:lnTo>
+                <a:lnTo>
+                  <a:pt x="386" y="2923"/>
+                </a:lnTo>
+                <a:lnTo>
+                  <a:pt x="323" y="2838"/>
+                </a:lnTo>
+                <a:lnTo>
+                  <a:pt x="265" y="2748"/>
+                </a:lnTo>
+                <a:lnTo>
+                  <a:pt x="211" y="2655"/>
+                </a:lnTo>
+                <a:lnTo>
+                  <a:pt x="163" y="2559"/>
+                </a:lnTo>
+                <a:lnTo>
+                  <a:pt x="121" y="2459"/>
+                </a:lnTo>
+                <a:lnTo>
+                  <a:pt x="85" y="2356"/>
+                </a:lnTo>
+                <a:lnTo>
+                  <a:pt x="55" y="2251"/>
+                </a:lnTo>
+                <a:lnTo>
+                  <a:pt x="32" y="2143"/>
+                </a:lnTo>
+                <a:lnTo>
+                  <a:pt x="14" y="2033"/>
+                </a:lnTo>
+                <a:lnTo>
+                  <a:pt x="4" y="1920"/>
+                </a:lnTo>
+                <a:lnTo>
+                  <a:pt x="0" y="1806"/>
+                </a:lnTo>
+                <a:lnTo>
+                  <a:pt x="4" y="1692"/>
+                </a:lnTo>
+                <a:lnTo>
+                  <a:pt x="14" y="1580"/>
+                </a:lnTo>
+                <a:lnTo>
+                  <a:pt x="32" y="1469"/>
+                </a:lnTo>
+                <a:lnTo>
+                  <a:pt x="55" y="1362"/>
+                </a:lnTo>
+                <a:lnTo>
+                  <a:pt x="85" y="1256"/>
+                </a:lnTo>
+                <a:lnTo>
+                  <a:pt x="121" y="1154"/>
+                </a:lnTo>
+                <a:lnTo>
+                  <a:pt x="163" y="1054"/>
+                </a:lnTo>
+                <a:lnTo>
+                  <a:pt x="211" y="958"/>
+                </a:lnTo>
+                <a:lnTo>
+                  <a:pt x="265" y="864"/>
+                </a:lnTo>
+                <a:lnTo>
+                  <a:pt x="323" y="774"/>
+                </a:lnTo>
+                <a:lnTo>
+                  <a:pt x="386" y="689"/>
+                </a:lnTo>
+                <a:lnTo>
+                  <a:pt x="454" y="607"/>
+                </a:lnTo>
+                <a:lnTo>
+                  <a:pt x="527" y="529"/>
+                </a:lnTo>
+                <a:lnTo>
+                  <a:pt x="604" y="456"/>
+                </a:lnTo>
+                <a:lnTo>
+                  <a:pt x="686" y="388"/>
+                </a:lnTo>
+                <a:lnTo>
+                  <a:pt x="771" y="325"/>
+                </a:lnTo>
+                <a:lnTo>
+                  <a:pt x="860" y="266"/>
+                </a:lnTo>
+                <a:lnTo>
+                  <a:pt x="953" y="212"/>
+                </a:lnTo>
+                <a:lnTo>
+                  <a:pt x="1050" y="164"/>
+                </a:lnTo>
+                <a:lnTo>
+                  <a:pt x="1150" y="122"/>
+                </a:lnTo>
+                <a:lnTo>
+                  <a:pt x="1251" y="85"/>
+                </a:lnTo>
+                <a:lnTo>
+                  <a:pt x="1357" y="55"/>
+                </a:lnTo>
+                <a:lnTo>
+                  <a:pt x="1464" y="32"/>
+                </a:lnTo>
+                <a:lnTo>
+                  <a:pt x="1574" y="14"/>
+                </a:lnTo>
+                <a:lnTo>
+                  <a:pt x="1686" y="5"/>
+                </a:lnTo>
+                <a:lnTo>
+                  <a:pt x="1799" y="0"/>
+                </a:lnTo>
+                <a:close/>
+              </a:path>
+            </a:pathLst>
+          </a:custGeom>
+          <a:solidFill>
+            <a:schemeClr val="tx1">
+              <a:lumMod val="85000"/>
+              <a:lumOff val="15000"/>
+            </a:schemeClr>
+          </a:solidFill>
+          <a:ln w="0">
+            <a:noFill/>
+            <a:prstDash val="solid"/>
+            <a:round/>
+            <a:headEnd/>
+            <a:tailEnd/>
+          </a:ln>
+        </p:spPr>
+        <p:txBody>
+          <a:bodyPr anchor="ctr"/>
+          <a:lstStyle/>
+          <a:p>
+            <a:pPr marL="0" marR="0" lvl="0" indent="0" algn="l" defTabSz="914400" rtl="0" eaLnBrk="1" fontAlgn="auto" latinLnBrk="0" hangingPunct="1">
+              <a:lnSpc>
+                <a:spcPct val="100000"/>
+              </a:lnSpc>
+              <a:spcBef>
+                <a:spcPts val="0"/>
+              </a:spcBef>
+              <a:spcAft>
+                <a:spcPts val="0"/>
+              </a:spcAft>
+              <a:buClrTx/>
+              <a:buSzTx/>
+              <a:buFontTx/>
+              <a:buNone/>
+              <a:tabLst/>
+              <a:defRPr/>
+            </a:pPr>
+            <a:endParaRPr kumimoji="0" lang="en-US" sz="1800" b="0" i="0" u="none" strike="noStrike" kern="1200" cap="none" spc="0" normalizeH="0" baseline="0" noProof="0">
+              <a:ln>
+                <a:noFill/>
+              </a:ln>
+              <a:solidFill>
+                <a:srgbClr val="000000"/>
+              </a:solidFill>
+              <a:effectLst/>
+              <a:uLnTx/>
+              <a:uFillTx/>
+              <a:latin typeface="Avenir Next LT Pro"/>
+              <a:ea typeface="+mn-ea"/>
+              <a:cs typeface="+mn-cs"/>
+            </a:endParaRPr>
+          </a:p>
+        </p:txBody>
+      </p:sp>
+    </p:spTree>
+    <p:extLst>
+      <p:ext uri="{BB962C8B-B14F-4D97-AF65-F5344CB8AC3E}">
+        <p14:creationId xmlns:p14="http://schemas.microsoft.com/office/powerpoint/2010/main" val="1895490728"/>
+      </p:ext>
+    </p:extLst>
+  </p:cSld>
+  <p:clrMapOvr>
+    <a:overrideClrMapping bg1="lt1" tx1="dk1" bg2="lt2" tx2="dk2" accent1="accent1" accent2="accent2" accent3="accent3" accent4="accent4" accent5="accent5" accent6="accent6" hlink="hlink" folHlink="folHlink"/>
+  </p:clrMapOvr>
+  <p:timing>
+    <p:tnLst>
+      <p:par>
+        <p:cTn id="1" dur="indefinite" restart="never" nodeType="tmRoot">
+          <p:childTnLst>
+            <p:seq concurrent="1" nextAc="seek">
+              <p:cTn id="2" dur="indefinite" nodeType="mainSeq">
+                <p:childTnLst>
+                  <p:par>
+                    <p:cTn id="3" fill="hold">
+                      <p:stCondLst>
+                        <p:cond delay="indefinite"/>
+                        <p:cond evt="onBegin" delay="0">
+                          <p:tn val="2"/>
+                        </p:cond>
+                      </p:stCondLst>
+                      <p:childTnLst>
+                        <p:par>
+                          <p:cTn id="4" fill="hold">
+                            <p:stCondLst>
+                              <p:cond delay="0"/>
+                            </p:stCondLst>
+                            <p:childTnLst>
+                              <p:par>
+                                <p:cTn id="5" presetID="10" presetClass="entr" presetSubtype="0" fill="hold" grpId="0" nodeType="withEffect">
+                                  <p:stCondLst>
+                                    <p:cond delay="1000"/>
+                                  </p:stCondLst>
+                                  <p:iterate type="lt">
+                                    <p:tmPct val="10000"/>
+                                  </p:iterate>
+                                  <p:childTnLst>
+                                    <p:set>
+                                      <p:cBhvr>
+                                        <p:cTn id="6" dur="1" fill="hold">
+                                          <p:stCondLst>
+                                            <p:cond delay="0"/>
+                                          </p:stCondLst>
+                                        </p:cTn>
+                                        <p:tgtEl>
+                                          <p:spTgt spid="2"/>
+                                        </p:tgtEl>
+                                        <p:attrNameLst>
+                                          <p:attrName>style.visibility</p:attrName>
+                                        </p:attrNameLst>
+                                      </p:cBhvr>
+                                      <p:to>
+                                        <p:strVal val="visible"/>
+                                      </p:to>
+                                    </p:set>
+                                    <p:animEffect transition="in" filter="fade">
+                                      <p:cBhvr>
+                                        <p:cTn id="7" dur="400"/>
+                                        <p:tgtEl>
+                                          <p:spTgt spid="2"/>
+                                        </p:tgtEl>
+                                      </p:cBhvr>
+                                    </p:animEffect>
+                                  </p:childTnLst>
+                                </p:cTn>
+                              </p:par>
+                            </p:childTnLst>
+                          </p:cTn>
+                        </p:par>
+                      </p:childTnLst>
+                    </p:cTn>
+                  </p:par>
+                </p:childTnLst>
+              </p:cTn>
+              <p:prevCondLst>
+                <p:cond evt="onPrev" delay="0">
+                  <p:tgtEl>
+                    <p:sldTgt/>
+                  </p:tgtEl>
+                </p:cond>
+              </p:prevCondLst>
+              <p:nextCondLst>
+                <p:cond evt="onNext" delay="0">
+                  <p:tgtEl>
+                    <p:sldTgt/>
+                  </p:tgtEl>
+                </p:cond>
+              </p:nextCondLst>
+            </p:seq>
+          </p:childTnLst>
+        </p:cTn>
+      </p:par>
+    </p:tnLst>
+    <p:bldLst>
+      <p:bldP spid="2" grpId="0"/>
+    </p:bldLst>
+  </p:timing>
+</p:sld>
+</file>
+
+<file path=ppt/slides/slide24.xml><?xml version="1.0" encoding="utf-8"?>
+<p:sld xmlns:a="http://schemas.openxmlformats.org/drawingml/2006/main" xmlns:r="http://schemas.openxmlformats.org/officeDocument/2006/relationships" xmlns:p="http://schemas.openxmlformats.org/presentationml/2006/main">
+  <p:cSld>
+    <p:bg>
+      <p:bgPr>
+        <a:solidFill>
+          <a:schemeClr val="bg1">
+            <a:tint val="95000"/>
+            <a:satMod val="170000"/>
+          </a:schemeClr>
+        </a:solidFill>
+        <a:effectLst/>
+      </p:bgPr>
+    </p:bg>
+    <p:spTree>
+      <p:nvGrpSpPr>
+        <p:cNvPr id="1" name=""/>
+        <p:cNvGrpSpPr/>
+        <p:nvPr/>
+      </p:nvGrpSpPr>
+      <p:grpSpPr>
+        <a:xfrm>
+          <a:off x="0" y="0"/>
+          <a:ext cx="0" cy="0"/>
+          <a:chOff x="0" y="0"/>
+          <a:chExt cx="0" cy="0"/>
+        </a:xfrm>
+      </p:grpSpPr>
+      <p:sp useBgFill="1">
+        <p:nvSpPr>
+          <p:cNvPr id="109" name="Rectangle 108">
+            <a:extLst>
+              <a:ext uri="{FF2B5EF4-FFF2-40B4-BE49-F238E27FC236}">
+                <a16:creationId xmlns:a16="http://schemas.microsoft.com/office/drawing/2014/main" id="{9B76D444-2756-434F-AE61-96D69830C13E}"/>
+              </a:ext>
+              <a:ext uri="{C183D7F6-B498-43B3-948B-1728B52AA6E4}">
+                <adec:decorative xmlns:adec="http://schemas.microsoft.com/office/drawing/2017/decorative" val="1"/>
+              </a:ext>
+            </a:extLst>
+          </p:cNvPr>
+          <p:cNvSpPr>
+            <a:spLocks noGrp="1" noRot="1" noChangeAspect="1" noMove="1" noResize="1" noEditPoints="1" noAdjustHandles="1" noChangeArrowheads="1" noChangeShapeType="1" noTextEdit="1"/>
+          </p:cNvSpPr>
+          <p:nvPr>
+            <p:extLst>
+              <p:ext uri="{386F3935-93C4-4BCD-93E2-E3B085C9AB24}">
+                <p16:designElem xmlns:p16="http://schemas.microsoft.com/office/powerpoint/2015/main" val="1"/>
+              </p:ext>
+            </p:extLst>
+          </p:nvPr>
+        </p:nvSpPr>
+        <p:spPr>
+          <a:xfrm>
+            <a:off x="0" y="0"/>
+            <a:ext cx="12188952" cy="6858000"/>
+          </a:xfrm>
+          <a:prstGeom prst="rect">
+            <a:avLst/>
+          </a:prstGeom>
+          <a:ln>
+            <a:noFill/>
+          </a:ln>
+        </p:spPr>
+        <p:style>
+          <a:lnRef idx="2">
+            <a:schemeClr val="accent1">
+              <a:shade val="50000"/>
+            </a:schemeClr>
+          </a:lnRef>
+          <a:fillRef idx="1">
+            <a:schemeClr val="accent1"/>
+          </a:fillRef>
+          <a:effectRef idx="0">
+            <a:schemeClr val="accent1"/>
+          </a:effectRef>
+          <a:fontRef idx="minor">
+            <a:schemeClr val="lt1"/>
+          </a:fontRef>
+        </p:style>
+        <p:txBody>
+          <a:bodyPr rtlCol="0" anchor="ctr"/>
+          <a:lstStyle/>
+          <a:p>
+            <a:pPr algn="ctr"/>
+            <a:endParaRPr lang="en-US"/>
+          </a:p>
+        </p:txBody>
+      </p:sp>
+      <p:pic>
+        <p:nvPicPr>
+          <p:cNvPr id="5" name="Picture 4" descr="Graphical user interface, text, application&#10;&#10;Description automatically generated">
+            <a:extLst>
+              <a:ext uri="{FF2B5EF4-FFF2-40B4-BE49-F238E27FC236}">
+                <a16:creationId xmlns:a16="http://schemas.microsoft.com/office/drawing/2014/main" id="{3B6C7BF8-3997-099D-AD51-5F49BAFDE23C}"/>
+              </a:ext>
+            </a:extLst>
+          </p:cNvPr>
+          <p:cNvPicPr>
+            <a:picLocks noChangeAspect="1"/>
+          </p:cNvPicPr>
+          <p:nvPr/>
+        </p:nvPicPr>
+        <p:blipFill rotWithShape="1">
+          <a:blip r:embed="rId2">
+            <a:extLst>
+              <a:ext uri="{28A0092B-C50C-407E-A947-70E740481C1C}">
+                <a14:useLocalDpi xmlns:a14="http://schemas.microsoft.com/office/drawing/2010/main" val="0"/>
+              </a:ext>
+            </a:extLst>
+          </a:blip>
+          <a:srcRect r="-1" b="16730"/>
+          <a:stretch/>
+        </p:blipFill>
+        <p:spPr>
+          <a:xfrm>
+            <a:off x="320040" y="320040"/>
+            <a:ext cx="11548872" cy="4303462"/>
+          </a:xfrm>
+          <a:prstGeom prst="rect">
+            <a:avLst/>
+          </a:prstGeom>
+        </p:spPr>
+      </p:pic>
+      <p:sp>
+        <p:nvSpPr>
+          <p:cNvPr id="111" name="Rectangle 110">
+            <a:extLst>
+              <a:ext uri="{FF2B5EF4-FFF2-40B4-BE49-F238E27FC236}">
+                <a16:creationId xmlns:a16="http://schemas.microsoft.com/office/drawing/2014/main" id="{A27B6159-7734-4564-9E0F-C4BC43C36E52}"/>
+              </a:ext>
+              <a:ext uri="{C183D7F6-B498-43B3-948B-1728B52AA6E4}">
+                <adec:decorative xmlns:adec="http://schemas.microsoft.com/office/drawing/2017/decorative" val="1"/>
+              </a:ext>
+            </a:extLst>
+          </p:cNvPr>
+          <p:cNvSpPr>
+            <a:spLocks noGrp="1" noRot="1" noChangeAspect="1" noMove="1" noResize="1" noEditPoints="1" noAdjustHandles="1" noChangeArrowheads="1" noChangeShapeType="1" noTextEdit="1"/>
+          </p:cNvSpPr>
+          <p:nvPr>
+            <p:extLst>
+              <p:ext uri="{386F3935-93C4-4BCD-93E2-E3B085C9AB24}">
+                <p16:designElem xmlns:p16="http://schemas.microsoft.com/office/powerpoint/2015/main" val="1"/>
+              </p:ext>
+            </p:extLst>
+          </p:nvPr>
+        </p:nvSpPr>
+        <p:spPr bwMode="ltGray">
+          <a:xfrm>
+            <a:off x="321564" y="4782312"/>
+            <a:ext cx="11548872" cy="1755648"/>
+          </a:xfrm>
+          <a:prstGeom prst="rect">
+            <a:avLst/>
+          </a:prstGeom>
+          <a:solidFill>
+            <a:schemeClr val="tx1">
+              <a:alpha val="93000"/>
+            </a:schemeClr>
+          </a:solidFill>
+          <a:ln w="127000" cap="sq" cmpd="thinThick">
+            <a:noFill/>
+          </a:ln>
+        </p:spPr>
+        <p:style>
+          <a:lnRef idx="2">
+            <a:schemeClr val="accent1">
+              <a:shade val="50000"/>
+            </a:schemeClr>
+          </a:lnRef>
+          <a:fillRef idx="1">
+            <a:schemeClr val="accent1"/>
+          </a:fillRef>
+          <a:effectRef idx="0">
+            <a:schemeClr val="accent1"/>
+          </a:effectRef>
+          <a:fontRef idx="minor">
+            <a:schemeClr val="lt1"/>
+          </a:fontRef>
+        </p:style>
+        <p:txBody>
+          <a:bodyPr rtlCol="0" anchor="ctr"/>
+          <a:lstStyle/>
+          <a:p>
+            <a:pPr marL="0" marR="0" lvl="0" indent="0" algn="ctr" defTabSz="914400" rtl="0" eaLnBrk="1" fontAlgn="auto" latinLnBrk="0" hangingPunct="1">
+              <a:lnSpc>
+                <a:spcPct val="100000"/>
+              </a:lnSpc>
+              <a:spcBef>
+                <a:spcPts val="0"/>
+              </a:spcBef>
+              <a:spcAft>
+                <a:spcPts val="0"/>
+              </a:spcAft>
+              <a:buClrTx/>
+              <a:buSzTx/>
+              <a:buFontTx/>
+              <a:buNone/>
+              <a:tabLst/>
+              <a:defRPr/>
+            </a:pPr>
+            <a:endParaRPr kumimoji="0" lang="en-US" sz="1800" b="0" i="0" u="none" strike="noStrike" kern="1200" cap="none" spc="0" normalizeH="0" baseline="0" noProof="0">
+              <a:ln>
+                <a:noFill/>
+              </a:ln>
+              <a:solidFill>
+                <a:prstClr val="white"/>
+              </a:solidFill>
+              <a:effectLst/>
+              <a:uLnTx/>
+              <a:uFillTx/>
+              <a:latin typeface="Calibri" panose="020F0502020204030204"/>
+              <a:ea typeface="+mn-ea"/>
+              <a:cs typeface="+mn-cs"/>
+            </a:endParaRPr>
+          </a:p>
+        </p:txBody>
+      </p:sp>
+      <p:sp>
+        <p:nvSpPr>
+          <p:cNvPr id="2" name="Title 1">
+            <a:extLst>
+              <a:ext uri="{FF2B5EF4-FFF2-40B4-BE49-F238E27FC236}">
+                <a16:creationId xmlns:a16="http://schemas.microsoft.com/office/drawing/2014/main" id="{25E8FA48-27FA-46BB-8ED7-936F48B12573}"/>
+              </a:ext>
+            </a:extLst>
+          </p:cNvPr>
+          <p:cNvSpPr>
+            <a:spLocks noGrp="1"/>
+          </p:cNvSpPr>
+          <p:nvPr>
+            <p:ph type="title"/>
+          </p:nvPr>
+        </p:nvSpPr>
+        <p:spPr>
+          <a:xfrm>
+            <a:off x="841248" y="5009083"/>
+            <a:ext cx="2889504" cy="1345997"/>
+          </a:xfrm>
+        </p:spPr>
+        <p:txBody>
+          <a:bodyPr vert="horz" lIns="91440" tIns="45720" rIns="91440" bIns="45720" rtlCol="0" anchor="ctr">
+            <a:normAutofit/>
+          </a:bodyPr>
+          <a:lstStyle/>
+          <a:p>
+            <a:r>
+              <a:rPr lang="en-US" sz="2600" b="1" kern="1200" dirty="0">
+                <a:solidFill>
+                  <a:schemeClr val="bg1"/>
+                </a:solidFill>
+                <a:latin typeface="+mj-lt"/>
+                <a:ea typeface="+mj-ea"/>
+                <a:cs typeface="+mj-cs"/>
+              </a:rPr>
+              <a:t>Candidate</a:t>
+            </a:r>
+            <a:br>
+              <a:rPr lang="en-US" sz="2600" b="1" kern="1200" dirty="0">
+                <a:solidFill>
+                  <a:schemeClr val="bg1"/>
+                </a:solidFill>
+                <a:latin typeface="+mj-lt"/>
+                <a:ea typeface="+mj-ea"/>
+                <a:cs typeface="+mj-cs"/>
+              </a:rPr>
+            </a:br>
+            <a:r>
+              <a:rPr lang="en-US" sz="2600" kern="1200" dirty="0">
+                <a:solidFill>
+                  <a:schemeClr val="bg1"/>
+                </a:solidFill>
+                <a:latin typeface="+mj-lt"/>
+                <a:ea typeface="+mj-ea"/>
+                <a:cs typeface="+mj-cs"/>
+              </a:rPr>
+              <a:t>Dashboard</a:t>
+            </a:r>
+          </a:p>
+        </p:txBody>
+      </p:sp>
+      <p:cxnSp>
+        <p:nvCxnSpPr>
+          <p:cNvPr id="113" name="Straight Connector 112">
+            <a:extLst>
+              <a:ext uri="{FF2B5EF4-FFF2-40B4-BE49-F238E27FC236}">
+                <a16:creationId xmlns:a16="http://schemas.microsoft.com/office/drawing/2014/main" id="{E2FFB46B-05BC-4950-B18A-9593FDAE6ED7}"/>
+              </a:ext>
+              <a:ext uri="{C183D7F6-B498-43B3-948B-1728B52AA6E4}">
+                <adec:decorative xmlns:adec="http://schemas.microsoft.com/office/drawing/2017/decorative" val="1"/>
+              </a:ext>
+            </a:extLst>
+          </p:cNvPr>
+          <p:cNvCxnSpPr>
+            <a:cxnSpLocks noGrp="1" noRot="1" noChangeAspect="1" noMove="1" noResize="1" noEditPoints="1" noAdjustHandles="1" noChangeArrowheads="1" noChangeShapeType="1"/>
+          </p:cNvCxnSpPr>
+          <p:nvPr>
+            <p:extLst>
+              <p:ext uri="{386F3935-93C4-4BCD-93E2-E3B085C9AB24}">
+                <p16:designElem xmlns:p16="http://schemas.microsoft.com/office/powerpoint/2015/main" val="1"/>
+              </p:ext>
+            </p:extLst>
+          </p:nvPr>
+        </p:nvCxnSpPr>
+        <p:spPr>
+          <a:xfrm flipV="1">
+            <a:off x="4059936" y="5237979"/>
+            <a:ext cx="0" cy="914400"/>
+          </a:xfrm>
+          <a:prstGeom prst="line">
+            <a:avLst/>
+          </a:prstGeom>
+          <a:ln w="19050">
+            <a:solidFill>
+              <a:schemeClr val="bg1">
+                <a:alpha val="80000"/>
+              </a:schemeClr>
+            </a:solidFill>
+          </a:ln>
+        </p:spPr>
+        <p:style>
+          <a:lnRef idx="1">
+            <a:schemeClr val="accent1"/>
+          </a:lnRef>
+          <a:fillRef idx="0">
+            <a:schemeClr val="accent1"/>
+          </a:fillRef>
+          <a:effectRef idx="0">
+            <a:schemeClr val="accent1"/>
+          </a:effectRef>
+          <a:fontRef idx="minor">
+            <a:schemeClr val="tx1"/>
+          </a:fontRef>
+        </p:style>
+      </p:cxnSp>
+      <p:sp>
+        <p:nvSpPr>
+          <p:cNvPr id="4" name="Content Placeholder 3">
+            <a:extLst>
+              <a:ext uri="{FF2B5EF4-FFF2-40B4-BE49-F238E27FC236}">
+                <a16:creationId xmlns:a16="http://schemas.microsoft.com/office/drawing/2014/main" id="{6687BE7B-454C-A3AE-8C92-88FF5ED25789}"/>
+              </a:ext>
+            </a:extLst>
+          </p:cNvPr>
+          <p:cNvSpPr>
+            <a:spLocks noGrp="1"/>
+          </p:cNvSpPr>
+          <p:nvPr>
+            <p:ph idx="1"/>
+          </p:nvPr>
+        </p:nvSpPr>
+        <p:spPr>
+          <a:xfrm>
+            <a:off x="4379976" y="5009083"/>
+            <a:ext cx="6976872" cy="1345997"/>
+          </a:xfrm>
+        </p:spPr>
+        <p:txBody>
+          <a:bodyPr anchor="ctr">
+            <a:normAutofit/>
+          </a:bodyPr>
+          <a:lstStyle/>
+          <a:p>
+            <a:pPr marL="228600" marR="0" lvl="0" indent="-228600" defTabSz="914400" rtl="0" eaLnBrk="1" fontAlgn="auto" latinLnBrk="0" hangingPunct="1">
+              <a:spcBef>
+                <a:spcPts val="1000"/>
+              </a:spcBef>
+              <a:spcAft>
+                <a:spcPts val="0"/>
+              </a:spcAft>
+              <a:buClrTx/>
+              <a:buSzTx/>
+              <a:buFont typeface="Arial" panose="020B0604020202020204" pitchFamily="34" charset="0"/>
+              <a:buChar char="•"/>
+              <a:tabLst/>
+              <a:defRPr/>
+            </a:pPr>
+            <a:r>
+              <a:rPr kumimoji="0" lang="en-US" sz="1700" b="0" i="0" u="none" strike="noStrike" kern="1200" cap="none" spc="0" normalizeH="0" baseline="0" noProof="0" dirty="0">
+                <a:ln>
+                  <a:noFill/>
+                </a:ln>
+                <a:solidFill>
+                  <a:schemeClr val="bg1"/>
+                </a:solidFill>
+                <a:effectLst/>
+                <a:uLnTx/>
+                <a:uFillTx/>
+                <a:latin typeface="Calibri" panose="020F0502020204030204"/>
+                <a:ea typeface="+mn-ea"/>
+                <a:cs typeface="+mn-cs"/>
+              </a:rPr>
+              <a:t>On the dashboard, the candidate can:</a:t>
+            </a:r>
+          </a:p>
+          <a:p>
+            <a:pPr marL="685800" marR="0" lvl="1" indent="-228600" defTabSz="914400" rtl="0" eaLnBrk="1" fontAlgn="auto" latinLnBrk="0" hangingPunct="1">
+              <a:spcBef>
+                <a:spcPts val="500"/>
+              </a:spcBef>
+              <a:spcAft>
+                <a:spcPts val="0"/>
+              </a:spcAft>
+              <a:buClrTx/>
+              <a:buSzTx/>
+              <a:buFont typeface="Arial" panose="020B0604020202020204" pitchFamily="34" charset="0"/>
+              <a:buChar char="•"/>
+              <a:tabLst/>
+              <a:defRPr/>
+            </a:pPr>
+            <a:r>
+              <a:rPr kumimoji="0" lang="en-US" sz="1700" b="0" i="0" u="none" strike="noStrike" kern="1200" cap="none" spc="0" normalizeH="0" baseline="0" noProof="0" dirty="0">
+                <a:ln>
+                  <a:noFill/>
+                </a:ln>
+                <a:solidFill>
+                  <a:schemeClr val="bg1"/>
+                </a:solidFill>
+                <a:effectLst/>
+                <a:uLnTx/>
+                <a:uFillTx/>
+                <a:latin typeface="Calibri" panose="020F0502020204030204"/>
+                <a:ea typeface="+mn-ea"/>
+                <a:cs typeface="+mn-cs"/>
+              </a:rPr>
+              <a:t>View their previous assessments scores</a:t>
+            </a:r>
+          </a:p>
+          <a:p>
+            <a:pPr marL="685800" marR="0" lvl="1" indent="-228600" defTabSz="914400" rtl="0" eaLnBrk="1" fontAlgn="auto" latinLnBrk="0" hangingPunct="1">
+              <a:spcBef>
+                <a:spcPts val="500"/>
+              </a:spcBef>
+              <a:spcAft>
+                <a:spcPts val="0"/>
+              </a:spcAft>
+              <a:buClrTx/>
+              <a:buSzTx/>
+              <a:buFont typeface="Arial" panose="020B0604020202020204" pitchFamily="34" charset="0"/>
+              <a:buChar char="•"/>
+              <a:tabLst/>
+              <a:defRPr/>
+            </a:pPr>
+            <a:r>
+              <a:rPr kumimoji="0" lang="en-US" sz="1700" b="0" i="0" u="none" strike="noStrike" kern="1200" cap="none" spc="0" normalizeH="0" baseline="0" noProof="0" dirty="0">
+                <a:ln>
+                  <a:noFill/>
+                </a:ln>
+                <a:solidFill>
+                  <a:schemeClr val="bg1"/>
+                </a:solidFill>
+                <a:effectLst/>
+                <a:uLnTx/>
+                <a:uFillTx/>
+                <a:latin typeface="Calibri" panose="020F0502020204030204"/>
+                <a:ea typeface="+mn-ea"/>
+                <a:cs typeface="+mn-cs"/>
+              </a:rPr>
+              <a:t>Take one of the available assessments </a:t>
+            </a:r>
+          </a:p>
+        </p:txBody>
+      </p:sp>
+    </p:spTree>
+    <p:extLst>
+      <p:ext uri="{BB962C8B-B14F-4D97-AF65-F5344CB8AC3E}">
+        <p14:creationId xmlns:p14="http://schemas.microsoft.com/office/powerpoint/2010/main" val="627129497"/>
+      </p:ext>
+    </p:extLst>
+  </p:cSld>
+  <p:clrMapOvr>
+    <a:overrideClrMapping bg1="dk1" tx1="lt1" bg2="dk2" tx2="lt2" accent1="accent1" accent2="accent2" accent3="accent3" accent4="accent4" accent5="accent5" accent6="accent6" hlink="hlink" folHlink="folHlink"/>
+  </p:clrMapOvr>
+  <p:timing>
+    <p:tnLst>
+      <p:par>
+        <p:cTn id="1" dur="indefinite" restart="never" nodeType="tmRoot">
+          <p:childTnLst>
+            <p:seq concurrent="1" nextAc="seek">
+              <p:cTn id="2" dur="indefinite" nodeType="mainSeq">
+                <p:childTnLst>
+                  <p:par>
+                    <p:cTn id="3" fill="hold">
+                      <p:stCondLst>
+                        <p:cond delay="indefinite"/>
+                        <p:cond evt="onBegin" delay="0">
+                          <p:tn val="2"/>
+                        </p:cond>
+                      </p:stCondLst>
+                      <p:childTnLst>
+                        <p:par>
+                          <p:cTn id="4" fill="hold">
+                            <p:stCondLst>
+                              <p:cond delay="0"/>
+                            </p:stCondLst>
+                            <p:childTnLst>
+                              <p:par>
+                                <p:cTn id="5" presetID="10" presetClass="entr" presetSubtype="0" fill="hold" grpId="0" nodeType="withEffect">
+                                  <p:stCondLst>
+                                    <p:cond delay="1000"/>
+                                  </p:stCondLst>
+                                  <p:iterate type="lt">
+                                    <p:tmPct val="10000"/>
+                                  </p:iterate>
+                                  <p:childTnLst>
+                                    <p:set>
+                                      <p:cBhvr>
+                                        <p:cTn id="6" dur="1" fill="hold">
+                                          <p:stCondLst>
+                                            <p:cond delay="0"/>
+                                          </p:stCondLst>
+                                        </p:cTn>
+                                        <p:tgtEl>
+                                          <p:spTgt spid="2"/>
+                                        </p:tgtEl>
+                                        <p:attrNameLst>
+                                          <p:attrName>style.visibility</p:attrName>
+                                        </p:attrNameLst>
+                                      </p:cBhvr>
+                                      <p:to>
+                                        <p:strVal val="visible"/>
+                                      </p:to>
+                                    </p:set>
+                                    <p:animEffect transition="in" filter="fade">
+                                      <p:cBhvr>
+                                        <p:cTn id="7" dur="400"/>
+                                        <p:tgtEl>
+                                          <p:spTgt spid="2"/>
+                                        </p:tgtEl>
+                                      </p:cBhvr>
+                                    </p:animEffect>
+                                  </p:childTnLst>
+                                </p:cTn>
+                              </p:par>
+                            </p:childTnLst>
+                          </p:cTn>
+                        </p:par>
+                      </p:childTnLst>
+                    </p:cTn>
+                  </p:par>
+                </p:childTnLst>
+              </p:cTn>
+              <p:prevCondLst>
+                <p:cond evt="onPrev" delay="0">
+                  <p:tgtEl>
+                    <p:sldTgt/>
+                  </p:tgtEl>
+                </p:cond>
+              </p:prevCondLst>
+              <p:nextCondLst>
+                <p:cond evt="onNext" delay="0">
+                  <p:tgtEl>
+                    <p:sldTgt/>
+                  </p:tgtEl>
+                </p:cond>
+              </p:nextCondLst>
+            </p:seq>
+          </p:childTnLst>
+        </p:cTn>
+      </p:par>
+    </p:tnLst>
+    <p:bldLst>
+      <p:bldP spid="2" grpId="0"/>
+    </p:bldLst>
+  </p:timing>
+</p:sld>
+</file>
+
+<file path=ppt/slides/slide25.xml><?xml version="1.0" encoding="utf-8"?>
+<p:sld xmlns:a="http://schemas.openxmlformats.org/drawingml/2006/main" xmlns:r="http://schemas.openxmlformats.org/officeDocument/2006/relationships" xmlns:p="http://schemas.openxmlformats.org/presentationml/2006/main">
+  <p:cSld>
+    <p:bg>
+      <p:bgPr>
+        <a:solidFill>
+          <a:schemeClr val="bg1">
+            <a:tint val="95000"/>
+            <a:satMod val="170000"/>
+          </a:schemeClr>
+        </a:solidFill>
+        <a:effectLst/>
+      </p:bgPr>
+    </p:bg>
+    <p:spTree>
+      <p:nvGrpSpPr>
+        <p:cNvPr id="1" name=""/>
+        <p:cNvGrpSpPr/>
+        <p:nvPr/>
+      </p:nvGrpSpPr>
+      <p:grpSpPr>
+        <a:xfrm>
+          <a:off x="0" y="0"/>
+          <a:ext cx="0" cy="0"/>
+          <a:chOff x="0" y="0"/>
+          <a:chExt cx="0" cy="0"/>
+        </a:xfrm>
+      </p:grpSpPr>
+      <p:sp useBgFill="1">
+        <p:nvSpPr>
           <p:cNvPr id="117" name="Rectangle 110">
             <a:extLst>
               <a:ext uri="{FF2B5EF4-FFF2-40B4-BE49-F238E27FC236}">
@@ -16264,7 +17654,7 @@
 </p:sld>
 </file>
 
-<file path=ppt/slides/slide23.xml><?xml version="1.0" encoding="utf-8"?>
+<file path=ppt/slides/slide26.xml><?xml version="1.0" encoding="utf-8"?>
 <p:sld xmlns:a="http://schemas.openxmlformats.org/drawingml/2006/main" xmlns:r="http://schemas.openxmlformats.org/officeDocument/2006/relationships" xmlns:p="http://schemas.openxmlformats.org/presentationml/2006/main">
   <p:cSld>
     <p:bg>
@@ -16646,1238 +18036,6 @@
   </p:cSld>
   <p:clrMapOvr>
     <a:overrideClrMapping bg1="dk1" tx1="lt1" bg2="dk2" tx2="lt2" accent1="accent1" accent2="accent2" accent3="accent3" accent4="accent4" accent5="accent5" accent6="accent6" hlink="hlink" folHlink="folHlink"/>
-  </p:clrMapOvr>
-  <p:timing>
-    <p:tnLst>
-      <p:par>
-        <p:cTn id="1" dur="indefinite" restart="never" nodeType="tmRoot">
-          <p:childTnLst>
-            <p:seq concurrent="1" nextAc="seek">
-              <p:cTn id="2" dur="indefinite" nodeType="mainSeq">
-                <p:childTnLst>
-                  <p:par>
-                    <p:cTn id="3" fill="hold">
-                      <p:stCondLst>
-                        <p:cond delay="indefinite"/>
-                        <p:cond evt="onBegin" delay="0">
-                          <p:tn val="2"/>
-                        </p:cond>
-                      </p:stCondLst>
-                      <p:childTnLst>
-                        <p:par>
-                          <p:cTn id="4" fill="hold">
-                            <p:stCondLst>
-                              <p:cond delay="0"/>
-                            </p:stCondLst>
-                            <p:childTnLst>
-                              <p:par>
-                                <p:cTn id="5" presetID="10" presetClass="entr" presetSubtype="0" fill="hold" grpId="0" nodeType="withEffect">
-                                  <p:stCondLst>
-                                    <p:cond delay="1000"/>
-                                  </p:stCondLst>
-                                  <p:iterate type="lt">
-                                    <p:tmPct val="10000"/>
-                                  </p:iterate>
-                                  <p:childTnLst>
-                                    <p:set>
-                                      <p:cBhvr>
-                                        <p:cTn id="6" dur="1" fill="hold">
-                                          <p:stCondLst>
-                                            <p:cond delay="0"/>
-                                          </p:stCondLst>
-                                        </p:cTn>
-                                        <p:tgtEl>
-                                          <p:spTgt spid="2"/>
-                                        </p:tgtEl>
-                                        <p:attrNameLst>
-                                          <p:attrName>style.visibility</p:attrName>
-                                        </p:attrNameLst>
-                                      </p:cBhvr>
-                                      <p:to>
-                                        <p:strVal val="visible"/>
-                                      </p:to>
-                                    </p:set>
-                                    <p:animEffect transition="in" filter="fade">
-                                      <p:cBhvr>
-                                        <p:cTn id="7" dur="400"/>
-                                        <p:tgtEl>
-                                          <p:spTgt spid="2"/>
-                                        </p:tgtEl>
-                                      </p:cBhvr>
-                                    </p:animEffect>
-                                  </p:childTnLst>
-                                </p:cTn>
-                              </p:par>
-                            </p:childTnLst>
-                          </p:cTn>
-                        </p:par>
-                      </p:childTnLst>
-                    </p:cTn>
-                  </p:par>
-                </p:childTnLst>
-              </p:cTn>
-              <p:prevCondLst>
-                <p:cond evt="onPrev" delay="0">
-                  <p:tgtEl>
-                    <p:sldTgt/>
-                  </p:tgtEl>
-                </p:cond>
-              </p:prevCondLst>
-              <p:nextCondLst>
-                <p:cond evt="onNext" delay="0">
-                  <p:tgtEl>
-                    <p:sldTgt/>
-                  </p:tgtEl>
-                </p:cond>
-              </p:nextCondLst>
-            </p:seq>
-          </p:childTnLst>
-        </p:cTn>
-      </p:par>
-    </p:tnLst>
-    <p:bldLst>
-      <p:bldP spid="2" grpId="0"/>
-    </p:bldLst>
-  </p:timing>
-</p:sld>
-</file>
-
-<file path=ppt/slides/slide24.xml><?xml version="1.0" encoding="utf-8"?>
-<p:sld xmlns:a="http://schemas.openxmlformats.org/drawingml/2006/main" xmlns:r="http://schemas.openxmlformats.org/officeDocument/2006/relationships" xmlns:p="http://schemas.openxmlformats.org/presentationml/2006/main">
-  <p:cSld>
-    <p:bg>
-      <p:bgPr>
-        <a:solidFill>
-          <a:schemeClr val="bg1"/>
-        </a:solidFill>
-        <a:effectLst/>
-      </p:bgPr>
-    </p:bg>
-    <p:spTree>
-      <p:nvGrpSpPr>
-        <p:cNvPr id="1" name=""/>
-        <p:cNvGrpSpPr/>
-        <p:nvPr/>
-      </p:nvGrpSpPr>
-      <p:grpSpPr>
-        <a:xfrm>
-          <a:off x="0" y="0"/>
-          <a:ext cx="0" cy="0"/>
-          <a:chOff x="0" y="0"/>
-          <a:chExt cx="0" cy="0"/>
-        </a:xfrm>
-      </p:grpSpPr>
-      <p:sp>
-        <p:nvSpPr>
-          <p:cNvPr id="137" name="Rectangle 119">
-            <a:extLst>
-              <a:ext uri="{FF2B5EF4-FFF2-40B4-BE49-F238E27FC236}">
-                <a16:creationId xmlns:a16="http://schemas.microsoft.com/office/drawing/2014/main" id="{C0B27210-D0CA-4654-B3E3-9ABB4F178EA1}"/>
-              </a:ext>
-              <a:ext uri="{C183D7F6-B498-43B3-948B-1728B52AA6E4}">
-                <adec:decorative xmlns:adec="http://schemas.microsoft.com/office/drawing/2017/decorative" val="1"/>
-              </a:ext>
-            </a:extLst>
-          </p:cNvPr>
-          <p:cNvSpPr>
-            <a:spLocks noGrp="1" noRot="1" noChangeAspect="1" noMove="1" noResize="1" noEditPoints="1" noAdjustHandles="1" noChangeArrowheads="1" noChangeShapeType="1" noTextEdit="1"/>
-          </p:cNvSpPr>
-          <p:nvPr>
-            <p:extLst>
-              <p:ext uri="{386F3935-93C4-4BCD-93E2-E3B085C9AB24}">
-                <p16:designElem xmlns:p16="http://schemas.microsoft.com/office/powerpoint/2015/main" val="1"/>
-              </p:ext>
-            </p:extLst>
-          </p:nvPr>
-        </p:nvSpPr>
-        <p:spPr>
-          <a:xfrm>
-            <a:off x="0" y="0"/>
-            <a:ext cx="12192000" cy="6858000"/>
-          </a:xfrm>
-          <a:prstGeom prst="rect">
-            <a:avLst/>
-          </a:prstGeom>
-          <a:solidFill>
-            <a:schemeClr val="tx1">
-              <a:lumMod val="75000"/>
-              <a:lumOff val="25000"/>
-            </a:schemeClr>
-          </a:solidFill>
-          <a:ln>
-            <a:noFill/>
-          </a:ln>
-        </p:spPr>
-        <p:style>
-          <a:lnRef idx="2">
-            <a:schemeClr val="accent1">
-              <a:shade val="50000"/>
-            </a:schemeClr>
-          </a:lnRef>
-          <a:fillRef idx="1">
-            <a:schemeClr val="accent1"/>
-          </a:fillRef>
-          <a:effectRef idx="0">
-            <a:schemeClr val="accent1"/>
-          </a:effectRef>
-          <a:fontRef idx="minor">
-            <a:schemeClr val="lt1"/>
-          </a:fontRef>
-        </p:style>
-        <p:txBody>
-          <a:bodyPr rtlCol="0" anchor="ctr"/>
-          <a:lstStyle/>
-          <a:p>
-            <a:pPr marL="0" marR="0" lvl="0" indent="0" algn="ctr" defTabSz="914400" rtl="0" eaLnBrk="1" fontAlgn="auto" latinLnBrk="0" hangingPunct="1">
-              <a:lnSpc>
-                <a:spcPct val="100000"/>
-              </a:lnSpc>
-              <a:spcBef>
-                <a:spcPts val="0"/>
-              </a:spcBef>
-              <a:spcAft>
-                <a:spcPts val="0"/>
-              </a:spcAft>
-              <a:buClrTx/>
-              <a:buSzTx/>
-              <a:buFontTx/>
-              <a:buNone/>
-              <a:tabLst/>
-              <a:defRPr/>
-            </a:pPr>
-            <a:endParaRPr kumimoji="0" lang="en-US" sz="1800" b="0" i="0" u="none" strike="noStrike" kern="1200" cap="none" spc="0" normalizeH="0" baseline="0" noProof="0">
-              <a:ln>
-                <a:noFill/>
-              </a:ln>
-              <a:solidFill>
-                <a:prstClr val="white"/>
-              </a:solidFill>
-              <a:effectLst/>
-              <a:uLnTx/>
-              <a:uFillTx/>
-              <a:latin typeface="Calibri" panose="020F0502020204030204"/>
-              <a:ea typeface="+mn-ea"/>
-              <a:cs typeface="+mn-cs"/>
-            </a:endParaRPr>
-          </a:p>
-        </p:txBody>
-      </p:sp>
-      <p:sp>
-        <p:nvSpPr>
-          <p:cNvPr id="2" name="Title 1">
-            <a:extLst>
-              <a:ext uri="{FF2B5EF4-FFF2-40B4-BE49-F238E27FC236}">
-                <a16:creationId xmlns:a16="http://schemas.microsoft.com/office/drawing/2014/main" id="{25E8FA48-27FA-46BB-8ED7-936F48B12573}"/>
-              </a:ext>
-            </a:extLst>
-          </p:cNvPr>
-          <p:cNvSpPr>
-            <a:spLocks noGrp="1"/>
-          </p:cNvSpPr>
-          <p:nvPr>
-            <p:ph type="title"/>
-          </p:nvPr>
-        </p:nvSpPr>
-        <p:spPr>
-          <a:xfrm>
-            <a:off x="6746628" y="1783959"/>
-            <a:ext cx="5025990" cy="2889114"/>
-          </a:xfrm>
-        </p:spPr>
-        <p:txBody>
-          <a:bodyPr vert="horz" lIns="91440" tIns="45720" rIns="91440" bIns="45720" rtlCol="0" anchor="b">
-            <a:normAutofit/>
-          </a:bodyPr>
-          <a:lstStyle/>
-          <a:p>
-            <a:r>
-              <a:rPr lang="en-US" sz="6000" b="1" dirty="0">
-                <a:solidFill>
-                  <a:schemeClr val="bg1"/>
-                </a:solidFill>
-              </a:rPr>
-              <a:t>Implementation for Selected Parts</a:t>
-            </a:r>
-            <a:endParaRPr lang="en-US" sz="6000" b="1" kern="1200" dirty="0">
-              <a:solidFill>
-                <a:schemeClr val="bg1"/>
-              </a:solidFill>
-              <a:latin typeface="+mj-lt"/>
-              <a:ea typeface="+mj-ea"/>
-              <a:cs typeface="+mj-cs"/>
-            </a:endParaRPr>
-          </a:p>
-        </p:txBody>
-      </p:sp>
-      <p:sp>
-        <p:nvSpPr>
-          <p:cNvPr id="138" name="Freeform: Shape 121">
-            <a:extLst>
-              <a:ext uri="{FF2B5EF4-FFF2-40B4-BE49-F238E27FC236}">
-                <a16:creationId xmlns:a16="http://schemas.microsoft.com/office/drawing/2014/main" id="{1DB7C82F-AB7E-4F0C-B829-FA1B9C415180}"/>
-              </a:ext>
-              <a:ext uri="{C183D7F6-B498-43B3-948B-1728B52AA6E4}">
-                <adec:decorative xmlns:adec="http://schemas.microsoft.com/office/drawing/2017/decorative" val="1"/>
-              </a:ext>
-            </a:extLst>
-          </p:cNvPr>
-          <p:cNvSpPr>
-            <a:spLocks noGrp="1" noRot="1" noChangeAspect="1" noMove="1" noResize="1" noEditPoints="1" noAdjustHandles="1" noChangeArrowheads="1" noChangeShapeType="1" noTextEdit="1"/>
-          </p:cNvSpPr>
-          <p:nvPr>
-            <p:extLst>
-              <p:ext uri="{386F3935-93C4-4BCD-93E2-E3B085C9AB24}">
-                <p16:designElem xmlns:p16="http://schemas.microsoft.com/office/powerpoint/2015/main" val="1"/>
-              </p:ext>
-            </p:extLst>
-          </p:nvPr>
-        </p:nvSpPr>
-        <p:spPr>
-          <a:xfrm flipH="1">
-            <a:off x="0" y="0"/>
-            <a:ext cx="6172782" cy="6858000"/>
-          </a:xfrm>
-          <a:custGeom>
-            <a:avLst/>
-            <a:gdLst>
-              <a:gd name="connsiteX0" fmla="*/ 6172782 w 6172782"/>
-              <a:gd name="connsiteY0" fmla="*/ 0 h 6858000"/>
-              <a:gd name="connsiteX1" fmla="*/ 69075 w 6172782"/>
-              <a:gd name="connsiteY1" fmla="*/ 0 h 6858000"/>
-              <a:gd name="connsiteX2" fmla="*/ 35131 w 6172782"/>
-              <a:gd name="connsiteY2" fmla="*/ 267128 h 6858000"/>
-              <a:gd name="connsiteX3" fmla="*/ 0 w 6172782"/>
-              <a:gd name="connsiteY3" fmla="*/ 962845 h 6858000"/>
-              <a:gd name="connsiteX4" fmla="*/ 3276103 w 6172782"/>
-              <a:gd name="connsiteY4" fmla="*/ 6782205 h 6858000"/>
-              <a:gd name="connsiteX5" fmla="*/ 3407923 w 6172782"/>
-              <a:gd name="connsiteY5" fmla="*/ 6858000 h 6858000"/>
-              <a:gd name="connsiteX6" fmla="*/ 6172782 w 6172782"/>
-              <a:gd name="connsiteY6" fmla="*/ 6858000 h 6858000"/>
-            </a:gdLst>
-            <a:ahLst/>
-            <a:cxnLst>
-              <a:cxn ang="0">
-                <a:pos x="connsiteX0" y="connsiteY0"/>
-              </a:cxn>
-              <a:cxn ang="0">
-                <a:pos x="connsiteX1" y="connsiteY1"/>
-              </a:cxn>
-              <a:cxn ang="0">
-                <a:pos x="connsiteX2" y="connsiteY2"/>
-              </a:cxn>
-              <a:cxn ang="0">
-                <a:pos x="connsiteX3" y="connsiteY3"/>
-              </a:cxn>
-              <a:cxn ang="0">
-                <a:pos x="connsiteX4" y="connsiteY4"/>
-              </a:cxn>
-              <a:cxn ang="0">
-                <a:pos x="connsiteX5" y="connsiteY5"/>
-              </a:cxn>
-              <a:cxn ang="0">
-                <a:pos x="connsiteX6" y="connsiteY6"/>
-              </a:cxn>
-            </a:cxnLst>
-            <a:rect l="l" t="t" r="r" b="b"/>
-            <a:pathLst>
-              <a:path w="6172782" h="6858000">
-                <a:moveTo>
-                  <a:pt x="6172782" y="0"/>
-                </a:moveTo>
-                <a:lnTo>
-                  <a:pt x="69075" y="0"/>
-                </a:lnTo>
-                <a:lnTo>
-                  <a:pt x="35131" y="267128"/>
-                </a:lnTo>
-                <a:cubicBezTo>
-                  <a:pt x="11901" y="495874"/>
-                  <a:pt x="0" y="727970"/>
-                  <a:pt x="0" y="962845"/>
-                </a:cubicBezTo>
-                <a:cubicBezTo>
-                  <a:pt x="0" y="3429034"/>
-                  <a:pt x="1312002" y="5588789"/>
-                  <a:pt x="3276103" y="6782205"/>
-                </a:cubicBezTo>
-                <a:lnTo>
-                  <a:pt x="3407923" y="6858000"/>
-                </a:lnTo>
-                <a:lnTo>
-                  <a:pt x="6172782" y="6858000"/>
-                </a:lnTo>
-                <a:close/>
-              </a:path>
-            </a:pathLst>
-          </a:custGeom>
-          <a:solidFill>
-            <a:schemeClr val="bg1">
-              <a:alpha val="80000"/>
-            </a:schemeClr>
-          </a:solidFill>
-          <a:ln>
-            <a:noFill/>
-          </a:ln>
-        </p:spPr>
-        <p:style>
-          <a:lnRef idx="2">
-            <a:schemeClr val="accent1">
-              <a:shade val="50000"/>
-            </a:schemeClr>
-          </a:lnRef>
-          <a:fillRef idx="1">
-            <a:schemeClr val="accent1"/>
-          </a:fillRef>
-          <a:effectRef idx="0">
-            <a:schemeClr val="accent1"/>
-          </a:effectRef>
-          <a:fontRef idx="minor">
-            <a:schemeClr val="lt1"/>
-          </a:fontRef>
-        </p:style>
-        <p:txBody>
-          <a:bodyPr wrap="square" rtlCol="0" anchor="ctr">
-            <a:noAutofit/>
-          </a:bodyPr>
-          <a:lstStyle/>
-          <a:p>
-            <a:pPr marL="0" marR="0" lvl="0" indent="0" algn="ctr" defTabSz="914400" rtl="0" eaLnBrk="1" fontAlgn="auto" latinLnBrk="0" hangingPunct="1">
-              <a:lnSpc>
-                <a:spcPct val="100000"/>
-              </a:lnSpc>
-              <a:spcBef>
-                <a:spcPts val="0"/>
-              </a:spcBef>
-              <a:spcAft>
-                <a:spcPts val="0"/>
-              </a:spcAft>
-              <a:buClrTx/>
-              <a:buSzTx/>
-              <a:buFontTx/>
-              <a:buNone/>
-              <a:tabLst/>
-              <a:defRPr/>
-            </a:pPr>
-            <a:endParaRPr kumimoji="0" lang="en-US" sz="1800" b="0" i="0" u="none" strike="noStrike" kern="1200" cap="none" spc="0" normalizeH="0" baseline="0" noProof="0">
-              <a:ln>
-                <a:noFill/>
-              </a:ln>
-              <a:solidFill>
-                <a:prstClr val="white"/>
-              </a:solidFill>
-              <a:effectLst/>
-              <a:uLnTx/>
-              <a:uFillTx/>
-              <a:latin typeface="Calibri" panose="020F0502020204030204"/>
-              <a:ea typeface="+mn-ea"/>
-              <a:cs typeface="+mn-cs"/>
-            </a:endParaRPr>
-          </a:p>
-        </p:txBody>
-      </p:sp>
-      <p:sp>
-        <p:nvSpPr>
-          <p:cNvPr id="139" name="Freeform: Shape 123">
-            <a:extLst>
-              <a:ext uri="{FF2B5EF4-FFF2-40B4-BE49-F238E27FC236}">
-                <a16:creationId xmlns:a16="http://schemas.microsoft.com/office/drawing/2014/main" id="{70B66945-4967-4040-926D-DCA44313CDAB}"/>
-              </a:ext>
-              <a:ext uri="{C183D7F6-B498-43B3-948B-1728B52AA6E4}">
-                <adec:decorative xmlns:adec="http://schemas.microsoft.com/office/drawing/2017/decorative" val="1"/>
-              </a:ext>
-            </a:extLst>
-          </p:cNvPr>
-          <p:cNvSpPr>
-            <a:spLocks noGrp="1" noRot="1" noChangeAspect="1" noMove="1" noResize="1" noEditPoints="1" noAdjustHandles="1" noChangeArrowheads="1" noChangeShapeType="1" noTextEdit="1"/>
-          </p:cNvSpPr>
-          <p:nvPr>
-            <p:extLst>
-              <p:ext uri="{386F3935-93C4-4BCD-93E2-E3B085C9AB24}">
-                <p16:designElem xmlns:p16="http://schemas.microsoft.com/office/powerpoint/2015/main" val="1"/>
-              </p:ext>
-            </p:extLst>
-          </p:nvPr>
-        </p:nvSpPr>
-        <p:spPr>
-          <a:xfrm>
-            <a:off x="0" y="0"/>
-            <a:ext cx="6024154" cy="6858000"/>
-          </a:xfrm>
-          <a:custGeom>
-            <a:avLst/>
-            <a:gdLst>
-              <a:gd name="connsiteX0" fmla="*/ 0 w 6024154"/>
-              <a:gd name="connsiteY0" fmla="*/ 0 h 6858000"/>
-              <a:gd name="connsiteX1" fmla="*/ 5953780 w 6024154"/>
-              <a:gd name="connsiteY1" fmla="*/ 0 h 6858000"/>
-              <a:gd name="connsiteX2" fmla="*/ 5989880 w 6024154"/>
-              <a:gd name="connsiteY2" fmla="*/ 284091 h 6858000"/>
-              <a:gd name="connsiteX3" fmla="*/ 6024154 w 6024154"/>
-              <a:gd name="connsiteY3" fmla="*/ 962844 h 6858000"/>
-              <a:gd name="connsiteX4" fmla="*/ 2549934 w 6024154"/>
-              <a:gd name="connsiteY4" fmla="*/ 6800152 h 6858000"/>
-              <a:gd name="connsiteX5" fmla="*/ 2436987 w 6024154"/>
-              <a:gd name="connsiteY5" fmla="*/ 6858000 h 6858000"/>
-              <a:gd name="connsiteX6" fmla="*/ 0 w 6024154"/>
-              <a:gd name="connsiteY6" fmla="*/ 6858000 h 6858000"/>
-            </a:gdLst>
-            <a:ahLst/>
-            <a:cxnLst>
-              <a:cxn ang="0">
-                <a:pos x="connsiteX0" y="connsiteY0"/>
-              </a:cxn>
-              <a:cxn ang="0">
-                <a:pos x="connsiteX1" y="connsiteY1"/>
-              </a:cxn>
-              <a:cxn ang="0">
-                <a:pos x="connsiteX2" y="connsiteY2"/>
-              </a:cxn>
-              <a:cxn ang="0">
-                <a:pos x="connsiteX3" y="connsiteY3"/>
-              </a:cxn>
-              <a:cxn ang="0">
-                <a:pos x="connsiteX4" y="connsiteY4"/>
-              </a:cxn>
-              <a:cxn ang="0">
-                <a:pos x="connsiteX5" y="connsiteY5"/>
-              </a:cxn>
-              <a:cxn ang="0">
-                <a:pos x="connsiteX6" y="connsiteY6"/>
-              </a:cxn>
-            </a:cxnLst>
-            <a:rect l="l" t="t" r="r" b="b"/>
-            <a:pathLst>
-              <a:path w="6024154" h="6858000">
-                <a:moveTo>
-                  <a:pt x="0" y="0"/>
-                </a:moveTo>
-                <a:lnTo>
-                  <a:pt x="5953780" y="0"/>
-                </a:lnTo>
-                <a:lnTo>
-                  <a:pt x="5989880" y="284091"/>
-                </a:lnTo>
-                <a:cubicBezTo>
-                  <a:pt x="6012544" y="507260"/>
-                  <a:pt x="6024154" y="733696"/>
-                  <a:pt x="6024154" y="962844"/>
-                </a:cubicBezTo>
-                <a:cubicBezTo>
-                  <a:pt x="6024154" y="3483472"/>
-                  <a:pt x="4619336" y="5675986"/>
-                  <a:pt x="2549934" y="6800152"/>
-                </a:cubicBezTo>
-                <a:lnTo>
-                  <a:pt x="2436987" y="6858000"/>
-                </a:lnTo>
-                <a:lnTo>
-                  <a:pt x="0" y="6858000"/>
-                </a:lnTo>
-                <a:close/>
-              </a:path>
-            </a:pathLst>
-          </a:custGeom>
-          <a:solidFill>
-            <a:schemeClr val="bg1"/>
-          </a:solidFill>
-          <a:ln>
-            <a:noFill/>
-          </a:ln>
-        </p:spPr>
-        <p:style>
-          <a:lnRef idx="2">
-            <a:schemeClr val="accent1">
-              <a:shade val="50000"/>
-            </a:schemeClr>
-          </a:lnRef>
-          <a:fillRef idx="1">
-            <a:schemeClr val="accent1"/>
-          </a:fillRef>
-          <a:effectRef idx="0">
-            <a:schemeClr val="accent1"/>
-          </a:effectRef>
-          <a:fontRef idx="minor">
-            <a:schemeClr val="lt1"/>
-          </a:fontRef>
-        </p:style>
-        <p:txBody>
-          <a:bodyPr wrap="square" rtlCol="0" anchor="ctr">
-            <a:noAutofit/>
-          </a:bodyPr>
-          <a:lstStyle/>
-          <a:p>
-            <a:pPr marL="0" marR="0" lvl="0" indent="0" algn="ctr" defTabSz="914400" rtl="0" eaLnBrk="1" fontAlgn="auto" latinLnBrk="0" hangingPunct="1">
-              <a:lnSpc>
-                <a:spcPct val="100000"/>
-              </a:lnSpc>
-              <a:spcBef>
-                <a:spcPts val="0"/>
-              </a:spcBef>
-              <a:spcAft>
-                <a:spcPts val="0"/>
-              </a:spcAft>
-              <a:buClrTx/>
-              <a:buSzTx/>
-              <a:buFontTx/>
-              <a:buNone/>
-              <a:tabLst/>
-              <a:defRPr/>
-            </a:pPr>
-            <a:endParaRPr kumimoji="0" lang="en-US" sz="1800" b="0" i="0" u="none" strike="noStrike" kern="1200" cap="none" spc="0" normalizeH="0" baseline="0" noProof="0">
-              <a:ln>
-                <a:noFill/>
-              </a:ln>
-              <a:solidFill>
-                <a:prstClr val="white"/>
-              </a:solidFill>
-              <a:effectLst/>
-              <a:uLnTx/>
-              <a:uFillTx/>
-              <a:latin typeface="Calibri" panose="020F0502020204030204"/>
-              <a:ea typeface="+mn-ea"/>
-              <a:cs typeface="+mn-cs"/>
-            </a:endParaRPr>
-          </a:p>
-        </p:txBody>
-      </p:sp>
-      <p:pic>
-        <p:nvPicPr>
-          <p:cNvPr id="6" name="Grafik 39" descr="Gears">
-            <a:extLst>
-              <a:ext uri="{FF2B5EF4-FFF2-40B4-BE49-F238E27FC236}">
-                <a16:creationId xmlns:a16="http://schemas.microsoft.com/office/drawing/2014/main" id="{CC8E2C7A-5E9A-E701-E95A-751357B5527D}"/>
-              </a:ext>
-            </a:extLst>
-          </p:cNvPr>
-          <p:cNvPicPr>
-            <a:picLocks noChangeAspect="1"/>
-          </p:cNvPicPr>
-          <p:nvPr/>
-        </p:nvPicPr>
-        <p:blipFill>
-          <a:blip r:embed="rId2">
-            <a:extLst>
-              <a:ext uri="{28A0092B-C50C-407E-A947-70E740481C1C}">
-                <a14:useLocalDpi xmlns:a14="http://schemas.microsoft.com/office/drawing/2010/main" val="0"/>
-              </a:ext>
-              <a:ext uri="{96DAC541-7B7A-43D3-8B79-37D633B846F1}">
-                <asvg:svgBlip xmlns:asvg="http://schemas.microsoft.com/office/drawing/2016/SVG/main" r:embed="rId3"/>
-              </a:ext>
-            </a:extLst>
-          </a:blip>
-          <a:stretch>
-            <a:fillRect/>
-          </a:stretch>
-        </p:blipFill>
-        <p:spPr>
-          <a:xfrm>
-            <a:off x="419382" y="720993"/>
-            <a:ext cx="4047843" cy="4047843"/>
-          </a:xfrm>
-          <a:prstGeom prst="rect">
-            <a:avLst/>
-          </a:prstGeom>
-        </p:spPr>
-      </p:pic>
-    </p:spTree>
-    <p:extLst>
-      <p:ext uri="{BB962C8B-B14F-4D97-AF65-F5344CB8AC3E}">
-        <p14:creationId xmlns:p14="http://schemas.microsoft.com/office/powerpoint/2010/main" val="4110318104"/>
-      </p:ext>
-    </p:extLst>
-  </p:cSld>
-  <p:clrMapOvr>
-    <a:overrideClrMapping bg1="lt1" tx1="dk1" bg2="lt2" tx2="dk2" accent1="accent1" accent2="accent2" accent3="accent3" accent4="accent4" accent5="accent5" accent6="accent6" hlink="hlink" folHlink="folHlink"/>
-  </p:clrMapOvr>
-  <p:timing>
-    <p:tnLst>
-      <p:par>
-        <p:cTn id="1" dur="indefinite" restart="never" nodeType="tmRoot">
-          <p:childTnLst>
-            <p:seq concurrent="1" nextAc="seek">
-              <p:cTn id="2" dur="indefinite" nodeType="mainSeq">
-                <p:childTnLst>
-                  <p:par>
-                    <p:cTn id="3" fill="hold">
-                      <p:stCondLst>
-                        <p:cond delay="indefinite"/>
-                        <p:cond evt="onBegin" delay="0">
-                          <p:tn val="2"/>
-                        </p:cond>
-                      </p:stCondLst>
-                      <p:childTnLst>
-                        <p:par>
-                          <p:cTn id="4" fill="hold">
-                            <p:stCondLst>
-                              <p:cond delay="0"/>
-                            </p:stCondLst>
-                            <p:childTnLst>
-                              <p:par>
-                                <p:cTn id="5" presetID="10" presetClass="entr" presetSubtype="0" fill="hold" grpId="0" nodeType="withEffect">
-                                  <p:stCondLst>
-                                    <p:cond delay="1000"/>
-                                  </p:stCondLst>
-                                  <p:iterate type="lt">
-                                    <p:tmPct val="10000"/>
-                                  </p:iterate>
-                                  <p:childTnLst>
-                                    <p:set>
-                                      <p:cBhvr>
-                                        <p:cTn id="6" dur="1" fill="hold">
-                                          <p:stCondLst>
-                                            <p:cond delay="0"/>
-                                          </p:stCondLst>
-                                        </p:cTn>
-                                        <p:tgtEl>
-                                          <p:spTgt spid="2"/>
-                                        </p:tgtEl>
-                                        <p:attrNameLst>
-                                          <p:attrName>style.visibility</p:attrName>
-                                        </p:attrNameLst>
-                                      </p:cBhvr>
-                                      <p:to>
-                                        <p:strVal val="visible"/>
-                                      </p:to>
-                                    </p:set>
-                                    <p:animEffect transition="in" filter="fade">
-                                      <p:cBhvr>
-                                        <p:cTn id="7" dur="400"/>
-                                        <p:tgtEl>
-                                          <p:spTgt spid="2"/>
-                                        </p:tgtEl>
-                                      </p:cBhvr>
-                                    </p:animEffect>
-                                  </p:childTnLst>
-                                </p:cTn>
-                              </p:par>
-                            </p:childTnLst>
-                          </p:cTn>
-                        </p:par>
-                      </p:childTnLst>
-                    </p:cTn>
-                  </p:par>
-                </p:childTnLst>
-              </p:cTn>
-              <p:prevCondLst>
-                <p:cond evt="onPrev" delay="0">
-                  <p:tgtEl>
-                    <p:sldTgt/>
-                  </p:tgtEl>
-                </p:cond>
-              </p:prevCondLst>
-              <p:nextCondLst>
-                <p:cond evt="onNext" delay="0">
-                  <p:tgtEl>
-                    <p:sldTgt/>
-                  </p:tgtEl>
-                </p:cond>
-              </p:nextCondLst>
-            </p:seq>
-          </p:childTnLst>
-        </p:cTn>
-      </p:par>
-    </p:tnLst>
-    <p:bldLst>
-      <p:bldP spid="2" grpId="0"/>
-    </p:bldLst>
-  </p:timing>
-</p:sld>
-</file>
-
-<file path=ppt/slides/slide25.xml><?xml version="1.0" encoding="utf-8"?>
-<p:sld xmlns:a="http://schemas.openxmlformats.org/drawingml/2006/main" xmlns:r="http://schemas.openxmlformats.org/officeDocument/2006/relationships" xmlns:p="http://schemas.openxmlformats.org/presentationml/2006/main">
-  <p:cSld>
-    <p:bg>
-      <p:bgPr>
-        <a:solidFill>
-          <a:schemeClr val="bg1"/>
-        </a:solidFill>
-        <a:effectLst/>
-      </p:bgPr>
-    </p:bg>
-    <p:spTree>
-      <p:nvGrpSpPr>
-        <p:cNvPr id="1" name=""/>
-        <p:cNvGrpSpPr/>
-        <p:nvPr/>
-      </p:nvGrpSpPr>
-      <p:grpSpPr>
-        <a:xfrm>
-          <a:off x="0" y="0"/>
-          <a:ext cx="0" cy="0"/>
-          <a:chOff x="0" y="0"/>
-          <a:chExt cx="0" cy="0"/>
-        </a:xfrm>
-      </p:grpSpPr>
-      <p:sp useBgFill="1">
-        <p:nvSpPr>
-          <p:cNvPr id="91" name="Rectangle 90">
-            <a:extLst>
-              <a:ext uri="{FF2B5EF4-FFF2-40B4-BE49-F238E27FC236}">
-                <a16:creationId xmlns:a16="http://schemas.microsoft.com/office/drawing/2014/main" id="{C7FA33FF-088D-4F16-95A2-2C64D353DEA8}"/>
-              </a:ext>
-              <a:ext uri="{C183D7F6-B498-43B3-948B-1728B52AA6E4}">
-                <adec:decorative xmlns:adec="http://schemas.microsoft.com/office/drawing/2017/decorative" val="1"/>
-              </a:ext>
-            </a:extLst>
-          </p:cNvPr>
-          <p:cNvSpPr>
-            <a:spLocks noGrp="1" noRot="1" noChangeAspect="1" noMove="1" noResize="1" noEditPoints="1" noAdjustHandles="1" noChangeArrowheads="1" noChangeShapeType="1" noTextEdit="1"/>
-          </p:cNvSpPr>
-          <p:nvPr>
-            <p:extLst>
-              <p:ext uri="{386F3935-93C4-4BCD-93E2-E3B085C9AB24}">
-                <p16:designElem xmlns:p16="http://schemas.microsoft.com/office/powerpoint/2015/main" val="1"/>
-              </p:ext>
-            </p:extLst>
-          </p:nvPr>
-        </p:nvSpPr>
-        <p:spPr>
-          <a:xfrm>
-            <a:off x="1524" y="0"/>
-            <a:ext cx="12188952" cy="6858000"/>
-          </a:xfrm>
-          <a:prstGeom prst="rect">
-            <a:avLst/>
-          </a:prstGeom>
-          <a:ln>
-            <a:noFill/>
-          </a:ln>
-        </p:spPr>
-        <p:style>
-          <a:lnRef idx="2">
-            <a:schemeClr val="accent1">
-              <a:shade val="50000"/>
-            </a:schemeClr>
-          </a:lnRef>
-          <a:fillRef idx="1">
-            <a:schemeClr val="accent1"/>
-          </a:fillRef>
-          <a:effectRef idx="0">
-            <a:schemeClr val="accent1"/>
-          </a:effectRef>
-          <a:fontRef idx="minor">
-            <a:schemeClr val="lt1"/>
-          </a:fontRef>
-        </p:style>
-        <p:txBody>
-          <a:bodyPr rtlCol="0" anchor="ctr"/>
-          <a:lstStyle/>
-          <a:p>
-            <a:pPr marL="0" marR="0" lvl="0" indent="0" algn="ctr" defTabSz="914400" rtl="0" eaLnBrk="1" fontAlgn="auto" latinLnBrk="0" hangingPunct="1">
-              <a:lnSpc>
-                <a:spcPct val="100000"/>
-              </a:lnSpc>
-              <a:spcBef>
-                <a:spcPts val="0"/>
-              </a:spcBef>
-              <a:spcAft>
-                <a:spcPts val="0"/>
-              </a:spcAft>
-              <a:buClrTx/>
-              <a:buSzTx/>
-              <a:buFontTx/>
-              <a:buNone/>
-              <a:tabLst/>
-              <a:defRPr/>
-            </a:pPr>
-            <a:endParaRPr kumimoji="0" lang="en-US" sz="1800" b="0" i="0" u="none" strike="noStrike" kern="1200" cap="none" spc="0" normalizeH="0" baseline="0" noProof="0">
-              <a:ln>
-                <a:noFill/>
-              </a:ln>
-              <a:solidFill>
-                <a:prstClr val="white"/>
-              </a:solidFill>
-              <a:effectLst/>
-              <a:uLnTx/>
-              <a:uFillTx/>
-              <a:latin typeface="Calibri" panose="020F0502020204030204"/>
-              <a:ea typeface="+mn-ea"/>
-              <a:cs typeface="+mn-cs"/>
-            </a:endParaRPr>
-          </a:p>
-        </p:txBody>
-      </p:sp>
-      <p:sp>
-        <p:nvSpPr>
-          <p:cNvPr id="93" name="Rectangle 92">
-            <a:extLst>
-              <a:ext uri="{FF2B5EF4-FFF2-40B4-BE49-F238E27FC236}">
-                <a16:creationId xmlns:a16="http://schemas.microsoft.com/office/drawing/2014/main" id="{A376EFB1-01CF-419F-ABF1-2AF02BBFCBD1}"/>
-              </a:ext>
-              <a:ext uri="{C183D7F6-B498-43B3-948B-1728B52AA6E4}">
-                <adec:decorative xmlns:adec="http://schemas.microsoft.com/office/drawing/2017/decorative" val="1"/>
-              </a:ext>
-            </a:extLst>
-          </p:cNvPr>
-          <p:cNvSpPr>
-            <a:spLocks noGrp="1" noRot="1" noChangeAspect="1" noMove="1" noResize="1" noEditPoints="1" noAdjustHandles="1" noChangeArrowheads="1" noChangeShapeType="1" noTextEdit="1"/>
-          </p:cNvSpPr>
-          <p:nvPr>
-            <p:extLst>
-              <p:ext uri="{386F3935-93C4-4BCD-93E2-E3B085C9AB24}">
-                <p16:designElem xmlns:p16="http://schemas.microsoft.com/office/powerpoint/2015/main" val="1"/>
-              </p:ext>
-            </p:extLst>
-          </p:nvPr>
-        </p:nvSpPr>
-        <p:spPr>
-          <a:xfrm>
-            <a:off x="0" y="0"/>
-            <a:ext cx="4709160" cy="6858000"/>
-          </a:xfrm>
-          <a:prstGeom prst="rect">
-            <a:avLst/>
-          </a:prstGeom>
-          <a:solidFill>
-            <a:schemeClr val="tx1">
-              <a:alpha val="81000"/>
-            </a:schemeClr>
-          </a:solidFill>
-          <a:ln>
-            <a:noFill/>
-          </a:ln>
-        </p:spPr>
-        <p:style>
-          <a:lnRef idx="2">
-            <a:schemeClr val="accent1">
-              <a:shade val="50000"/>
-            </a:schemeClr>
-          </a:lnRef>
-          <a:fillRef idx="1">
-            <a:schemeClr val="accent1"/>
-          </a:fillRef>
-          <a:effectRef idx="0">
-            <a:schemeClr val="accent1"/>
-          </a:effectRef>
-          <a:fontRef idx="minor">
-            <a:schemeClr val="lt1"/>
-          </a:fontRef>
-        </p:style>
-        <p:txBody>
-          <a:bodyPr rtlCol="0" anchor="ctr"/>
-          <a:lstStyle/>
-          <a:p>
-            <a:pPr marL="0" marR="0" lvl="0" indent="0" algn="ctr" defTabSz="914400" rtl="0" eaLnBrk="1" fontAlgn="auto" latinLnBrk="0" hangingPunct="1">
-              <a:lnSpc>
-                <a:spcPct val="100000"/>
-              </a:lnSpc>
-              <a:spcBef>
-                <a:spcPts val="0"/>
-              </a:spcBef>
-              <a:spcAft>
-                <a:spcPts val="0"/>
-              </a:spcAft>
-              <a:buClrTx/>
-              <a:buSzTx/>
-              <a:buFontTx/>
-              <a:buNone/>
-              <a:tabLst/>
-              <a:defRPr/>
-            </a:pPr>
-            <a:endParaRPr kumimoji="0" lang="en-US" sz="1800" b="0" i="0" u="none" strike="noStrike" kern="1200" cap="none" spc="0" normalizeH="0" baseline="0" noProof="0">
-              <a:ln>
-                <a:noFill/>
-              </a:ln>
-              <a:solidFill>
-                <a:prstClr val="white"/>
-              </a:solidFill>
-              <a:effectLst/>
-              <a:uLnTx/>
-              <a:uFillTx/>
-              <a:latin typeface="Calibri" panose="020F0502020204030204"/>
-              <a:ea typeface="+mn-ea"/>
-              <a:cs typeface="+mn-cs"/>
-            </a:endParaRPr>
-          </a:p>
-        </p:txBody>
-      </p:sp>
-      <p:sp>
-        <p:nvSpPr>
-          <p:cNvPr id="95" name="Freeform: Shape 94">
-            <a:extLst>
-              <a:ext uri="{FF2B5EF4-FFF2-40B4-BE49-F238E27FC236}">
-                <a16:creationId xmlns:a16="http://schemas.microsoft.com/office/drawing/2014/main" id="{FF9DEA15-78BD-4750-AA18-B9F28A6D5AB8}"/>
-              </a:ext>
-              <a:ext uri="{C183D7F6-B498-43B3-948B-1728B52AA6E4}">
-                <adec:decorative xmlns:adec="http://schemas.microsoft.com/office/drawing/2017/decorative" val="1"/>
-              </a:ext>
-            </a:extLst>
-          </p:cNvPr>
-          <p:cNvSpPr>
-            <a:spLocks noGrp="1" noRot="1" noChangeAspect="1" noMove="1" noResize="1" noEditPoints="1" noAdjustHandles="1" noChangeArrowheads="1" noChangeShapeType="1" noTextEdit="1"/>
-          </p:cNvSpPr>
-          <p:nvPr>
-            <p:extLst>
-              <p:ext uri="{386F3935-93C4-4BCD-93E2-E3B085C9AB24}">
-                <p16:designElem xmlns:p16="http://schemas.microsoft.com/office/powerpoint/2015/main" val="1"/>
-              </p:ext>
-            </p:extLst>
-          </p:nvPr>
-        </p:nvSpPr>
-        <p:spPr>
-          <a:xfrm>
-            <a:off x="0" y="0"/>
-            <a:ext cx="3284331" cy="6858000"/>
-          </a:xfrm>
-          <a:custGeom>
-            <a:avLst/>
-            <a:gdLst>
-              <a:gd name="connsiteX0" fmla="*/ 0 w 4319042"/>
-              <a:gd name="connsiteY0" fmla="*/ 0 h 6858000"/>
-              <a:gd name="connsiteX1" fmla="*/ 1142888 w 4319042"/>
-              <a:gd name="connsiteY1" fmla="*/ 0 h 6858000"/>
-              <a:gd name="connsiteX2" fmla="*/ 4319042 w 4319042"/>
-              <a:gd name="connsiteY2" fmla="*/ 6858000 h 6858000"/>
-              <a:gd name="connsiteX3" fmla="*/ 0 w 4319042"/>
-              <a:gd name="connsiteY3" fmla="*/ 6858000 h 6858000"/>
-            </a:gdLst>
-            <a:ahLst/>
-            <a:cxnLst>
-              <a:cxn ang="0">
-                <a:pos x="connsiteX0" y="connsiteY0"/>
-              </a:cxn>
-              <a:cxn ang="0">
-                <a:pos x="connsiteX1" y="connsiteY1"/>
-              </a:cxn>
-              <a:cxn ang="0">
-                <a:pos x="connsiteX2" y="connsiteY2"/>
-              </a:cxn>
-              <a:cxn ang="0">
-                <a:pos x="connsiteX3" y="connsiteY3"/>
-              </a:cxn>
-            </a:cxnLst>
-            <a:rect l="l" t="t" r="r" b="b"/>
-            <a:pathLst>
-              <a:path w="4319042" h="6858000">
-                <a:moveTo>
-                  <a:pt x="0" y="0"/>
-                </a:moveTo>
-                <a:lnTo>
-                  <a:pt x="1142888" y="0"/>
-                </a:lnTo>
-                <a:lnTo>
-                  <a:pt x="4319042" y="6858000"/>
-                </a:lnTo>
-                <a:lnTo>
-                  <a:pt x="0" y="6858000"/>
-                </a:lnTo>
-                <a:close/>
-              </a:path>
-            </a:pathLst>
-          </a:custGeom>
-          <a:solidFill>
-            <a:schemeClr val="tx1">
-              <a:alpha val="35000"/>
-            </a:schemeClr>
-          </a:solidFill>
-          <a:ln>
-            <a:noFill/>
-          </a:ln>
-        </p:spPr>
-        <p:style>
-          <a:lnRef idx="2">
-            <a:schemeClr val="accent1">
-              <a:shade val="50000"/>
-            </a:schemeClr>
-          </a:lnRef>
-          <a:fillRef idx="1">
-            <a:schemeClr val="accent1"/>
-          </a:fillRef>
-          <a:effectRef idx="0">
-            <a:schemeClr val="accent1"/>
-          </a:effectRef>
-          <a:fontRef idx="minor">
-            <a:schemeClr val="lt1"/>
-          </a:fontRef>
-        </p:style>
-        <p:txBody>
-          <a:bodyPr wrap="square" rtlCol="0" anchor="ctr">
-            <a:noAutofit/>
-          </a:bodyPr>
-          <a:lstStyle/>
-          <a:p>
-            <a:pPr marL="0" marR="0" lvl="0" indent="0" algn="ctr" defTabSz="914400" rtl="0" eaLnBrk="1" fontAlgn="auto" latinLnBrk="0" hangingPunct="1">
-              <a:lnSpc>
-                <a:spcPct val="100000"/>
-              </a:lnSpc>
-              <a:spcBef>
-                <a:spcPts val="0"/>
-              </a:spcBef>
-              <a:spcAft>
-                <a:spcPts val="0"/>
-              </a:spcAft>
-              <a:buClrTx/>
-              <a:buSzTx/>
-              <a:buFontTx/>
-              <a:buNone/>
-              <a:tabLst/>
-              <a:defRPr/>
-            </a:pPr>
-            <a:endParaRPr kumimoji="0" lang="en-US" sz="1800" b="0" i="0" u="none" strike="noStrike" kern="1200" cap="none" spc="0" normalizeH="0" baseline="0" noProof="0">
-              <a:ln>
-                <a:noFill/>
-              </a:ln>
-              <a:solidFill>
-                <a:prstClr val="white"/>
-              </a:solidFill>
-              <a:effectLst/>
-              <a:uLnTx/>
-              <a:uFillTx/>
-              <a:latin typeface="Calibri" panose="020F0502020204030204"/>
-              <a:ea typeface="+mn-ea"/>
-              <a:cs typeface="+mn-cs"/>
-            </a:endParaRPr>
-          </a:p>
-        </p:txBody>
-      </p:sp>
-      <p:sp>
-        <p:nvSpPr>
-          <p:cNvPr id="2" name="Title 1">
-            <a:extLst>
-              <a:ext uri="{FF2B5EF4-FFF2-40B4-BE49-F238E27FC236}">
-                <a16:creationId xmlns:a16="http://schemas.microsoft.com/office/drawing/2014/main" id="{25E8FA48-27FA-46BB-8ED7-936F48B12573}"/>
-              </a:ext>
-            </a:extLst>
-          </p:cNvPr>
-          <p:cNvSpPr>
-            <a:spLocks noGrp="1"/>
-          </p:cNvSpPr>
-          <p:nvPr>
-            <p:ph type="title"/>
-          </p:nvPr>
-        </p:nvSpPr>
-        <p:spPr>
-          <a:xfrm>
-            <a:off x="804672" y="640080"/>
-            <a:ext cx="3282696" cy="5257800"/>
-          </a:xfrm>
-        </p:spPr>
-        <p:txBody>
-          <a:bodyPr vert="horz" lIns="91440" tIns="45720" rIns="91440" bIns="45720" rtlCol="0">
-            <a:normAutofit/>
-          </a:bodyPr>
-          <a:lstStyle/>
-          <a:p>
-            <a:r>
-              <a:rPr lang="en-US" b="1" kern="1200" dirty="0">
-                <a:solidFill>
-                  <a:schemeClr val="bg1"/>
-                </a:solidFill>
-                <a:latin typeface="+mj-lt"/>
-                <a:ea typeface="+mj-ea"/>
-                <a:cs typeface="+mj-cs"/>
-              </a:rPr>
-              <a:t>Database</a:t>
-            </a:r>
-            <a:br>
-              <a:rPr lang="en-US" b="1" kern="1200" dirty="0">
-                <a:solidFill>
-                  <a:schemeClr val="bg1"/>
-                </a:solidFill>
-                <a:latin typeface="+mj-lt"/>
-                <a:ea typeface="+mj-ea"/>
-                <a:cs typeface="+mj-cs"/>
-              </a:rPr>
-            </a:br>
-            <a:r>
-              <a:rPr lang="en-US" kern="1200" dirty="0">
-                <a:solidFill>
-                  <a:schemeClr val="bg1"/>
-                </a:solidFill>
-                <a:latin typeface="+mj-lt"/>
-                <a:ea typeface="+mj-ea"/>
-                <a:cs typeface="+mj-cs"/>
-              </a:rPr>
-              <a:t>Schema</a:t>
-            </a:r>
-          </a:p>
-        </p:txBody>
-      </p:sp>
-      <p:sp>
-        <p:nvSpPr>
-          <p:cNvPr id="4" name="Content Placeholder 3">
-            <a:extLst>
-              <a:ext uri="{FF2B5EF4-FFF2-40B4-BE49-F238E27FC236}">
-                <a16:creationId xmlns:a16="http://schemas.microsoft.com/office/drawing/2014/main" id="{6687BE7B-454C-A3AE-8C92-88FF5ED25789}"/>
-              </a:ext>
-            </a:extLst>
-          </p:cNvPr>
-          <p:cNvSpPr>
-            <a:spLocks noGrp="1"/>
-          </p:cNvSpPr>
-          <p:nvPr>
-            <p:ph idx="1"/>
-          </p:nvPr>
-        </p:nvSpPr>
-        <p:spPr>
-          <a:xfrm>
-            <a:off x="5358384" y="640081"/>
-            <a:ext cx="6024654" cy="5257800"/>
-          </a:xfrm>
-        </p:spPr>
-        <p:txBody>
-          <a:bodyPr anchor="ctr">
-            <a:normAutofit/>
-          </a:bodyPr>
-          <a:lstStyle/>
-          <a:p>
-            <a:r>
-              <a:rPr lang="en-US" sz="3000" dirty="0"/>
-              <a:t>The database has tables for:</a:t>
-            </a:r>
-          </a:p>
-          <a:p>
-            <a:pPr lvl="1"/>
-            <a:r>
-              <a:rPr lang="en-US" sz="2600" dirty="0"/>
-              <a:t>Hiring managers and their accounts</a:t>
-            </a:r>
-          </a:p>
-          <a:p>
-            <a:pPr lvl="1"/>
-            <a:r>
-              <a:rPr lang="en-US" sz="2600" dirty="0"/>
-              <a:t>Candidates and their accounts</a:t>
-            </a:r>
-          </a:p>
-          <a:p>
-            <a:pPr lvl="1"/>
-            <a:r>
-              <a:rPr lang="en-US" sz="2600" dirty="0"/>
-              <a:t>Assessment templates</a:t>
-            </a:r>
-          </a:p>
-          <a:p>
-            <a:pPr lvl="1"/>
-            <a:r>
-              <a:rPr lang="en-US" sz="2600" dirty="0"/>
-              <a:t>Scenarios (questions)</a:t>
-            </a:r>
-          </a:p>
-          <a:p>
-            <a:pPr lvl="1"/>
-            <a:r>
-              <a:rPr lang="en-US" sz="2600" dirty="0"/>
-              <a:t>Invitations</a:t>
-            </a:r>
-          </a:p>
-          <a:p>
-            <a:pPr lvl="1"/>
-            <a:endParaRPr lang="en-GB" sz="2000" dirty="0"/>
-          </a:p>
-        </p:txBody>
-      </p:sp>
-    </p:spTree>
-    <p:extLst>
-      <p:ext uri="{BB962C8B-B14F-4D97-AF65-F5344CB8AC3E}">
-        <p14:creationId xmlns:p14="http://schemas.microsoft.com/office/powerpoint/2010/main" val="3860313996"/>
-      </p:ext>
-    </p:extLst>
-  </p:cSld>
-  <p:clrMapOvr>
-    <a:masterClrMapping/>
   </p:clrMapOvr>
   <p:timing>
     <p:tnLst>
@@ -20695,7 +20853,7 @@
           <a:lstStyle/>
           <a:p>
             <a:r>
-              <a:rPr lang="en-US" b="1" kern="1200">
+              <a:rPr lang="en-US" b="1" kern="1200" dirty="0">
                 <a:solidFill>
                   <a:schemeClr val="bg1"/>
                 </a:solidFill>
@@ -20706,7 +20864,7 @@
               <a:t>Database</a:t>
             </a:r>
             <a:br>
-              <a:rPr lang="en-US" b="1" kern="1200">
+              <a:rPr lang="en-US" b="1" kern="1200" dirty="0">
                 <a:solidFill>
                   <a:schemeClr val="bg1"/>
                 </a:solidFill>
@@ -20716,7 +20874,7 @@
               </a:rPr>
             </a:br>
             <a:r>
-              <a:rPr lang="en-US" kern="1200">
+              <a:rPr lang="en-US" sz="3600" kern="1200" dirty="0">
                 <a:solidFill>
                   <a:schemeClr val="bg1"/>
                 </a:solidFill>
@@ -21600,31 +21758,25 @@
               </a:rPr>
             </a:br>
             <a:r>
-              <a:rPr lang="en-US" kern="1200" dirty="0">
+              <a:rPr lang="en-US" sz="3600" kern="1200" dirty="0">
                 <a:solidFill>
                   <a:schemeClr val="bg1"/>
                 </a:solidFill>
-                <a:latin typeface="+mj-lt"/>
-                <a:ea typeface="+mj-ea"/>
-                <a:cs typeface="+mj-cs"/>
               </a:rPr>
               <a:t>Rationale for Som</a:t>
             </a:r>
             <a:r>
-              <a:rPr lang="en-US" dirty="0">
+              <a:rPr lang="en-US" sz="3600" dirty="0">
                 <a:solidFill>
                   <a:schemeClr val="bg1"/>
                 </a:solidFill>
               </a:rPr>
               <a:t>e Design Decisions</a:t>
             </a:r>
-            <a:endParaRPr lang="en-US" kern="1200" dirty="0">
+            <a:endParaRPr lang="en-US" sz="3600" kern="1200" dirty="0">
               <a:solidFill>
                 <a:schemeClr val="bg1"/>
               </a:solidFill>
-              <a:latin typeface="+mj-lt"/>
-              <a:ea typeface="+mj-ea"/>
-              <a:cs typeface="+mj-cs"/>
             </a:endParaRPr>
           </a:p>
         </p:txBody>
